--- a/documents/CESIZen.pptx
+++ b/documents/CESIZen.pptx
@@ -5,10 +5,10 @@
     <p:sldMasterId id="2147483658" r:id="rId4"/>
   </p:sldMasterIdLst>
   <p:notesMasterIdLst>
-    <p:notesMasterId r:id="rId23"/>
+    <p:notesMasterId r:id="rId24"/>
   </p:notesMasterIdLst>
   <p:handoutMasterIdLst>
-    <p:handoutMasterId r:id="rId24"/>
+    <p:handoutMasterId r:id="rId25"/>
   </p:handoutMasterIdLst>
   <p:sldIdLst>
     <p:sldId id="410" r:id="rId5"/>
@@ -28,7 +28,8 @@
     <p:sldId id="415" r:id="rId19"/>
     <p:sldId id="423" r:id="rId20"/>
     <p:sldId id="424" r:id="rId21"/>
-    <p:sldId id="398" r:id="rId22"/>
+    <p:sldId id="425" r:id="rId22"/>
+    <p:sldId id="398" r:id="rId23"/>
   </p:sldIdLst>
   <p:sldSz cx="12192000" cy="6858000"/>
   <p:notesSz cx="6858000" cy="9144000"/>
@@ -24278,7 +24279,7 @@
             <a:pPr rtl="0"/>
             <a:fld id="{A89C7E07-3C67-C64C-8DA0-0404F6303970}" type="slidenum">
               <a:rPr lang="fr-FR" smtClean="0"/>
-              <a:t>18</a:t>
+              <a:t>19</a:t>
             </a:fld>
             <a:endParaRPr lang="fr-FR" dirty="0"/>
           </a:p>
@@ -33896,6 +33897,91 @@
       </p:grpSpPr>
       <p:sp>
         <p:nvSpPr>
+          <p:cNvPr id="3" name="Espace réservé du tableau 2">
+            <a:extLst>
+              <a:ext uri="{FF2B5EF4-FFF2-40B4-BE49-F238E27FC236}">
+                <a16:creationId xmlns:a16="http://schemas.microsoft.com/office/drawing/2014/main" id="{CCA77488-10F3-382C-EEB8-72FD5B6DF756}"/>
+              </a:ext>
+            </a:extLst>
+          </p:cNvPr>
+          <p:cNvSpPr>
+            <a:spLocks noGrp="1"/>
+          </p:cNvSpPr>
+          <p:nvPr>
+            <p:ph type="tbl" sz="quarter" idx="10"/>
+          </p:nvPr>
+        </p:nvSpPr>
+        <p:spPr/>
+        <p:txBody>
+          <a:bodyPr/>
+          <a:lstStyle/>
+          <a:p>
+            <a:endParaRPr lang="fr-FR"/>
+          </a:p>
+        </p:txBody>
+      </p:sp>
+      <p:pic>
+        <p:nvPicPr>
+          <p:cNvPr id="5" name="Image 4">
+            <a:extLst>
+              <a:ext uri="{FF2B5EF4-FFF2-40B4-BE49-F238E27FC236}">
+                <a16:creationId xmlns:a16="http://schemas.microsoft.com/office/drawing/2014/main" id="{A2FAD1C5-FFF4-7438-E49F-805698983977}"/>
+              </a:ext>
+            </a:extLst>
+          </p:cNvPr>
+          <p:cNvPicPr>
+            <a:picLocks noChangeAspect="1"/>
+          </p:cNvPicPr>
+          <p:nvPr/>
+        </p:nvPicPr>
+        <p:blipFill>
+          <a:blip r:embed="rId2"/>
+          <a:stretch>
+            <a:fillRect/>
+          </a:stretch>
+        </p:blipFill>
+        <p:spPr>
+          <a:xfrm>
+            <a:off x="1785206" y="74409"/>
+            <a:ext cx="7716327" cy="1724266"/>
+          </a:xfrm>
+          <a:prstGeom prst="rect">
+            <a:avLst/>
+          </a:prstGeom>
+        </p:spPr>
+      </p:pic>
+    </p:spTree>
+    <p:extLst>
+      <p:ext uri="{BB962C8B-B14F-4D97-AF65-F5344CB8AC3E}">
+        <p14:creationId xmlns:p14="http://schemas.microsoft.com/office/powerpoint/2010/main" val="283169310"/>
+      </p:ext>
+    </p:extLst>
+  </p:cSld>
+  <p:clrMapOvr>
+    <a:masterClrMapping/>
+  </p:clrMapOvr>
+</p:sld>
+</file>
+
+<file path=ppt/slides/slide19.xml><?xml version="1.0" encoding="utf-8"?>
+<p:sld xmlns:a="http://schemas.openxmlformats.org/drawingml/2006/main" xmlns:r="http://schemas.openxmlformats.org/officeDocument/2006/relationships" xmlns:p="http://schemas.openxmlformats.org/presentationml/2006/main">
+  <p:cSld>
+    <p:spTree>
+      <p:nvGrpSpPr>
+        <p:cNvPr id="1" name=""/>
+        <p:cNvGrpSpPr/>
+        <p:nvPr/>
+      </p:nvGrpSpPr>
+      <p:grpSpPr>
+        <a:xfrm>
+          <a:off x="0" y="0"/>
+          <a:ext cx="0" cy="0"/>
+          <a:chOff x="0" y="0"/>
+          <a:chExt cx="0" cy="0"/>
+        </a:xfrm>
+      </p:grpSpPr>
+      <p:sp>
+        <p:nvSpPr>
           <p:cNvPr id="2" name="Titre 1">
             <a:extLst>
               <a:ext uri="{FF2B5EF4-FFF2-40B4-BE49-F238E27FC236}">
@@ -35473,6 +35559,26 @@
 </file>
 
 <file path=customXml/item2.xml><?xml version="1.0" encoding="utf-8"?>
+<p:properties xmlns:p="http://schemas.microsoft.com/office/2006/metadata/properties" xmlns:xsi="http://www.w3.org/2001/XMLSchema-instance" xmlns:pc="http://schemas.microsoft.com/office/infopath/2007/PartnerControls">
+  <documentManagement>
+    <Background xmlns="71af3243-3dd4-4a8d-8c0d-dd76da1f02a5">false</Background>
+    <Status xmlns="71af3243-3dd4-4a8d-8c0d-dd76da1f02a5">Not started</Status>
+    <_ip_UnifiedCompliancePolicyUIAction xmlns="http://schemas.microsoft.com/sharepoint/v3" xsi:nil="true"/>
+    <Image xmlns="71af3243-3dd4-4a8d-8c0d-dd76da1f02a5">
+      <Url xsi:nil="true"/>
+      <Description xsi:nil="true"/>
+    </Image>
+    <_ip_UnifiedCompliancePolicyProperties xmlns="http://schemas.microsoft.com/sharepoint/v3" xsi:nil="true"/>
+    <ImageTagsTaxHTField xmlns="71af3243-3dd4-4a8d-8c0d-dd76da1f02a5">
+      <Terms xmlns="http://schemas.microsoft.com/office/infopath/2007/PartnerControls"/>
+    </ImageTagsTaxHTField>
+    <TaxCatchAll xmlns="230e9df3-be65-4c73-a93b-d1236ebd677e" xsi:nil="true"/>
+    <MediaServiceKeyPoints xmlns="71af3243-3dd4-4a8d-8c0d-dd76da1f02a5" xsi:nil="true"/>
+  </documentManagement>
+</p:properties>
+</file>
+
+<file path=customXml/item3.xml><?xml version="1.0" encoding="utf-8"?>
 <ct:contentTypeSchema xmlns:ct="http://schemas.microsoft.com/office/2006/metadata/contentType" xmlns:ma="http://schemas.microsoft.com/office/2006/metadata/properties/metaAttributes" ct:_="" ma:_="" ma:contentTypeName="Document" ma:contentTypeID="0x01010079F111ED35F8CC479449609E8A0923A6" ma:contentTypeVersion="28" ma:contentTypeDescription="Create a new document." ma:contentTypeScope="" ma:versionID="60f5a4f2d2b0abadcf532d48ebf9cb71">
   <xsd:schema xmlns:xsd="http://www.w3.org/2001/XMLSchema" xmlns:xs="http://www.w3.org/2001/XMLSchema" xmlns:p="http://schemas.microsoft.com/office/2006/metadata/properties" xmlns:ns1="http://schemas.microsoft.com/sharepoint/v3" xmlns:ns2="71af3243-3dd4-4a8d-8c0d-dd76da1f02a5" xmlns:ns3="16c05727-aa75-4e4a-9b5f-8a80a1165891" xmlns:ns4="230e9df3-be65-4c73-a93b-d1236ebd677e" targetNamespace="http://schemas.microsoft.com/office/2006/metadata/properties" ma:root="true" ma:fieldsID="7dd78129e6a1811f84807ad11c651531" ns1:_="" ns2:_="" ns3:_="" ns4:_="">
     <xsd:import namespace="http://schemas.microsoft.com/sharepoint/v3"/>
@@ -35784,26 +35890,6 @@
 </ct:contentTypeSchema>
 </file>
 
-<file path=customXml/item3.xml><?xml version="1.0" encoding="utf-8"?>
-<p:properties xmlns:p="http://schemas.microsoft.com/office/2006/metadata/properties" xmlns:xsi="http://www.w3.org/2001/XMLSchema-instance" xmlns:pc="http://schemas.microsoft.com/office/infopath/2007/PartnerControls">
-  <documentManagement>
-    <Background xmlns="71af3243-3dd4-4a8d-8c0d-dd76da1f02a5">false</Background>
-    <Status xmlns="71af3243-3dd4-4a8d-8c0d-dd76da1f02a5">Not started</Status>
-    <_ip_UnifiedCompliancePolicyUIAction xmlns="http://schemas.microsoft.com/sharepoint/v3" xsi:nil="true"/>
-    <Image xmlns="71af3243-3dd4-4a8d-8c0d-dd76da1f02a5">
-      <Url xsi:nil="true"/>
-      <Description xsi:nil="true"/>
-    </Image>
-    <_ip_UnifiedCompliancePolicyProperties xmlns="http://schemas.microsoft.com/sharepoint/v3" xsi:nil="true"/>
-    <ImageTagsTaxHTField xmlns="71af3243-3dd4-4a8d-8c0d-dd76da1f02a5">
-      <Terms xmlns="http://schemas.microsoft.com/office/infopath/2007/PartnerControls"/>
-    </ImageTagsTaxHTField>
-    <TaxCatchAll xmlns="230e9df3-be65-4c73-a93b-d1236ebd677e" xsi:nil="true"/>
-    <MediaServiceKeyPoints xmlns="71af3243-3dd4-4a8d-8c0d-dd76da1f02a5" xsi:nil="true"/>
-  </documentManagement>
-</p:properties>
-</file>
-
 <file path=customXml/itemProps1.xml><?xml version="1.0" encoding="utf-8"?>
 <ds:datastoreItem xmlns:ds="http://schemas.openxmlformats.org/officeDocument/2006/customXml" ds:itemID="{C21FFAC0-05A2-416A-B06C-C248395482CF}">
   <ds:schemaRefs>
@@ -35813,6 +35899,18 @@
 </file>
 
 <file path=customXml/itemProps2.xml><?xml version="1.0" encoding="utf-8"?>
+<ds:datastoreItem xmlns:ds="http://schemas.openxmlformats.org/officeDocument/2006/customXml" ds:itemID="{4F4B194E-8B30-4377-8C59-ECFB902D2A26}">
+  <ds:schemaRefs>
+    <ds:schemaRef ds:uri="http://schemas.microsoft.com/office/2006/metadata/properties"/>
+    <ds:schemaRef ds:uri="http://schemas.microsoft.com/office/infopath/2007/PartnerControls"/>
+    <ds:schemaRef ds:uri="71af3243-3dd4-4a8d-8c0d-dd76da1f02a5"/>
+    <ds:schemaRef ds:uri="http://schemas.microsoft.com/sharepoint/v3"/>
+    <ds:schemaRef ds:uri="230e9df3-be65-4c73-a93b-d1236ebd677e"/>
+  </ds:schemaRefs>
+</ds:datastoreItem>
+</file>
+
+<file path=customXml/itemProps3.xml><?xml version="1.0" encoding="utf-8"?>
 <ds:datastoreItem xmlns:ds="http://schemas.openxmlformats.org/officeDocument/2006/customXml" ds:itemID="{92DB9E12-8AC3-4138-BF4D-720A5525AB10}">
   <ds:schemaRefs>
     <ds:schemaRef ds:uri="http://schemas.microsoft.com/office/2006/metadata/contentType"/>
@@ -35833,18 +35931,6 @@
 </ds:datastoreItem>
 </file>
 
-<file path=customXml/itemProps3.xml><?xml version="1.0" encoding="utf-8"?>
-<ds:datastoreItem xmlns:ds="http://schemas.openxmlformats.org/officeDocument/2006/customXml" ds:itemID="{4F4B194E-8B30-4377-8C59-ECFB902D2A26}">
-  <ds:schemaRefs>
-    <ds:schemaRef ds:uri="http://schemas.microsoft.com/office/2006/metadata/properties"/>
-    <ds:schemaRef ds:uri="http://schemas.microsoft.com/office/infopath/2007/PartnerControls"/>
-    <ds:schemaRef ds:uri="71af3243-3dd4-4a8d-8c0d-dd76da1f02a5"/>
-    <ds:schemaRef ds:uri="http://schemas.microsoft.com/sharepoint/v3"/>
-    <ds:schemaRef ds:uri="230e9df3-be65-4c73-a93b-d1236ebd677e"/>
-  </ds:schemaRefs>
-</ds:datastoreItem>
-</file>
-
 <file path=docMetadata/LabelInfo.xml><?xml version="1.0" encoding="utf-8"?>
 <clbl:labelList xmlns:clbl="http://schemas.microsoft.com/office/2020/mipLabelMetadata"/>
 </file>
--- a/documents/CESIZen.pptx
+++ b/documents/CESIZen.pptx
@@ -5,10 +5,10 @@
     <p:sldMasterId id="2147483658" r:id="rId4"/>
   </p:sldMasterIdLst>
   <p:notesMasterIdLst>
-    <p:notesMasterId r:id="rId24"/>
+    <p:notesMasterId r:id="rId23"/>
   </p:notesMasterIdLst>
   <p:handoutMasterIdLst>
-    <p:handoutMasterId r:id="rId25"/>
+    <p:handoutMasterId r:id="rId24"/>
   </p:handoutMasterIdLst>
   <p:sldIdLst>
     <p:sldId id="410" r:id="rId5"/>
@@ -28,8 +28,7 @@
     <p:sldId id="415" r:id="rId19"/>
     <p:sldId id="423" r:id="rId20"/>
     <p:sldId id="424" r:id="rId21"/>
-    <p:sldId id="425" r:id="rId22"/>
-    <p:sldId id="398" r:id="rId23"/>
+    <p:sldId id="398" r:id="rId22"/>
   </p:sldIdLst>
   <p:sldSz cx="12192000" cy="6858000"/>
   <p:notesSz cx="6858000" cy="9144000"/>
@@ -6533,7 +6532,7 @@
           </a:r>
           <a:r>
             <a:rPr lang="en-US" dirty="0" err="1"/>
-            <a:t>communautée</a:t>
+            <a:t>communauté</a:t>
           </a:r>
           <a:endParaRPr lang="en-US" dirty="0"/>
         </a:p>
@@ -6683,7 +6682,7 @@
         <a:p>
           <a:r>
             <a:rPr lang="en-US" dirty="0" err="1"/>
-            <a:t>Réduis</a:t>
+            <a:t>Réduit</a:t>
           </a:r>
           <a:r>
             <a:rPr lang="en-US" dirty="0"/>
@@ -6740,7 +6739,7 @@
           </a:r>
           <a:r>
             <a:rPr lang="en-US" dirty="0" err="1"/>
-            <a:t>d’utilization</a:t>
+            <a:t>d’utilisation</a:t>
           </a:r>
           <a:endParaRPr lang="en-US" dirty="0"/>
         </a:p>
@@ -6817,7 +6816,7 @@
           </a:r>
           <a:r>
             <a:rPr lang="en-US" dirty="0" err="1"/>
-            <a:t>d’utilization</a:t>
+            <a:t>d’utilisation</a:t>
           </a:r>
           <a:endParaRPr lang="en-US" dirty="0"/>
         </a:p>
@@ -7081,10 +7080,10 @@
         <a:lstStyle/>
         <a:p>
           <a:r>
-            <a:rPr lang="fr-FR" b="1" i="0"/>
-            <a:t>Grosse communauté</a:t>
+            <a:rPr lang="fr-FR" b="1" i="0" dirty="0"/>
+            <a:t>Grande communauté</a:t>
           </a:r>
-          <a:endParaRPr lang="en-US"/>
+          <a:endParaRPr lang="en-US" dirty="0"/>
         </a:p>
       </dgm:t>
     </dgm:pt>
@@ -9471,7 +9470,7 @@
           </a:r>
           <a:r>
             <a:rPr lang="en-US" sz="1500" kern="1200" dirty="0" err="1"/>
-            <a:t>d’utilization</a:t>
+            <a:t>d’utilisation</a:t>
           </a:r>
           <a:endParaRPr lang="en-US" sz="1500" kern="1200" dirty="0"/>
         </a:p>
@@ -9532,7 +9531,7 @@
           </a:pPr>
           <a:r>
             <a:rPr lang="en-US" sz="1500" kern="1200" dirty="0" err="1"/>
-            <a:t>Réduis</a:t>
+            <a:t>Réduit</a:t>
           </a:r>
           <a:r>
             <a:rPr lang="en-US" sz="1500" kern="1200" dirty="0"/>
@@ -9571,7 +9570,7 @@
           </a:r>
           <a:r>
             <a:rPr lang="en-US" sz="1500" kern="1200" dirty="0" err="1"/>
-            <a:t>d’utilization</a:t>
+            <a:t>d’utilisation</a:t>
           </a:r>
           <a:endParaRPr lang="en-US" sz="1500" kern="1200" dirty="0"/>
         </a:p>
@@ -9930,7 +9929,7 @@
           </a:r>
           <a:r>
             <a:rPr lang="en-US" sz="1500" kern="1200" dirty="0" err="1"/>
-            <a:t>communautée</a:t>
+            <a:t>communauté</a:t>
           </a:r>
           <a:endParaRPr lang="en-US" sz="1500" kern="1200" dirty="0"/>
         </a:p>
@@ -10125,10 +10124,10 @@
             <a:buNone/>
           </a:pPr>
           <a:r>
-            <a:rPr lang="fr-FR" sz="2500" b="1" i="0" kern="1200"/>
-            <a:t>Grosse communauté</a:t>
+            <a:rPr lang="fr-FR" sz="2500" b="1" i="0" kern="1200" dirty="0"/>
+            <a:t>Grande communauté</a:t>
           </a:r>
-          <a:endParaRPr lang="en-US" sz="2500" kern="1200"/>
+          <a:endParaRPr lang="en-US" sz="2500" kern="1200" dirty="0"/>
         </a:p>
       </dsp:txBody>
       <dsp:txXfrm>
@@ -24279,7 +24278,7 @@
             <a:pPr rtl="0"/>
             <a:fld id="{A89C7E07-3C67-C64C-8DA0-0404F6303970}" type="slidenum">
               <a:rPr lang="fr-FR" smtClean="0"/>
-              <a:t>19</a:t>
+              <a:t>18</a:t>
             </a:fld>
             <a:endParaRPr lang="fr-FR" dirty="0"/>
           </a:p>
@@ -32998,7 +32997,7 @@
           <p:nvPr>
             <p:extLst>
               <p:ext uri="{D42A27DB-BD31-4B8C-83A1-F6EECF244321}">
-                <p14:modId xmlns:p14="http://schemas.microsoft.com/office/powerpoint/2010/main" val="519734293"/>
+                <p14:modId xmlns:p14="http://schemas.microsoft.com/office/powerpoint/2010/main" val="18358084"/>
               </p:ext>
             </p:extLst>
           </p:nvPr>
@@ -33897,91 +33896,6 @@
       </p:grpSpPr>
       <p:sp>
         <p:nvSpPr>
-          <p:cNvPr id="3" name="Espace réservé du tableau 2">
-            <a:extLst>
-              <a:ext uri="{FF2B5EF4-FFF2-40B4-BE49-F238E27FC236}">
-                <a16:creationId xmlns:a16="http://schemas.microsoft.com/office/drawing/2014/main" id="{CCA77488-10F3-382C-EEB8-72FD5B6DF756}"/>
-              </a:ext>
-            </a:extLst>
-          </p:cNvPr>
-          <p:cNvSpPr>
-            <a:spLocks noGrp="1"/>
-          </p:cNvSpPr>
-          <p:nvPr>
-            <p:ph type="tbl" sz="quarter" idx="10"/>
-          </p:nvPr>
-        </p:nvSpPr>
-        <p:spPr/>
-        <p:txBody>
-          <a:bodyPr/>
-          <a:lstStyle/>
-          <a:p>
-            <a:endParaRPr lang="fr-FR"/>
-          </a:p>
-        </p:txBody>
-      </p:sp>
-      <p:pic>
-        <p:nvPicPr>
-          <p:cNvPr id="5" name="Image 4">
-            <a:extLst>
-              <a:ext uri="{FF2B5EF4-FFF2-40B4-BE49-F238E27FC236}">
-                <a16:creationId xmlns:a16="http://schemas.microsoft.com/office/drawing/2014/main" id="{A2FAD1C5-FFF4-7438-E49F-805698983977}"/>
-              </a:ext>
-            </a:extLst>
-          </p:cNvPr>
-          <p:cNvPicPr>
-            <a:picLocks noChangeAspect="1"/>
-          </p:cNvPicPr>
-          <p:nvPr/>
-        </p:nvPicPr>
-        <p:blipFill>
-          <a:blip r:embed="rId2"/>
-          <a:stretch>
-            <a:fillRect/>
-          </a:stretch>
-        </p:blipFill>
-        <p:spPr>
-          <a:xfrm>
-            <a:off x="1785206" y="74409"/>
-            <a:ext cx="7716327" cy="1724266"/>
-          </a:xfrm>
-          <a:prstGeom prst="rect">
-            <a:avLst/>
-          </a:prstGeom>
-        </p:spPr>
-      </p:pic>
-    </p:spTree>
-    <p:extLst>
-      <p:ext uri="{BB962C8B-B14F-4D97-AF65-F5344CB8AC3E}">
-        <p14:creationId xmlns:p14="http://schemas.microsoft.com/office/powerpoint/2010/main" val="283169310"/>
-      </p:ext>
-    </p:extLst>
-  </p:cSld>
-  <p:clrMapOvr>
-    <a:masterClrMapping/>
-  </p:clrMapOvr>
-</p:sld>
-</file>
-
-<file path=ppt/slides/slide19.xml><?xml version="1.0" encoding="utf-8"?>
-<p:sld xmlns:a="http://schemas.openxmlformats.org/drawingml/2006/main" xmlns:r="http://schemas.openxmlformats.org/officeDocument/2006/relationships" xmlns:p="http://schemas.openxmlformats.org/presentationml/2006/main">
-  <p:cSld>
-    <p:spTree>
-      <p:nvGrpSpPr>
-        <p:cNvPr id="1" name=""/>
-        <p:cNvGrpSpPr/>
-        <p:nvPr/>
-      </p:nvGrpSpPr>
-      <p:grpSpPr>
-        <a:xfrm>
-          <a:off x="0" y="0"/>
-          <a:ext cx="0" cy="0"/>
-          <a:chOff x="0" y="0"/>
-          <a:chExt cx="0" cy="0"/>
-        </a:xfrm>
-      </p:grpSpPr>
-      <p:sp>
-        <p:nvSpPr>
           <p:cNvPr id="2" name="Titre 1">
             <a:extLst>
               <a:ext uri="{FF2B5EF4-FFF2-40B4-BE49-F238E27FC236}">
@@ -34405,7 +34319,7 @@
           <p:nvPr>
             <p:extLst>
               <p:ext uri="{D42A27DB-BD31-4B8C-83A1-F6EECF244321}">
-                <p14:modId xmlns:p14="http://schemas.microsoft.com/office/powerpoint/2010/main" val="3170204467"/>
+                <p14:modId xmlns:p14="http://schemas.microsoft.com/office/powerpoint/2010/main" val="2431665704"/>
               </p:ext>
             </p:extLst>
           </p:nvPr>
@@ -34420,6 +34334,194 @@
           </a:graphicData>
         </a:graphic>
       </p:graphicFrame>
+      <p:pic>
+        <p:nvPicPr>
+          <p:cNvPr id="1028" name="Picture 4" descr="Nextjs icon in SVG, PNG formats">
+            <a:extLst>
+              <a:ext uri="{FF2B5EF4-FFF2-40B4-BE49-F238E27FC236}">
+                <a16:creationId xmlns:a16="http://schemas.microsoft.com/office/drawing/2014/main" id="{DEC92CF3-F4F6-6EA8-F090-FD1468EB021F}"/>
+              </a:ext>
+            </a:extLst>
+          </p:cNvPr>
+          <p:cNvPicPr>
+            <a:picLocks noChangeAspect="1" noChangeArrowheads="1"/>
+          </p:cNvPicPr>
+          <p:nvPr/>
+        </p:nvPicPr>
+        <p:blipFill>
+          <a:blip r:embed="rId7">
+            <a:extLst>
+              <a:ext uri="{28A0092B-C50C-407E-A947-70E740481C1C}">
+                <a14:useLocalDpi xmlns:a14="http://schemas.microsoft.com/office/drawing/2010/main" val="0"/>
+              </a:ext>
+            </a:extLst>
+          </a:blip>
+          <a:srcRect/>
+          <a:stretch>
+            <a:fillRect/>
+          </a:stretch>
+        </p:blipFill>
+        <p:spPr bwMode="auto">
+          <a:xfrm>
+            <a:off x="3096768" y="3517392"/>
+            <a:ext cx="673608" cy="673608"/>
+          </a:xfrm>
+          <a:prstGeom prst="rect">
+            <a:avLst/>
+          </a:prstGeom>
+          <a:noFill/>
+          <a:extLst>
+            <a:ext uri="{909E8E84-426E-40DD-AFC4-6F175D3DCCD1}">
+              <a14:hiddenFill xmlns:a14="http://schemas.microsoft.com/office/drawing/2010/main">
+                <a:solidFill>
+                  <a:srgbClr val="FFFFFF"/>
+                </a:solidFill>
+              </a14:hiddenFill>
+            </a:ext>
+          </a:extLst>
+        </p:spPr>
+      </p:pic>
+      <p:pic>
+        <p:nvPicPr>
+          <p:cNvPr id="1034" name="Picture 10" descr="Prisma Logo PNG Vector">
+            <a:extLst>
+              <a:ext uri="{FF2B5EF4-FFF2-40B4-BE49-F238E27FC236}">
+                <a16:creationId xmlns:a16="http://schemas.microsoft.com/office/drawing/2014/main" id="{F9BF4A7E-94B6-499F-5ECE-ED7E36524C78}"/>
+              </a:ext>
+            </a:extLst>
+          </p:cNvPr>
+          <p:cNvPicPr>
+            <a:picLocks noChangeAspect="1" noChangeArrowheads="1"/>
+          </p:cNvPicPr>
+          <p:nvPr/>
+        </p:nvPicPr>
+        <p:blipFill>
+          <a:blip r:embed="rId8">
+            <a:extLst>
+              <a:ext uri="{28A0092B-C50C-407E-A947-70E740481C1C}">
+                <a14:useLocalDpi xmlns:a14="http://schemas.microsoft.com/office/drawing/2010/main" val="0"/>
+              </a:ext>
+            </a:extLst>
+          </a:blip>
+          <a:srcRect/>
+          <a:stretch>
+            <a:fillRect/>
+          </a:stretch>
+        </p:blipFill>
+        <p:spPr bwMode="auto">
+          <a:xfrm>
+            <a:off x="3068956" y="4739831"/>
+            <a:ext cx="817054" cy="817054"/>
+          </a:xfrm>
+          <a:prstGeom prst="rect">
+            <a:avLst/>
+          </a:prstGeom>
+          <a:noFill/>
+          <a:extLst>
+            <a:ext uri="{909E8E84-426E-40DD-AFC4-6F175D3DCCD1}">
+              <a14:hiddenFill xmlns:a14="http://schemas.microsoft.com/office/drawing/2010/main">
+                <a:solidFill>
+                  <a:srgbClr val="FFFFFF"/>
+                </a:solidFill>
+              </a14:hiddenFill>
+            </a:ext>
+          </a:extLst>
+        </p:spPr>
+      </p:pic>
+      <p:pic>
+        <p:nvPicPr>
+          <p:cNvPr id="1038" name="Picture 14" descr="React Logo Png">
+            <a:extLst>
+              <a:ext uri="{FF2B5EF4-FFF2-40B4-BE49-F238E27FC236}">
+                <a16:creationId xmlns:a16="http://schemas.microsoft.com/office/drawing/2014/main" id="{389D4441-DC2B-C333-2DC4-0B5FC949AE70}"/>
+              </a:ext>
+            </a:extLst>
+          </p:cNvPr>
+          <p:cNvPicPr>
+            <a:picLocks noChangeAspect="1" noChangeArrowheads="1"/>
+          </p:cNvPicPr>
+          <p:nvPr/>
+        </p:nvPicPr>
+        <p:blipFill>
+          <a:blip r:embed="rId9">
+            <a:extLst>
+              <a:ext uri="{28A0092B-C50C-407E-A947-70E740481C1C}">
+                <a14:useLocalDpi xmlns:a14="http://schemas.microsoft.com/office/drawing/2010/main" val="0"/>
+              </a:ext>
+            </a:extLst>
+          </a:blip>
+          <a:srcRect/>
+          <a:stretch>
+            <a:fillRect/>
+          </a:stretch>
+        </p:blipFill>
+        <p:spPr bwMode="auto">
+          <a:xfrm>
+            <a:off x="6691821" y="3334512"/>
+            <a:ext cx="1092945" cy="1170432"/>
+          </a:xfrm>
+          <a:prstGeom prst="rect">
+            <a:avLst/>
+          </a:prstGeom>
+          <a:noFill/>
+          <a:extLst>
+            <a:ext uri="{909E8E84-426E-40DD-AFC4-6F175D3DCCD1}">
+              <a14:hiddenFill xmlns:a14="http://schemas.microsoft.com/office/drawing/2010/main">
+                <a:solidFill>
+                  <a:srgbClr val="FFFFFF"/>
+                </a:solidFill>
+              </a14:hiddenFill>
+            </a:ext>
+          </a:extLst>
+        </p:spPr>
+      </p:pic>
+      <p:pic>
+        <p:nvPicPr>
+          <p:cNvPr id="2" name="Picture 14" descr="React Logo Png">
+            <a:extLst>
+              <a:ext uri="{FF2B5EF4-FFF2-40B4-BE49-F238E27FC236}">
+                <a16:creationId xmlns:a16="http://schemas.microsoft.com/office/drawing/2014/main" id="{89DE58BF-14C8-DEB4-8BDE-BFB9B1E7D864}"/>
+              </a:ext>
+            </a:extLst>
+          </p:cNvPr>
+          <p:cNvPicPr>
+            <a:picLocks noChangeAspect="1" noChangeArrowheads="1"/>
+          </p:cNvPicPr>
+          <p:nvPr/>
+        </p:nvPicPr>
+        <p:blipFill>
+          <a:blip r:embed="rId9">
+            <a:extLst>
+              <a:ext uri="{28A0092B-C50C-407E-A947-70E740481C1C}">
+                <a14:useLocalDpi xmlns:a14="http://schemas.microsoft.com/office/drawing/2010/main" val="0"/>
+              </a:ext>
+            </a:extLst>
+          </a:blip>
+          <a:srcRect/>
+          <a:stretch>
+            <a:fillRect/>
+          </a:stretch>
+        </p:blipFill>
+        <p:spPr bwMode="auto">
+          <a:xfrm>
+            <a:off x="10404285" y="3334512"/>
+            <a:ext cx="1092945" cy="1170432"/>
+          </a:xfrm>
+          <a:prstGeom prst="rect">
+            <a:avLst/>
+          </a:prstGeom>
+          <a:noFill/>
+          <a:extLst>
+            <a:ext uri="{909E8E84-426E-40DD-AFC4-6F175D3DCCD1}">
+              <a14:hiddenFill xmlns:a14="http://schemas.microsoft.com/office/drawing/2010/main">
+                <a:solidFill>
+                  <a:srgbClr val="FFFFFF"/>
+                </a:solidFill>
+              </a14:hiddenFill>
+            </a:ext>
+          </a:extLst>
+        </p:spPr>
+      </p:pic>
     </p:spTree>
     <p:extLst>
       <p:ext uri="{BB962C8B-B14F-4D97-AF65-F5344CB8AC3E}">
@@ -35559,26 +35661,6 @@
 </file>
 
 <file path=customXml/item2.xml><?xml version="1.0" encoding="utf-8"?>
-<p:properties xmlns:p="http://schemas.microsoft.com/office/2006/metadata/properties" xmlns:xsi="http://www.w3.org/2001/XMLSchema-instance" xmlns:pc="http://schemas.microsoft.com/office/infopath/2007/PartnerControls">
-  <documentManagement>
-    <Background xmlns="71af3243-3dd4-4a8d-8c0d-dd76da1f02a5">false</Background>
-    <Status xmlns="71af3243-3dd4-4a8d-8c0d-dd76da1f02a5">Not started</Status>
-    <_ip_UnifiedCompliancePolicyUIAction xmlns="http://schemas.microsoft.com/sharepoint/v3" xsi:nil="true"/>
-    <Image xmlns="71af3243-3dd4-4a8d-8c0d-dd76da1f02a5">
-      <Url xsi:nil="true"/>
-      <Description xsi:nil="true"/>
-    </Image>
-    <_ip_UnifiedCompliancePolicyProperties xmlns="http://schemas.microsoft.com/sharepoint/v3" xsi:nil="true"/>
-    <ImageTagsTaxHTField xmlns="71af3243-3dd4-4a8d-8c0d-dd76da1f02a5">
-      <Terms xmlns="http://schemas.microsoft.com/office/infopath/2007/PartnerControls"/>
-    </ImageTagsTaxHTField>
-    <TaxCatchAll xmlns="230e9df3-be65-4c73-a93b-d1236ebd677e" xsi:nil="true"/>
-    <MediaServiceKeyPoints xmlns="71af3243-3dd4-4a8d-8c0d-dd76da1f02a5" xsi:nil="true"/>
-  </documentManagement>
-</p:properties>
-</file>
-
-<file path=customXml/item3.xml><?xml version="1.0" encoding="utf-8"?>
 <ct:contentTypeSchema xmlns:ct="http://schemas.microsoft.com/office/2006/metadata/contentType" xmlns:ma="http://schemas.microsoft.com/office/2006/metadata/properties/metaAttributes" ct:_="" ma:_="" ma:contentTypeName="Document" ma:contentTypeID="0x01010079F111ED35F8CC479449609E8A0923A6" ma:contentTypeVersion="28" ma:contentTypeDescription="Create a new document." ma:contentTypeScope="" ma:versionID="60f5a4f2d2b0abadcf532d48ebf9cb71">
   <xsd:schema xmlns:xsd="http://www.w3.org/2001/XMLSchema" xmlns:xs="http://www.w3.org/2001/XMLSchema" xmlns:p="http://schemas.microsoft.com/office/2006/metadata/properties" xmlns:ns1="http://schemas.microsoft.com/sharepoint/v3" xmlns:ns2="71af3243-3dd4-4a8d-8c0d-dd76da1f02a5" xmlns:ns3="16c05727-aa75-4e4a-9b5f-8a80a1165891" xmlns:ns4="230e9df3-be65-4c73-a93b-d1236ebd677e" targetNamespace="http://schemas.microsoft.com/office/2006/metadata/properties" ma:root="true" ma:fieldsID="7dd78129e6a1811f84807ad11c651531" ns1:_="" ns2:_="" ns3:_="" ns4:_="">
     <xsd:import namespace="http://schemas.microsoft.com/sharepoint/v3"/>
@@ -35890,6 +35972,26 @@
 </ct:contentTypeSchema>
 </file>
 
+<file path=customXml/item3.xml><?xml version="1.0" encoding="utf-8"?>
+<p:properties xmlns:p="http://schemas.microsoft.com/office/2006/metadata/properties" xmlns:xsi="http://www.w3.org/2001/XMLSchema-instance" xmlns:pc="http://schemas.microsoft.com/office/infopath/2007/PartnerControls">
+  <documentManagement>
+    <Background xmlns="71af3243-3dd4-4a8d-8c0d-dd76da1f02a5">false</Background>
+    <Status xmlns="71af3243-3dd4-4a8d-8c0d-dd76da1f02a5">Not started</Status>
+    <_ip_UnifiedCompliancePolicyUIAction xmlns="http://schemas.microsoft.com/sharepoint/v3" xsi:nil="true"/>
+    <Image xmlns="71af3243-3dd4-4a8d-8c0d-dd76da1f02a5">
+      <Url xsi:nil="true"/>
+      <Description xsi:nil="true"/>
+    </Image>
+    <_ip_UnifiedCompliancePolicyProperties xmlns="http://schemas.microsoft.com/sharepoint/v3" xsi:nil="true"/>
+    <ImageTagsTaxHTField xmlns="71af3243-3dd4-4a8d-8c0d-dd76da1f02a5">
+      <Terms xmlns="http://schemas.microsoft.com/office/infopath/2007/PartnerControls"/>
+    </ImageTagsTaxHTField>
+    <TaxCatchAll xmlns="230e9df3-be65-4c73-a93b-d1236ebd677e" xsi:nil="true"/>
+    <MediaServiceKeyPoints xmlns="71af3243-3dd4-4a8d-8c0d-dd76da1f02a5" xsi:nil="true"/>
+  </documentManagement>
+</p:properties>
+</file>
+
 <file path=customXml/itemProps1.xml><?xml version="1.0" encoding="utf-8"?>
 <ds:datastoreItem xmlns:ds="http://schemas.openxmlformats.org/officeDocument/2006/customXml" ds:itemID="{C21FFAC0-05A2-416A-B06C-C248395482CF}">
   <ds:schemaRefs>
@@ -35899,18 +36001,6 @@
 </file>
 
 <file path=customXml/itemProps2.xml><?xml version="1.0" encoding="utf-8"?>
-<ds:datastoreItem xmlns:ds="http://schemas.openxmlformats.org/officeDocument/2006/customXml" ds:itemID="{4F4B194E-8B30-4377-8C59-ECFB902D2A26}">
-  <ds:schemaRefs>
-    <ds:schemaRef ds:uri="http://schemas.microsoft.com/office/2006/metadata/properties"/>
-    <ds:schemaRef ds:uri="http://schemas.microsoft.com/office/infopath/2007/PartnerControls"/>
-    <ds:schemaRef ds:uri="71af3243-3dd4-4a8d-8c0d-dd76da1f02a5"/>
-    <ds:schemaRef ds:uri="http://schemas.microsoft.com/sharepoint/v3"/>
-    <ds:schemaRef ds:uri="230e9df3-be65-4c73-a93b-d1236ebd677e"/>
-  </ds:schemaRefs>
-</ds:datastoreItem>
-</file>
-
-<file path=customXml/itemProps3.xml><?xml version="1.0" encoding="utf-8"?>
 <ds:datastoreItem xmlns:ds="http://schemas.openxmlformats.org/officeDocument/2006/customXml" ds:itemID="{92DB9E12-8AC3-4138-BF4D-720A5525AB10}">
   <ds:schemaRefs>
     <ds:schemaRef ds:uri="http://schemas.microsoft.com/office/2006/metadata/contentType"/>
@@ -35931,6 +36021,18 @@
 </ds:datastoreItem>
 </file>
 
+<file path=customXml/itemProps3.xml><?xml version="1.0" encoding="utf-8"?>
+<ds:datastoreItem xmlns:ds="http://schemas.openxmlformats.org/officeDocument/2006/customXml" ds:itemID="{4F4B194E-8B30-4377-8C59-ECFB902D2A26}">
+  <ds:schemaRefs>
+    <ds:schemaRef ds:uri="http://schemas.microsoft.com/office/2006/metadata/properties"/>
+    <ds:schemaRef ds:uri="http://schemas.microsoft.com/office/infopath/2007/PartnerControls"/>
+    <ds:schemaRef ds:uri="71af3243-3dd4-4a8d-8c0d-dd76da1f02a5"/>
+    <ds:schemaRef ds:uri="http://schemas.microsoft.com/sharepoint/v3"/>
+    <ds:schemaRef ds:uri="230e9df3-be65-4c73-a93b-d1236ebd677e"/>
+  </ds:schemaRefs>
+</ds:datastoreItem>
+</file>
+
 <file path=docMetadata/LabelInfo.xml><?xml version="1.0" encoding="utf-8"?>
 <clbl:labelList xmlns:clbl="http://schemas.microsoft.com/office/2020/mipLabelMetadata"/>
 </file>
--- a/documents/CESIZen.pptx
+++ b/documents/CESIZen.pptx
@@ -6921,6 +6921,268 @@
         </a:p>
       </dgm:t>
     </dgm:pt>
+    <dgm:pt modelId="{6F433B9F-9C52-4F5D-8535-EFE0B36EBC90}">
+      <dgm:prSet/>
+      <dgm:spPr/>
+      <dgm:t>
+        <a:bodyPr/>
+        <a:lstStyle/>
+        <a:p>
+          <a:r>
+            <a:rPr lang="en-US" dirty="0"/>
+            <a:t>Auth</a:t>
+          </a:r>
+        </a:p>
+      </dgm:t>
+    </dgm:pt>
+    <dgm:pt modelId="{B4C19808-794D-47E1-979F-07E96BF3BD1E}" type="parTrans" cxnId="{C7FEE48C-66DA-4F12-AE28-072FF3DA593E}">
+      <dgm:prSet/>
+      <dgm:spPr/>
+      <dgm:t>
+        <a:bodyPr/>
+        <a:lstStyle/>
+        <a:p>
+          <a:endParaRPr lang="fr-FR"/>
+        </a:p>
+      </dgm:t>
+    </dgm:pt>
+    <dgm:pt modelId="{3E8C7ED2-8F14-4303-86A7-785FAC30B82B}" type="sibTrans" cxnId="{C7FEE48C-66DA-4F12-AE28-072FF3DA593E}">
+      <dgm:prSet/>
+      <dgm:spPr/>
+      <dgm:t>
+        <a:bodyPr/>
+        <a:lstStyle/>
+        <a:p>
+          <a:endParaRPr lang="fr-FR"/>
+        </a:p>
+      </dgm:t>
+    </dgm:pt>
+    <dgm:pt modelId="{A4D637F5-B498-4375-B2F1-39201D4121AD}">
+      <dgm:prSet/>
+      <dgm:spPr/>
+      <dgm:t>
+        <a:bodyPr/>
+        <a:lstStyle/>
+        <a:p>
+          <a:r>
+            <a:rPr lang="en-US" dirty="0"/>
+            <a:t>Clerk</a:t>
+          </a:r>
+        </a:p>
+      </dgm:t>
+    </dgm:pt>
+    <dgm:pt modelId="{E79DD524-C496-465E-9F76-F5BC3F6DA9A6}" type="parTrans" cxnId="{FD8DCB9C-14EE-4EAE-80E2-D49A3AB795C2}">
+      <dgm:prSet/>
+      <dgm:spPr/>
+      <dgm:t>
+        <a:bodyPr/>
+        <a:lstStyle/>
+        <a:p>
+          <a:endParaRPr lang="fr-FR"/>
+        </a:p>
+      </dgm:t>
+    </dgm:pt>
+    <dgm:pt modelId="{64AA23DC-4003-4B4B-A253-916B25C6DF20}" type="sibTrans" cxnId="{FD8DCB9C-14EE-4EAE-80E2-D49A3AB795C2}">
+      <dgm:prSet/>
+      <dgm:spPr/>
+      <dgm:t>
+        <a:bodyPr/>
+        <a:lstStyle/>
+        <a:p>
+          <a:endParaRPr lang="fr-FR"/>
+        </a:p>
+      </dgm:t>
+    </dgm:pt>
+    <dgm:pt modelId="{EBC63AA8-4C00-4DF4-BD1D-A6E9F1230538}">
+      <dgm:prSet/>
+      <dgm:spPr/>
+      <dgm:t>
+        <a:bodyPr/>
+        <a:lstStyle/>
+        <a:p>
+          <a:r>
+            <a:rPr lang="en-US" dirty="0"/>
+            <a:t>SaaS simple à </a:t>
+          </a:r>
+          <a:r>
+            <a:rPr lang="en-US" dirty="0" err="1"/>
+            <a:t>intégrer</a:t>
+          </a:r>
+          <a:endParaRPr lang="en-US" dirty="0"/>
+        </a:p>
+      </dgm:t>
+    </dgm:pt>
+    <dgm:pt modelId="{AC41DC75-D816-4B74-B0B8-87C1B9EFA2E6}" type="parTrans" cxnId="{B6C6052B-0427-4B23-996E-89A420889744}">
+      <dgm:prSet/>
+      <dgm:spPr/>
+      <dgm:t>
+        <a:bodyPr/>
+        <a:lstStyle/>
+        <a:p>
+          <a:endParaRPr lang="fr-FR"/>
+        </a:p>
+      </dgm:t>
+    </dgm:pt>
+    <dgm:pt modelId="{EB58E719-3199-44C6-B4A7-26596EB9C448}" type="sibTrans" cxnId="{B6C6052B-0427-4B23-996E-89A420889744}">
+      <dgm:prSet/>
+      <dgm:spPr/>
+      <dgm:t>
+        <a:bodyPr/>
+        <a:lstStyle/>
+        <a:p>
+          <a:endParaRPr lang="fr-FR"/>
+        </a:p>
+      </dgm:t>
+    </dgm:pt>
+    <dgm:pt modelId="{C1F8E40C-4345-4F2C-9621-5D2BFAB6DF7D}">
+      <dgm:prSet/>
+      <dgm:spPr/>
+      <dgm:t>
+        <a:bodyPr/>
+        <a:lstStyle/>
+        <a:p>
+          <a:r>
+            <a:rPr lang="en-US" dirty="0" err="1"/>
+            <a:t>Surcouche</a:t>
+          </a:r>
+          <a:r>
+            <a:rPr lang="en-US" dirty="0"/>
+            <a:t> </a:t>
+          </a:r>
+          <a:r>
+            <a:rPr lang="en-US" dirty="0" err="1"/>
+            <a:t>personnalisée</a:t>
+          </a:r>
+          <a:endParaRPr lang="en-US" dirty="0"/>
+        </a:p>
+      </dgm:t>
+    </dgm:pt>
+    <dgm:pt modelId="{62F05BB3-9DEF-42E2-810D-D28144589A9C}" type="parTrans" cxnId="{0DE789BD-728B-44B0-A056-DDBE8E2AFA27}">
+      <dgm:prSet/>
+      <dgm:spPr/>
+      <dgm:t>
+        <a:bodyPr/>
+        <a:lstStyle/>
+        <a:p>
+          <a:endParaRPr lang="fr-FR"/>
+        </a:p>
+      </dgm:t>
+    </dgm:pt>
+    <dgm:pt modelId="{526B00FB-4B60-4902-9550-C43739A25E2D}" type="sibTrans" cxnId="{0DE789BD-728B-44B0-A056-DDBE8E2AFA27}">
+      <dgm:prSet/>
+      <dgm:spPr/>
+      <dgm:t>
+        <a:bodyPr/>
+        <a:lstStyle/>
+        <a:p>
+          <a:endParaRPr lang="fr-FR"/>
+        </a:p>
+      </dgm:t>
+    </dgm:pt>
+    <dgm:pt modelId="{3A5DFDE2-7251-4CB7-B177-06F0C3E42360}">
+      <dgm:prSet/>
+      <dgm:spPr/>
+      <dgm:t>
+        <a:bodyPr/>
+        <a:lstStyle/>
+        <a:p>
+          <a:r>
+            <a:rPr lang="en-US" dirty="0" err="1"/>
+            <a:t>Génération</a:t>
+          </a:r>
+          <a:r>
+            <a:rPr lang="en-US" dirty="0"/>
+            <a:t> </a:t>
+          </a:r>
+          <a:r>
+            <a:rPr lang="en-US" dirty="0" err="1"/>
+            <a:t>d’access</a:t>
+          </a:r>
+          <a:r>
+            <a:rPr lang="en-US" dirty="0"/>
+            <a:t> token</a:t>
+          </a:r>
+        </a:p>
+      </dgm:t>
+    </dgm:pt>
+    <dgm:pt modelId="{2F303A49-20B1-44B5-9771-C9D15DCF03F3}" type="parTrans" cxnId="{38854272-C88A-41A8-83CB-8B1FDD0EC741}">
+      <dgm:prSet/>
+      <dgm:spPr/>
+      <dgm:t>
+        <a:bodyPr/>
+        <a:lstStyle/>
+        <a:p>
+          <a:endParaRPr lang="fr-FR"/>
+        </a:p>
+      </dgm:t>
+    </dgm:pt>
+    <dgm:pt modelId="{632E1E2D-B78E-4904-8131-1CF499174E90}" type="sibTrans" cxnId="{38854272-C88A-41A8-83CB-8B1FDD0EC741}">
+      <dgm:prSet/>
+      <dgm:spPr/>
+      <dgm:t>
+        <a:bodyPr/>
+        <a:lstStyle/>
+        <a:p>
+          <a:endParaRPr lang="fr-FR"/>
+        </a:p>
+      </dgm:t>
+    </dgm:pt>
+    <dgm:pt modelId="{505E0455-050E-4315-82EE-3F0AEA9875DB}">
+      <dgm:prSet/>
+      <dgm:spPr/>
+      <dgm:t>
+        <a:bodyPr/>
+        <a:lstStyle/>
+        <a:p>
+          <a:r>
+            <a:rPr lang="en-US" dirty="0" err="1"/>
+            <a:t>Utilisable</a:t>
+          </a:r>
+          <a:r>
+            <a:rPr lang="en-US" dirty="0"/>
+            <a:t> sur </a:t>
+          </a:r>
+          <a:r>
+            <a:rPr lang="en-US" dirty="0" err="1"/>
+            <a:t>plusieurs</a:t>
+          </a:r>
+          <a:r>
+            <a:rPr lang="en-US" dirty="0"/>
+            <a:t> </a:t>
+          </a:r>
+          <a:r>
+            <a:rPr lang="en-US" dirty="0" err="1"/>
+            <a:t>langages</a:t>
+          </a:r>
+          <a:r>
+            <a:rPr lang="en-US" dirty="0"/>
+            <a:t> / frameworks</a:t>
+          </a:r>
+        </a:p>
+      </dgm:t>
+    </dgm:pt>
+    <dgm:pt modelId="{3350876F-6B4E-437D-97E4-544E29F64C76}" type="parTrans" cxnId="{5CE0D97A-CE51-4676-AEA7-B29F6DCC56CB}">
+      <dgm:prSet/>
+      <dgm:spPr/>
+      <dgm:t>
+        <a:bodyPr/>
+        <a:lstStyle/>
+        <a:p>
+          <a:endParaRPr lang="fr-FR"/>
+        </a:p>
+      </dgm:t>
+    </dgm:pt>
+    <dgm:pt modelId="{A66EC857-29E0-4BB7-BD2C-C27D3B6A2916}" type="sibTrans" cxnId="{5CE0D97A-CE51-4676-AEA7-B29F6DCC56CB}">
+      <dgm:prSet/>
+      <dgm:spPr/>
+      <dgm:t>
+        <a:bodyPr/>
+        <a:lstStyle/>
+        <a:p>
+          <a:endParaRPr lang="fr-FR"/>
+        </a:p>
+      </dgm:t>
+    </dgm:pt>
     <dgm:pt modelId="{39D60A36-F9DA-4C14-8307-DE6CD66E0DCB}" type="pres">
       <dgm:prSet presAssocID="{629B38D1-2CAE-4D85-A1A0-C394A340B5A6}" presName="diagram" presStyleCnt="0">
         <dgm:presLayoutVars>
@@ -6931,7 +7193,7 @@
       <dgm:spPr/>
     </dgm:pt>
     <dgm:pt modelId="{0715EDD8-9D73-4392-9931-005235324B17}" type="pres">
-      <dgm:prSet presAssocID="{D831412F-0C67-4540-BFC4-A3BE3DAF0C12}" presName="node" presStyleLbl="node1" presStyleIdx="0" presStyleCnt="3">
+      <dgm:prSet presAssocID="{D831412F-0C67-4540-BFC4-A3BE3DAF0C12}" presName="node" presStyleLbl="node1" presStyleIdx="0" presStyleCnt="4">
         <dgm:presLayoutVars>
           <dgm:bulletEnabled val="1"/>
         </dgm:presLayoutVars>
@@ -6943,7 +7205,7 @@
       <dgm:spPr/>
     </dgm:pt>
     <dgm:pt modelId="{B3FB18FD-A14F-454B-89E7-D63161DD7A1F}" type="pres">
-      <dgm:prSet presAssocID="{1D9F29B7-68B8-4635-8A99-99F29691591C}" presName="node" presStyleLbl="node1" presStyleIdx="1" presStyleCnt="3">
+      <dgm:prSet presAssocID="{1D9F29B7-68B8-4635-8A99-99F29691591C}" presName="node" presStyleLbl="node1" presStyleIdx="1" presStyleCnt="4">
         <dgm:presLayoutVars>
           <dgm:bulletEnabled val="1"/>
         </dgm:presLayoutVars>
@@ -6955,7 +7217,19 @@
       <dgm:spPr/>
     </dgm:pt>
     <dgm:pt modelId="{B694AD7A-53B7-47F5-AB43-8A006F426613}" type="pres">
-      <dgm:prSet presAssocID="{E56EEFF1-377F-4F3D-904A-4E269F9A0C02}" presName="node" presStyleLbl="node1" presStyleIdx="2" presStyleCnt="3">
+      <dgm:prSet presAssocID="{E56EEFF1-377F-4F3D-904A-4E269F9A0C02}" presName="node" presStyleLbl="node1" presStyleIdx="2" presStyleCnt="4">
+        <dgm:presLayoutVars>
+          <dgm:bulletEnabled val="1"/>
+        </dgm:presLayoutVars>
+      </dgm:prSet>
+      <dgm:spPr/>
+    </dgm:pt>
+    <dgm:pt modelId="{77EFDAD4-DFE0-4C7B-B096-243BE4CC0083}" type="pres">
+      <dgm:prSet presAssocID="{5F8BD135-78EB-4B50-95AB-EC5FA0003CFD}" presName="sibTrans" presStyleCnt="0"/>
+      <dgm:spPr/>
+    </dgm:pt>
+    <dgm:pt modelId="{B7D42A5A-03B0-4049-BD6E-AAEC362950D3}" type="pres">
+      <dgm:prSet presAssocID="{6F433B9F-9C52-4F5D-8535-EFE0B36EBC90}" presName="node" presStyleLbl="node1" presStyleIdx="3" presStyleCnt="4">
         <dgm:presLayoutVars>
           <dgm:bulletEnabled val="1"/>
         </dgm:presLayoutVars>
@@ -6970,29 +7244,41 @@
     <dgm:cxn modelId="{0D7DA81F-7614-4571-B531-28D68743F177}" srcId="{D831412F-0C67-4540-BFC4-A3BE3DAF0C12}" destId="{CB6B0ACA-C894-470B-9C20-B169D22DC559}" srcOrd="1" destOrd="0" parTransId="{DB4543DB-3608-4D0E-912C-C95EA86A4816}" sibTransId="{91E1BF3D-94DE-4E3D-9A0B-1E34D435F3DC}"/>
     <dgm:cxn modelId="{624F2D28-4E55-42E2-A57D-E012F6C8BA3B}" srcId="{1D9F29B7-68B8-4635-8A99-99F29691591C}" destId="{A0AC459F-0F2B-42F5-9F73-0774E6080201}" srcOrd="1" destOrd="0" parTransId="{20970DB0-9850-40B1-937F-EB9BF6FE801C}" sibTransId="{404D640D-52AD-4354-9EF0-6D245A2CDD2E}"/>
     <dgm:cxn modelId="{D0073C29-B589-484D-B384-75B8D15B155B}" type="presOf" srcId="{81C7ABF6-3F00-441E-A6F0-5CBFA5AA8C5E}" destId="{0715EDD8-9D73-4392-9931-005235324B17}" srcOrd="0" destOrd="3" presId="urn:microsoft.com/office/officeart/2005/8/layout/default"/>
+    <dgm:cxn modelId="{B6C6052B-0427-4B23-996E-89A420889744}" srcId="{A4D637F5-B498-4375-B2F1-39201D4121AD}" destId="{EBC63AA8-4C00-4DF4-BD1D-A6E9F1230538}" srcOrd="0" destOrd="0" parTransId="{AC41DC75-D816-4B74-B0B8-87C1B9EFA2E6}" sibTransId="{EB58E719-3199-44C6-B4A7-26596EB9C448}"/>
     <dgm:cxn modelId="{EFAF3331-B1A5-419C-9666-E483F7BDFC9D}" type="presOf" srcId="{230CD5AA-DEB3-4EE5-B8E8-7CCCBA3AFCC3}" destId="{B3FB18FD-A14F-454B-89E7-D63161DD7A1F}" srcOrd="0" destOrd="3" presId="urn:microsoft.com/office/officeart/2005/8/layout/default"/>
     <dgm:cxn modelId="{EDC98938-52A1-4ECF-9224-949F289F8EE4}" srcId="{CE9B0A61-8649-42BF-80AB-805ED16B7F48}" destId="{051B1B5F-4741-4458-9FA5-1B136D059DCC}" srcOrd="1" destOrd="0" parTransId="{4C5E82C7-B812-4B33-B74D-F5294AFB243A}" sibTransId="{7017D58F-E1C4-499D-85B9-ED38635AFB0F}"/>
+    <dgm:cxn modelId="{2978A63A-8050-4728-89A1-215A669F8314}" type="presOf" srcId="{EBC63AA8-4C00-4DF4-BD1D-A6E9F1230538}" destId="{B7D42A5A-03B0-4049-BD6E-AAEC362950D3}" srcOrd="0" destOrd="2" presId="urn:microsoft.com/office/officeart/2005/8/layout/default"/>
     <dgm:cxn modelId="{8851533E-1571-42FA-8437-BBCA123DE938}" type="presOf" srcId="{CB6B0ACA-C894-470B-9C20-B169D22DC559}" destId="{0715EDD8-9D73-4392-9931-005235324B17}" srcOrd="0" destOrd="4" presId="urn:microsoft.com/office/officeart/2005/8/layout/default"/>
     <dgm:cxn modelId="{8343BB43-6301-4E12-AA45-1850844B6DE0}" srcId="{CE9B0A61-8649-42BF-80AB-805ED16B7F48}" destId="{DC46E760-3452-4F52-AB03-D67E83FA80B9}" srcOrd="3" destOrd="0" parTransId="{666C0FEE-10F2-4EAE-BBFA-2017A0F63CAA}" sibTransId="{9BDF8094-522D-412E-B29F-173FB65D5405}"/>
     <dgm:cxn modelId="{8292B744-4F54-4AA1-AE08-D483E9C2EFD6}" type="presOf" srcId="{51AB8186-703A-4A1D-9093-19C70E6C1DFA}" destId="{B3FB18FD-A14F-454B-89E7-D63161DD7A1F}" srcOrd="0" destOrd="2" presId="urn:microsoft.com/office/officeart/2005/8/layout/default"/>
+    <dgm:cxn modelId="{6DFE5A6F-6358-4A1C-BAB0-CF503EA849B2}" type="presOf" srcId="{3A5DFDE2-7251-4CB7-B177-06F0C3E42360}" destId="{B7D42A5A-03B0-4049-BD6E-AAEC362950D3}" srcOrd="0" destOrd="4" presId="urn:microsoft.com/office/officeart/2005/8/layout/default"/>
     <dgm:cxn modelId="{14B28851-E50D-4422-905B-D29DE2999524}" type="presOf" srcId="{9E478C95-AACD-4FDF-8833-78903819FA1E}" destId="{0715EDD8-9D73-4392-9931-005235324B17}" srcOrd="0" destOrd="6" presId="urn:microsoft.com/office/officeart/2005/8/layout/default"/>
+    <dgm:cxn modelId="{38854272-C88A-41A8-83CB-8B1FDD0EC741}" srcId="{A4D637F5-B498-4375-B2F1-39201D4121AD}" destId="{3A5DFDE2-7251-4CB7-B177-06F0C3E42360}" srcOrd="2" destOrd="0" parTransId="{2F303A49-20B1-44B5-9771-C9D15DCF03F3}" sibTransId="{632E1E2D-B78E-4904-8131-1CF499174E90}"/>
     <dgm:cxn modelId="{C0261F55-929E-444C-8F9F-74D1AEC31C2F}" type="presOf" srcId="{629B38D1-2CAE-4D85-A1A0-C394A340B5A6}" destId="{39D60A36-F9DA-4C14-8307-DE6CD66E0DCB}" srcOrd="0" destOrd="0" presId="urn:microsoft.com/office/officeart/2005/8/layout/default"/>
+    <dgm:cxn modelId="{A00F8E75-535F-47A5-AD9F-5DA394F51CAE}" type="presOf" srcId="{6F433B9F-9C52-4F5D-8535-EFE0B36EBC90}" destId="{B7D42A5A-03B0-4049-BD6E-AAEC362950D3}" srcOrd="0" destOrd="0" presId="urn:microsoft.com/office/officeart/2005/8/layout/default"/>
     <dgm:cxn modelId="{FD999075-0382-4510-B4D4-F09391AD8126}" srcId="{CB6B0ACA-C894-470B-9C20-B169D22DC559}" destId="{464BB31F-0E8E-4E04-A602-B3475979CAB3}" srcOrd="0" destOrd="0" parTransId="{F84F2457-A0C2-43D0-977D-92B7218901DC}" sibTransId="{734FAB26-E3AC-4EEE-B1DF-615CB486231C}"/>
     <dgm:cxn modelId="{A57B7C56-40B7-4A30-97D5-4E9CDCF84384}" srcId="{8CE03FD8-F266-4955-9015-05D432F88DBD}" destId="{230CD5AA-DEB3-4EE5-B8E8-7CCCBA3AFCC3}" srcOrd="1" destOrd="0" parTransId="{C8ABEE32-6943-4EE2-9168-D3956C016090}" sibTransId="{EA1E93C3-D4FF-4D00-93E6-28DE6DE59486}"/>
     <dgm:cxn modelId="{DE6B7458-7EA9-4458-A9EE-DD051D2153C7}" srcId="{CE9B0A61-8649-42BF-80AB-805ED16B7F48}" destId="{2FB0FA4D-DAEF-433E-90E0-9ED522A99A68}" srcOrd="4" destOrd="0" parTransId="{C2739F33-35B9-41F5-A2D7-EBE70542FAB4}" sibTransId="{C26FD4EA-6481-4272-9B6F-E66532A3E6B2}"/>
     <dgm:cxn modelId="{AD47BC78-93D8-4C6E-804B-B4CAAB86275C}" type="presOf" srcId="{181E99CB-3204-45EE-8709-D841CC947575}" destId="{B694AD7A-53B7-47F5-AB43-8A006F426613}" srcOrd="0" destOrd="2" presId="urn:microsoft.com/office/officeart/2005/8/layout/default"/>
     <dgm:cxn modelId="{2069627A-0D12-4020-80A4-FBAD8F66273A}" type="presOf" srcId="{085391D1-0F32-4465-8B32-D590E9CB1BCF}" destId="{0715EDD8-9D73-4392-9931-005235324B17}" srcOrd="0" destOrd="7" presId="urn:microsoft.com/office/officeart/2005/8/layout/default"/>
     <dgm:cxn modelId="{B173875A-932F-4EE2-B9D9-24A13DF4D9FA}" type="presOf" srcId="{A0AC459F-0F2B-42F5-9F73-0774E6080201}" destId="{B3FB18FD-A14F-454B-89E7-D63161DD7A1F}" srcOrd="0" destOrd="4" presId="urn:microsoft.com/office/officeart/2005/8/layout/default"/>
+    <dgm:cxn modelId="{5CE0D97A-CE51-4676-AEA7-B29F6DCC56CB}" srcId="{A4D637F5-B498-4375-B2F1-39201D4121AD}" destId="{505E0455-050E-4315-82EE-3F0AEA9875DB}" srcOrd="3" destOrd="0" parTransId="{3350876F-6B4E-437D-97E4-544E29F64C76}" sibTransId="{A66EC857-29E0-4BB7-BD2C-C27D3B6A2916}"/>
     <dgm:cxn modelId="{B6C6E781-2EDC-4C33-863D-1D290B6ECD68}" type="presOf" srcId="{8CE03FD8-F266-4955-9015-05D432F88DBD}" destId="{B3FB18FD-A14F-454B-89E7-D63161DD7A1F}" srcOrd="0" destOrd="1" presId="urn:microsoft.com/office/officeart/2005/8/layout/default"/>
     <dgm:cxn modelId="{5E39348C-E7AC-4ADA-AF46-E963DD0F0FF9}" type="presOf" srcId="{D831412F-0C67-4540-BFC4-A3BE3DAF0C12}" destId="{0715EDD8-9D73-4392-9931-005235324B17}" srcOrd="0" destOrd="0" presId="urn:microsoft.com/office/officeart/2005/8/layout/default"/>
+    <dgm:cxn modelId="{C7FEE48C-66DA-4F12-AE28-072FF3DA593E}" srcId="{629B38D1-2CAE-4D85-A1A0-C394A340B5A6}" destId="{6F433B9F-9C52-4F5D-8535-EFE0B36EBC90}" srcOrd="3" destOrd="0" parTransId="{B4C19808-794D-47E1-979F-07E96BF3BD1E}" sibTransId="{3E8C7ED2-8F14-4303-86A7-785FAC30B82B}"/>
     <dgm:cxn modelId="{578BD38E-5114-41F6-AAAB-ACB247DB472D}" srcId="{E8A9DF01-214A-49B8-80CF-E354DCE5A508}" destId="{5705AE34-F246-4341-82F8-7B36CEB4FABD}" srcOrd="0" destOrd="0" parTransId="{DA4629E0-B7F1-4AB8-A1BA-82DC8BF4C5B4}" sibTransId="{EE10760B-030D-438A-A923-EB866A9B9D2C}"/>
+    <dgm:cxn modelId="{68CA2A8F-7E87-4969-81CE-98B5A76237C3}" type="presOf" srcId="{505E0455-050E-4315-82EE-3F0AEA9875DB}" destId="{B7D42A5A-03B0-4049-BD6E-AAEC362950D3}" srcOrd="0" destOrd="5" presId="urn:microsoft.com/office/officeart/2005/8/layout/default"/>
     <dgm:cxn modelId="{41661093-96E1-48F8-AC84-F767B4E01815}" type="presOf" srcId="{051B1B5F-4741-4458-9FA5-1B136D059DCC}" destId="{B694AD7A-53B7-47F5-AB43-8A006F426613}" srcOrd="0" destOrd="3" presId="urn:microsoft.com/office/officeart/2005/8/layout/default"/>
     <dgm:cxn modelId="{2DBE8C99-ED8C-4555-BFFC-FB7B6AC67BAB}" type="presOf" srcId="{5705AE34-F246-4341-82F8-7B36CEB4FABD}" destId="{0715EDD8-9D73-4392-9931-005235324B17}" srcOrd="0" destOrd="2" presId="urn:microsoft.com/office/officeart/2005/8/layout/default"/>
+    <dgm:cxn modelId="{FD8DCB9C-14EE-4EAE-80E2-D49A3AB795C2}" srcId="{6F433B9F-9C52-4F5D-8535-EFE0B36EBC90}" destId="{A4D637F5-B498-4375-B2F1-39201D4121AD}" srcOrd="0" destOrd="0" parTransId="{E79DD524-C496-465E-9F76-F5BC3F6DA9A6}" sibTransId="{64AA23DC-4003-4B4B-A253-916B25C6DF20}"/>
     <dgm:cxn modelId="{A64DC3A5-D93E-43EF-AC24-719FF96E2EE5}" type="presOf" srcId="{DC46E760-3452-4F52-AB03-D67E83FA80B9}" destId="{B694AD7A-53B7-47F5-AB43-8A006F426613}" srcOrd="0" destOrd="5" presId="urn:microsoft.com/office/officeart/2005/8/layout/default"/>
     <dgm:cxn modelId="{69A57EAA-D31D-4E3B-8595-C2A83E22D286}" srcId="{D831412F-0C67-4540-BFC4-A3BE3DAF0C12}" destId="{E8A9DF01-214A-49B8-80CF-E354DCE5A508}" srcOrd="0" destOrd="0" parTransId="{31A224FF-BB37-430F-9593-E18F6E95DD3B}" sibTransId="{D256B83F-CA82-4A8E-AFCF-E9373459F765}"/>
     <dgm:cxn modelId="{777AC3AA-A449-48FF-A291-8F0E5395B926}" srcId="{8CE03FD8-F266-4955-9015-05D432F88DBD}" destId="{51AB8186-703A-4A1D-9093-19C70E6C1DFA}" srcOrd="0" destOrd="0" parTransId="{69C6EDD7-DD99-4C18-A32C-3F6C832E0B3E}" sibTransId="{6D62014D-30A4-485D-8985-4D6860A209F9}"/>
+    <dgm:cxn modelId="{74DD41AE-B4FA-40A8-B843-EDF9E8550550}" type="presOf" srcId="{A4D637F5-B498-4375-B2F1-39201D4121AD}" destId="{B7D42A5A-03B0-4049-BD6E-AAEC362950D3}" srcOrd="0" destOrd="1" presId="urn:microsoft.com/office/officeart/2005/8/layout/default"/>
     <dgm:cxn modelId="{6F9640B3-16C7-4393-939E-FB0932835F8C}" type="presOf" srcId="{5D9ECEF2-55E3-443F-B961-7E59A3F6FD9D}" destId="{B694AD7A-53B7-47F5-AB43-8A006F426613}" srcOrd="0" destOrd="4" presId="urn:microsoft.com/office/officeart/2005/8/layout/default"/>
     <dgm:cxn modelId="{E6AEF1B5-466D-4CAF-A005-35050A2FC943}" srcId="{1D9F29B7-68B8-4635-8A99-99F29691591C}" destId="{8CE03FD8-F266-4955-9015-05D432F88DBD}" srcOrd="0" destOrd="0" parTransId="{E6B17A87-A93F-446B-B623-307ECCDDFA1E}" sibTransId="{ABA21080-C8CB-4927-ABA6-440578BB60FB}"/>
+    <dgm:cxn modelId="{1ECC8FBB-8EEA-4FB4-838B-828DCB0B1D9F}" type="presOf" srcId="{C1F8E40C-4345-4F2C-9621-5D2BFAB6DF7D}" destId="{B7D42A5A-03B0-4049-BD6E-AAEC362950D3}" srcOrd="0" destOrd="3" presId="urn:microsoft.com/office/officeart/2005/8/layout/default"/>
+    <dgm:cxn modelId="{0DE789BD-728B-44B0-A056-DDBE8E2AFA27}" srcId="{A4D637F5-B498-4375-B2F1-39201D4121AD}" destId="{C1F8E40C-4345-4F2C-9621-5D2BFAB6DF7D}" srcOrd="1" destOrd="0" parTransId="{62F05BB3-9DEF-42E2-810D-D28144589A9C}" sibTransId="{526B00FB-4B60-4902-9550-C43739A25E2D}"/>
     <dgm:cxn modelId="{3ADEDFC0-B8AA-4FE1-B4A6-9467A26C06D1}" type="presOf" srcId="{E8A9DF01-214A-49B8-80CF-E354DCE5A508}" destId="{0715EDD8-9D73-4392-9931-005235324B17}" srcOrd="0" destOrd="1" presId="urn:microsoft.com/office/officeart/2005/8/layout/default"/>
     <dgm:cxn modelId="{DB82CDCA-F35C-4E83-9B3C-C4300AD2232E}" srcId="{CE9B0A61-8649-42BF-80AB-805ED16B7F48}" destId="{181E99CB-3204-45EE-8709-D841CC947575}" srcOrd="0" destOrd="0" parTransId="{A76A69B7-0460-4F47-B2A6-8846B7421B7C}" sibTransId="{569F2223-7FB0-45AA-94CB-1123A6517334}"/>
     <dgm:cxn modelId="{1BAE3BCC-BD24-488D-A0AB-34675C3F89D7}" type="presOf" srcId="{464BB31F-0E8E-4E04-A602-B3475979CAB3}" destId="{0715EDD8-9D73-4392-9931-005235324B17}" srcOrd="0" destOrd="5" presId="urn:microsoft.com/office/officeart/2005/8/layout/default"/>
@@ -7010,6 +7296,8 @@
     <dgm:cxn modelId="{F6535805-B475-44AC-8508-C1F074DFFB0C}" type="presParOf" srcId="{39D60A36-F9DA-4C14-8307-DE6CD66E0DCB}" destId="{B3FB18FD-A14F-454B-89E7-D63161DD7A1F}" srcOrd="2" destOrd="0" presId="urn:microsoft.com/office/officeart/2005/8/layout/default"/>
     <dgm:cxn modelId="{80382565-28DE-41CF-8939-0E3BDD57BF7F}" type="presParOf" srcId="{39D60A36-F9DA-4C14-8307-DE6CD66E0DCB}" destId="{10A898A7-B9ED-42A8-A830-830B54D8E3D7}" srcOrd="3" destOrd="0" presId="urn:microsoft.com/office/officeart/2005/8/layout/default"/>
     <dgm:cxn modelId="{A943E709-CF64-4B93-8103-6C79DD194120}" type="presParOf" srcId="{39D60A36-F9DA-4C14-8307-DE6CD66E0DCB}" destId="{B694AD7A-53B7-47F5-AB43-8A006F426613}" srcOrd="4" destOrd="0" presId="urn:microsoft.com/office/officeart/2005/8/layout/default"/>
+    <dgm:cxn modelId="{C87D7BC9-03EF-48FF-90C3-E63827609236}" type="presParOf" srcId="{39D60A36-F9DA-4C14-8307-DE6CD66E0DCB}" destId="{77EFDAD4-DFE0-4C7B-B096-243BE4CC0083}" srcOrd="5" destOrd="0" presId="urn:microsoft.com/office/officeart/2005/8/layout/default"/>
+    <dgm:cxn modelId="{0B118885-B1EE-4FD7-9606-B404E2C0670E}" type="presParOf" srcId="{39D60A36-F9DA-4C14-8307-DE6CD66E0DCB}" destId="{B7D42A5A-03B0-4049-BD6E-AAEC362950D3}" srcOrd="6" destOrd="0" presId="urn:microsoft.com/office/officeart/2005/8/layout/default"/>
   </dgm:cxnLst>
   <dgm:bg/>
   <dgm:whole/>
@@ -9366,8 +9654,8 @@
       </dsp:nvSpPr>
       <dsp:spPr>
         <a:xfrm>
-          <a:off x="0" y="789670"/>
-          <a:ext cx="3428999" cy="2057400"/>
+          <a:off x="1011555" y="464"/>
+          <a:ext cx="2796778" cy="1678066"/>
         </a:xfrm>
         <a:prstGeom prst="rect">
           <a:avLst/>
@@ -9409,12 +9697,12 @@
         </a:fontRef>
       </dsp:style>
       <dsp:txBody>
-        <a:bodyPr spcFirstLastPara="0" vert="horz" wrap="square" lIns="72390" tIns="72390" rIns="72390" bIns="72390" numCol="1" spcCol="1270" anchor="t" anchorCtr="0">
+        <a:bodyPr spcFirstLastPara="0" vert="horz" wrap="square" lIns="60960" tIns="60960" rIns="60960" bIns="60960" numCol="1" spcCol="1270" anchor="t" anchorCtr="0">
           <a:noAutofit/>
         </a:bodyPr>
         <a:lstStyle/>
         <a:p>
-          <a:pPr marL="0" lvl="0" indent="0" algn="l" defTabSz="844550">
+          <a:pPr marL="0" lvl="0" indent="0" algn="l" defTabSz="711200">
             <a:lnSpc>
               <a:spcPct val="90000"/>
             </a:lnSpc>
@@ -9427,13 +9715,13 @@
             <a:buNone/>
           </a:pPr>
           <a:r>
-            <a:rPr lang="fr-FR" sz="1900" kern="1200"/>
+            <a:rPr lang="fr-FR" sz="1600" kern="1200"/>
             <a:t>API : </a:t>
           </a:r>
-          <a:endParaRPr lang="en-US" sz="1900" kern="1200"/>
+          <a:endParaRPr lang="en-US" sz="1600" kern="1200"/>
         </a:p>
         <a:p>
-          <a:pPr marL="114300" lvl="1" indent="-114300" algn="l" defTabSz="666750">
+          <a:pPr marL="114300" lvl="1" indent="-114300" algn="l" defTabSz="533400">
             <a:lnSpc>
               <a:spcPct val="90000"/>
             </a:lnSpc>
@@ -9446,13 +9734,13 @@
             <a:buChar char="•"/>
           </a:pPr>
           <a:r>
-            <a:rPr lang="fr-FR" sz="1500" kern="1200" dirty="0"/>
+            <a:rPr lang="fr-FR" sz="1200" kern="1200" dirty="0"/>
             <a:t>Next.js</a:t>
           </a:r>
-          <a:endParaRPr lang="en-US" sz="1500" kern="1200" dirty="0"/>
+          <a:endParaRPr lang="en-US" sz="1200" kern="1200" dirty="0"/>
         </a:p>
         <a:p>
-          <a:pPr marL="228600" lvl="2" indent="-114300" algn="l" defTabSz="666750">
+          <a:pPr marL="228600" lvl="2" indent="-114300" algn="l" defTabSz="533400">
             <a:lnSpc>
               <a:spcPct val="90000"/>
             </a:lnSpc>
@@ -9465,17 +9753,17 @@
             <a:buChar char="•"/>
           </a:pPr>
           <a:r>
-            <a:rPr lang="en-US" sz="1500" kern="1200" dirty="0"/>
+            <a:rPr lang="en-US" sz="1200" kern="1200" dirty="0"/>
             <a:t>Simple </a:t>
           </a:r>
           <a:r>
-            <a:rPr lang="en-US" sz="1500" kern="1200" dirty="0" err="1"/>
+            <a:rPr lang="en-US" sz="1200" kern="1200" dirty="0" err="1"/>
             <a:t>d’utilisation</a:t>
           </a:r>
-          <a:endParaRPr lang="en-US" sz="1500" kern="1200" dirty="0"/>
+          <a:endParaRPr lang="en-US" sz="1200" kern="1200" dirty="0"/>
         </a:p>
         <a:p>
-          <a:pPr marL="228600" lvl="2" indent="-114300" algn="l" defTabSz="666750">
+          <a:pPr marL="228600" lvl="2" indent="-114300" algn="l" defTabSz="533400">
             <a:lnSpc>
               <a:spcPct val="90000"/>
             </a:lnSpc>
@@ -9488,17 +9776,17 @@
             <a:buChar char="•"/>
           </a:pPr>
           <a:r>
-            <a:rPr lang="en-US" sz="1500" kern="1200" dirty="0"/>
+            <a:rPr lang="en-US" sz="1200" kern="1200" dirty="0"/>
             <a:t>Routing </a:t>
           </a:r>
           <a:r>
-            <a:rPr lang="en-US" sz="1500" kern="1200" dirty="0" err="1"/>
+            <a:rPr lang="en-US" sz="1200" kern="1200" dirty="0" err="1"/>
             <a:t>intuitif</a:t>
           </a:r>
-          <a:endParaRPr lang="en-US" sz="1500" kern="1200" dirty="0"/>
+          <a:endParaRPr lang="en-US" sz="1200" kern="1200" dirty="0"/>
         </a:p>
         <a:p>
-          <a:pPr marL="114300" lvl="1" indent="-114300" algn="l" defTabSz="666750">
+          <a:pPr marL="114300" lvl="1" indent="-114300" algn="l" defTabSz="533400">
             <a:lnSpc>
               <a:spcPct val="90000"/>
             </a:lnSpc>
@@ -9511,13 +9799,13 @@
             <a:buChar char="•"/>
           </a:pPr>
           <a:r>
-            <a:rPr lang="fr-FR" sz="1500" kern="1200" dirty="0"/>
+            <a:rPr lang="fr-FR" sz="1200" kern="1200" dirty="0"/>
             <a:t>Prisma</a:t>
           </a:r>
-          <a:endParaRPr lang="en-US" sz="1500" kern="1200" dirty="0"/>
+          <a:endParaRPr lang="en-US" sz="1200" kern="1200" dirty="0"/>
         </a:p>
         <a:p>
-          <a:pPr marL="228600" lvl="2" indent="-114300" algn="l" defTabSz="666750">
+          <a:pPr marL="228600" lvl="2" indent="-114300" algn="l" defTabSz="533400">
             <a:lnSpc>
               <a:spcPct val="90000"/>
             </a:lnSpc>
@@ -9530,29 +9818,29 @@
             <a:buChar char="•"/>
           </a:pPr>
           <a:r>
-            <a:rPr lang="en-US" sz="1500" kern="1200" dirty="0" err="1"/>
+            <a:rPr lang="en-US" sz="1200" kern="1200" dirty="0" err="1"/>
             <a:t>Réduit</a:t>
           </a:r>
           <a:r>
-            <a:rPr lang="en-US" sz="1500" kern="1200" dirty="0"/>
+            <a:rPr lang="en-US" sz="1200" kern="1200" dirty="0"/>
             <a:t> les </a:t>
           </a:r>
           <a:r>
-            <a:rPr lang="en-US" sz="1500" kern="1200" dirty="0" err="1"/>
+            <a:rPr lang="en-US" sz="1200" kern="1200" dirty="0" err="1"/>
             <a:t>risques</a:t>
           </a:r>
           <a:r>
-            <a:rPr lang="en-US" sz="1500" kern="1200" dirty="0"/>
+            <a:rPr lang="en-US" sz="1200" kern="1200" dirty="0"/>
             <a:t> de </a:t>
           </a:r>
           <a:r>
-            <a:rPr lang="en-US" sz="1500" kern="1200" dirty="0" err="1"/>
+            <a:rPr lang="en-US" sz="1200" kern="1200" dirty="0" err="1"/>
             <a:t>failles</a:t>
           </a:r>
-          <a:endParaRPr lang="en-US" sz="1500" kern="1200" dirty="0"/>
+          <a:endParaRPr lang="en-US" sz="1200" kern="1200" dirty="0"/>
         </a:p>
         <a:p>
-          <a:pPr marL="228600" lvl="2" indent="-114300" algn="l" defTabSz="666750">
+          <a:pPr marL="228600" lvl="2" indent="-114300" algn="l" defTabSz="533400">
             <a:lnSpc>
               <a:spcPct val="90000"/>
             </a:lnSpc>
@@ -9565,17 +9853,17 @@
             <a:buChar char="•"/>
           </a:pPr>
           <a:r>
-            <a:rPr lang="en-US" sz="1500" kern="1200" dirty="0"/>
+            <a:rPr lang="en-US" sz="1200" kern="1200" dirty="0"/>
             <a:t>Simple </a:t>
           </a:r>
           <a:r>
-            <a:rPr lang="en-US" sz="1500" kern="1200" dirty="0" err="1"/>
+            <a:rPr lang="en-US" sz="1200" kern="1200" dirty="0" err="1"/>
             <a:t>d’utilisation</a:t>
           </a:r>
-          <a:endParaRPr lang="en-US" sz="1500" kern="1200" dirty="0"/>
+          <a:endParaRPr lang="en-US" sz="1200" kern="1200" dirty="0"/>
         </a:p>
         <a:p>
-          <a:pPr marL="228600" lvl="2" indent="-114300" algn="l" defTabSz="666750">
+          <a:pPr marL="228600" lvl="2" indent="-114300" algn="l" defTabSz="533400">
             <a:lnSpc>
               <a:spcPct val="90000"/>
             </a:lnSpc>
@@ -9588,14 +9876,14 @@
             <a:buChar char="•"/>
           </a:pPr>
           <a:r>
-            <a:rPr lang="en-US" sz="1500" kern="1200" dirty="0"/>
+            <a:rPr lang="en-US" sz="1200" kern="1200" dirty="0"/>
             <a:t>Puissant</a:t>
           </a:r>
         </a:p>
       </dsp:txBody>
       <dsp:txXfrm>
-        <a:off x="0" y="789670"/>
-        <a:ext cx="3428999" cy="2057400"/>
+        <a:off x="1011555" y="464"/>
+        <a:ext cx="2796778" cy="1678066"/>
       </dsp:txXfrm>
     </dsp:sp>
     <dsp:sp modelId="{B3FB18FD-A14F-454B-89E7-D63161DD7A1F}">
@@ -9605,8 +9893,8 @@
       </dsp:nvSpPr>
       <dsp:spPr>
         <a:xfrm>
-          <a:off x="3771900" y="789670"/>
-          <a:ext cx="3428999" cy="2057400"/>
+          <a:off x="4088010" y="464"/>
+          <a:ext cx="2796778" cy="1678066"/>
         </a:xfrm>
         <a:prstGeom prst="rect">
           <a:avLst/>
@@ -9648,12 +9936,12 @@
         </a:fontRef>
       </dsp:style>
       <dsp:txBody>
-        <a:bodyPr spcFirstLastPara="0" vert="horz" wrap="square" lIns="72390" tIns="72390" rIns="72390" bIns="72390" numCol="1" spcCol="1270" anchor="t" anchorCtr="0">
+        <a:bodyPr spcFirstLastPara="0" vert="horz" wrap="square" lIns="60960" tIns="60960" rIns="60960" bIns="60960" numCol="1" spcCol="1270" anchor="t" anchorCtr="0">
           <a:noAutofit/>
         </a:bodyPr>
         <a:lstStyle/>
         <a:p>
-          <a:pPr marL="0" lvl="0" indent="0" algn="l" defTabSz="844550">
+          <a:pPr marL="0" lvl="0" indent="0" algn="l" defTabSz="711200">
             <a:lnSpc>
               <a:spcPct val="90000"/>
             </a:lnSpc>
@@ -9666,13 +9954,13 @@
             <a:buNone/>
           </a:pPr>
           <a:r>
-            <a:rPr lang="fr-FR" sz="1900" kern="1200"/>
+            <a:rPr lang="fr-FR" sz="1600" kern="1200"/>
             <a:t>Front : </a:t>
           </a:r>
-          <a:endParaRPr lang="en-US" sz="1900" kern="1200"/>
+          <a:endParaRPr lang="en-US" sz="1600" kern="1200"/>
         </a:p>
         <a:p>
-          <a:pPr marL="114300" lvl="1" indent="-114300" algn="l" defTabSz="666750">
+          <a:pPr marL="114300" lvl="1" indent="-114300" algn="l" defTabSz="533400">
             <a:lnSpc>
               <a:spcPct val="90000"/>
             </a:lnSpc>
@@ -9685,13 +9973,13 @@
             <a:buChar char="•"/>
           </a:pPr>
           <a:r>
-            <a:rPr lang="fr-FR" sz="1500" kern="1200" dirty="0" err="1"/>
+            <a:rPr lang="fr-FR" sz="1200" kern="1200" dirty="0" err="1"/>
             <a:t>React</a:t>
           </a:r>
-          <a:endParaRPr lang="en-US" sz="1500" kern="1200" dirty="0"/>
+          <a:endParaRPr lang="en-US" sz="1200" kern="1200" dirty="0"/>
         </a:p>
         <a:p>
-          <a:pPr marL="228600" lvl="2" indent="-114300" algn="l" defTabSz="666750">
+          <a:pPr marL="228600" lvl="2" indent="-114300" algn="l" defTabSz="533400">
             <a:lnSpc>
               <a:spcPct val="90000"/>
             </a:lnSpc>
@@ -9704,16 +9992,16 @@
             <a:buChar char="•"/>
           </a:pPr>
           <a:r>
-            <a:rPr lang="en-US" sz="1500" kern="1200" dirty="0" err="1"/>
+            <a:rPr lang="en-US" sz="1200" kern="1200" dirty="0" err="1"/>
             <a:t>Maintenu</a:t>
           </a:r>
           <a:r>
-            <a:rPr lang="en-US" sz="1500" kern="1200" dirty="0"/>
+            <a:rPr lang="en-US" sz="1200" kern="1200" dirty="0"/>
             <a:t> par META</a:t>
           </a:r>
         </a:p>
         <a:p>
-          <a:pPr marL="228600" lvl="2" indent="-114300" algn="l" defTabSz="666750">
+          <a:pPr marL="228600" lvl="2" indent="-114300" algn="l" defTabSz="533400">
             <a:lnSpc>
               <a:spcPct val="90000"/>
             </a:lnSpc>
@@ -9726,12 +10014,12 @@
             <a:buChar char="•"/>
           </a:pPr>
           <a:r>
-            <a:rPr lang="en-US" sz="1500" kern="1200" dirty="0"/>
+            <a:rPr lang="en-US" sz="1200" kern="1200" dirty="0"/>
             <a:t>JS/TS</a:t>
           </a:r>
         </a:p>
         <a:p>
-          <a:pPr marL="114300" lvl="1" indent="-114300" algn="l" defTabSz="666750">
+          <a:pPr marL="114300" lvl="1" indent="-114300" algn="l" defTabSz="533400">
             <a:lnSpc>
               <a:spcPct val="90000"/>
             </a:lnSpc>
@@ -9743,12 +10031,12 @@
             </a:spcAft>
             <a:buChar char="•"/>
           </a:pPr>
-          <a:endParaRPr lang="en-US" sz="1500" kern="1200" dirty="0"/>
+          <a:endParaRPr lang="en-US" sz="1200" kern="1200" dirty="0"/>
         </a:p>
       </dsp:txBody>
       <dsp:txXfrm>
-        <a:off x="3771900" y="789670"/>
-        <a:ext cx="3428999" cy="2057400"/>
+        <a:off x="4088010" y="464"/>
+        <a:ext cx="2796778" cy="1678066"/>
       </dsp:txXfrm>
     </dsp:sp>
     <dsp:sp modelId="{B694AD7A-53B7-47F5-AB43-8A006F426613}">
@@ -9758,8 +10046,8 @@
       </dsp:nvSpPr>
       <dsp:spPr>
         <a:xfrm>
-          <a:off x="7543800" y="789670"/>
-          <a:ext cx="3428999" cy="2057400"/>
+          <a:off x="7164466" y="464"/>
+          <a:ext cx="2796778" cy="1678066"/>
         </a:xfrm>
         <a:prstGeom prst="rect">
           <a:avLst/>
@@ -9801,12 +10089,12 @@
         </a:fontRef>
       </dsp:style>
       <dsp:txBody>
-        <a:bodyPr spcFirstLastPara="0" vert="horz" wrap="square" lIns="72390" tIns="72390" rIns="72390" bIns="72390" numCol="1" spcCol="1270" anchor="t" anchorCtr="0">
+        <a:bodyPr spcFirstLastPara="0" vert="horz" wrap="square" lIns="60960" tIns="60960" rIns="60960" bIns="60960" numCol="1" spcCol="1270" anchor="t" anchorCtr="0">
           <a:noAutofit/>
         </a:bodyPr>
         <a:lstStyle/>
         <a:p>
-          <a:pPr marL="0" lvl="0" indent="0" algn="l" defTabSz="844550">
+          <a:pPr marL="0" lvl="0" indent="0" algn="l" defTabSz="711200">
             <a:lnSpc>
               <a:spcPct val="90000"/>
             </a:lnSpc>
@@ -9819,13 +10107,13 @@
             <a:buNone/>
           </a:pPr>
           <a:r>
-            <a:rPr lang="fr-FR" sz="1900" kern="1200" dirty="0"/>
+            <a:rPr lang="fr-FR" sz="1600" kern="1200" dirty="0"/>
             <a:t>Mobile  </a:t>
           </a:r>
-          <a:endParaRPr lang="en-US" sz="1900" kern="1200" dirty="0"/>
+          <a:endParaRPr lang="en-US" sz="1600" kern="1200" dirty="0"/>
         </a:p>
         <a:p>
-          <a:pPr marL="114300" lvl="1" indent="-114300" algn="l" defTabSz="666750">
+          <a:pPr marL="114300" lvl="1" indent="-114300" algn="l" defTabSz="533400">
             <a:lnSpc>
               <a:spcPct val="90000"/>
             </a:lnSpc>
@@ -9838,12 +10126,12 @@
             <a:buChar char="•"/>
           </a:pPr>
           <a:r>
-            <a:rPr lang="en-US" sz="1500" kern="1200" dirty="0"/>
+            <a:rPr lang="en-US" sz="1200" kern="1200" dirty="0"/>
             <a:t>React Native</a:t>
           </a:r>
         </a:p>
         <a:p>
-          <a:pPr marL="228600" lvl="2" indent="-114300" algn="l" defTabSz="666750">
+          <a:pPr marL="228600" lvl="2" indent="-114300" algn="l" defTabSz="533400">
             <a:lnSpc>
               <a:spcPct val="90000"/>
             </a:lnSpc>
@@ -9856,12 +10144,12 @@
             <a:buChar char="•"/>
           </a:pPr>
           <a:r>
-            <a:rPr lang="en-US" sz="1500" kern="1200" dirty="0"/>
+            <a:rPr lang="en-US" sz="1200" kern="1200" dirty="0"/>
             <a:t>JS/TS</a:t>
           </a:r>
         </a:p>
         <a:p>
-          <a:pPr marL="228600" lvl="2" indent="-114300" algn="l" defTabSz="666750">
+          <a:pPr marL="228600" lvl="2" indent="-114300" algn="l" defTabSz="533400">
             <a:lnSpc>
               <a:spcPct val="90000"/>
             </a:lnSpc>
@@ -9874,21 +10162,21 @@
             <a:buChar char="•"/>
           </a:pPr>
           <a:r>
-            <a:rPr lang="en-US" sz="1500" kern="1200" dirty="0" err="1"/>
+            <a:rPr lang="en-US" sz="1200" kern="1200" dirty="0" err="1"/>
             <a:t>Utilisation</a:t>
           </a:r>
           <a:r>
-            <a:rPr lang="en-US" sz="1500" kern="1200" dirty="0"/>
+            <a:rPr lang="en-US" sz="1200" kern="1200" dirty="0"/>
             <a:t> Clerk </a:t>
           </a:r>
           <a:r>
-            <a:rPr lang="en-US" sz="1500" kern="1200" dirty="0" err="1"/>
+            <a:rPr lang="en-US" sz="1200" kern="1200" dirty="0" err="1"/>
             <a:t>simplifiée</a:t>
           </a:r>
-          <a:endParaRPr lang="en-US" sz="1500" kern="1200" dirty="0"/>
+          <a:endParaRPr lang="en-US" sz="1200" kern="1200" dirty="0"/>
         </a:p>
         <a:p>
-          <a:pPr marL="228600" lvl="2" indent="-114300" algn="l" defTabSz="666750">
+          <a:pPr marL="228600" lvl="2" indent="-114300" algn="l" defTabSz="533400">
             <a:lnSpc>
               <a:spcPct val="90000"/>
             </a:lnSpc>
@@ -9901,17 +10189,17 @@
             <a:buChar char="•"/>
           </a:pPr>
           <a:r>
-            <a:rPr lang="en-US" sz="1500" kern="1200" dirty="0"/>
+            <a:rPr lang="en-US" sz="1200" kern="1200" dirty="0"/>
             <a:t>Cross-</a:t>
           </a:r>
           <a:r>
-            <a:rPr lang="en-US" sz="1500" kern="1200" dirty="0" err="1"/>
+            <a:rPr lang="en-US" sz="1200" kern="1200" dirty="0" err="1"/>
             <a:t>plateforme</a:t>
           </a:r>
-          <a:endParaRPr lang="en-US" sz="1500" kern="1200" dirty="0"/>
+          <a:endParaRPr lang="en-US" sz="1200" kern="1200" dirty="0"/>
         </a:p>
         <a:p>
-          <a:pPr marL="228600" lvl="2" indent="-114300" algn="l" defTabSz="666750">
+          <a:pPr marL="228600" lvl="2" indent="-114300" algn="l" defTabSz="533400">
             <a:lnSpc>
               <a:spcPct val="90000"/>
             </a:lnSpc>
@@ -9924,17 +10212,17 @@
             <a:buChar char="•"/>
           </a:pPr>
           <a:r>
-            <a:rPr lang="en-US" sz="1500" kern="1200" dirty="0"/>
+            <a:rPr lang="en-US" sz="1200" kern="1200" dirty="0"/>
             <a:t>Grande </a:t>
           </a:r>
           <a:r>
-            <a:rPr lang="en-US" sz="1500" kern="1200" dirty="0" err="1"/>
+            <a:rPr lang="en-US" sz="1200" kern="1200" dirty="0" err="1"/>
             <a:t>communauté</a:t>
           </a:r>
-          <a:endParaRPr lang="en-US" sz="1500" kern="1200" dirty="0"/>
+          <a:endParaRPr lang="en-US" sz="1200" kern="1200" dirty="0"/>
         </a:p>
         <a:p>
-          <a:pPr marL="228600" lvl="2" indent="-114300" algn="l" defTabSz="666750">
+          <a:pPr marL="228600" lvl="2" indent="-114300" algn="l" defTabSz="533400">
             <a:lnSpc>
               <a:spcPct val="90000"/>
             </a:lnSpc>
@@ -9947,18 +10235,232 @@
             <a:buChar char="•"/>
           </a:pPr>
           <a:r>
-            <a:rPr lang="en-US" sz="1500" kern="1200" dirty="0" err="1"/>
+            <a:rPr lang="en-US" sz="1200" kern="1200" dirty="0" err="1"/>
             <a:t>Maintenu</a:t>
           </a:r>
           <a:r>
-            <a:rPr lang="en-US" sz="1500" kern="1200" dirty="0"/>
+            <a:rPr lang="en-US" sz="1200" kern="1200" dirty="0"/>
             <a:t> par META</a:t>
           </a:r>
         </a:p>
       </dsp:txBody>
       <dsp:txXfrm>
-        <a:off x="7543800" y="789670"/>
-        <a:ext cx="3428999" cy="2057400"/>
+        <a:off x="7164466" y="464"/>
+        <a:ext cx="2796778" cy="1678066"/>
+      </dsp:txXfrm>
+    </dsp:sp>
+    <dsp:sp modelId="{B7D42A5A-03B0-4049-BD6E-AAEC362950D3}">
+      <dsp:nvSpPr>
+        <dsp:cNvPr id="0" name=""/>
+        <dsp:cNvSpPr/>
+      </dsp:nvSpPr>
+      <dsp:spPr>
+        <a:xfrm>
+          <a:off x="4088010" y="1958208"/>
+          <a:ext cx="2796778" cy="1678066"/>
+        </a:xfrm>
+        <a:prstGeom prst="rect">
+          <a:avLst/>
+        </a:prstGeom>
+        <a:solidFill>
+          <a:schemeClr val="accent1">
+            <a:hueOff val="0"/>
+            <a:satOff val="0"/>
+            <a:lumOff val="0"/>
+            <a:alphaOff val="0"/>
+          </a:schemeClr>
+        </a:solidFill>
+        <a:ln w="19050" cap="flat" cmpd="sng" algn="ctr">
+          <a:solidFill>
+            <a:schemeClr val="lt1">
+              <a:hueOff val="0"/>
+              <a:satOff val="0"/>
+              <a:lumOff val="0"/>
+              <a:alphaOff val="0"/>
+            </a:schemeClr>
+          </a:solidFill>
+          <a:prstDash val="solid"/>
+          <a:miter lim="800000"/>
+        </a:ln>
+        <a:effectLst/>
+      </dsp:spPr>
+      <dsp:style>
+        <a:lnRef idx="3">
+          <a:scrgbClr r="0" g="0" b="0"/>
+        </a:lnRef>
+        <a:fillRef idx="1">
+          <a:scrgbClr r="0" g="0" b="0"/>
+        </a:fillRef>
+        <a:effectRef idx="1">
+          <a:scrgbClr r="0" g="0" b="0"/>
+        </a:effectRef>
+        <a:fontRef idx="minor">
+          <a:schemeClr val="lt1"/>
+        </a:fontRef>
+      </dsp:style>
+      <dsp:txBody>
+        <a:bodyPr spcFirstLastPara="0" vert="horz" wrap="square" lIns="60960" tIns="60960" rIns="60960" bIns="60960" numCol="1" spcCol="1270" anchor="t" anchorCtr="0">
+          <a:noAutofit/>
+        </a:bodyPr>
+        <a:lstStyle/>
+        <a:p>
+          <a:pPr marL="0" lvl="0" indent="0" algn="l" defTabSz="711200">
+            <a:lnSpc>
+              <a:spcPct val="90000"/>
+            </a:lnSpc>
+            <a:spcBef>
+              <a:spcPct val="0"/>
+            </a:spcBef>
+            <a:spcAft>
+              <a:spcPct val="35000"/>
+            </a:spcAft>
+            <a:buNone/>
+          </a:pPr>
+          <a:r>
+            <a:rPr lang="en-US" sz="1600" kern="1200" dirty="0"/>
+            <a:t>Auth</a:t>
+          </a:r>
+        </a:p>
+        <a:p>
+          <a:pPr marL="114300" lvl="1" indent="-114300" algn="l" defTabSz="533400">
+            <a:lnSpc>
+              <a:spcPct val="90000"/>
+            </a:lnSpc>
+            <a:spcBef>
+              <a:spcPct val="0"/>
+            </a:spcBef>
+            <a:spcAft>
+              <a:spcPct val="15000"/>
+            </a:spcAft>
+            <a:buChar char="•"/>
+          </a:pPr>
+          <a:r>
+            <a:rPr lang="en-US" sz="1200" kern="1200" dirty="0"/>
+            <a:t>Clerk</a:t>
+          </a:r>
+        </a:p>
+        <a:p>
+          <a:pPr marL="228600" lvl="2" indent="-114300" algn="l" defTabSz="533400">
+            <a:lnSpc>
+              <a:spcPct val="90000"/>
+            </a:lnSpc>
+            <a:spcBef>
+              <a:spcPct val="0"/>
+            </a:spcBef>
+            <a:spcAft>
+              <a:spcPct val="15000"/>
+            </a:spcAft>
+            <a:buChar char="•"/>
+          </a:pPr>
+          <a:r>
+            <a:rPr lang="en-US" sz="1200" kern="1200" dirty="0"/>
+            <a:t>SaaS simple à </a:t>
+          </a:r>
+          <a:r>
+            <a:rPr lang="en-US" sz="1200" kern="1200" dirty="0" err="1"/>
+            <a:t>intégrer</a:t>
+          </a:r>
+          <a:endParaRPr lang="en-US" sz="1200" kern="1200" dirty="0"/>
+        </a:p>
+        <a:p>
+          <a:pPr marL="228600" lvl="2" indent="-114300" algn="l" defTabSz="533400">
+            <a:lnSpc>
+              <a:spcPct val="90000"/>
+            </a:lnSpc>
+            <a:spcBef>
+              <a:spcPct val="0"/>
+            </a:spcBef>
+            <a:spcAft>
+              <a:spcPct val="15000"/>
+            </a:spcAft>
+            <a:buChar char="•"/>
+          </a:pPr>
+          <a:r>
+            <a:rPr lang="en-US" sz="1200" kern="1200" dirty="0" err="1"/>
+            <a:t>Surcouche</a:t>
+          </a:r>
+          <a:r>
+            <a:rPr lang="en-US" sz="1200" kern="1200" dirty="0"/>
+            <a:t> </a:t>
+          </a:r>
+          <a:r>
+            <a:rPr lang="en-US" sz="1200" kern="1200" dirty="0" err="1"/>
+            <a:t>personnalisée</a:t>
+          </a:r>
+          <a:endParaRPr lang="en-US" sz="1200" kern="1200" dirty="0"/>
+        </a:p>
+        <a:p>
+          <a:pPr marL="228600" lvl="2" indent="-114300" algn="l" defTabSz="533400">
+            <a:lnSpc>
+              <a:spcPct val="90000"/>
+            </a:lnSpc>
+            <a:spcBef>
+              <a:spcPct val="0"/>
+            </a:spcBef>
+            <a:spcAft>
+              <a:spcPct val="15000"/>
+            </a:spcAft>
+            <a:buChar char="•"/>
+          </a:pPr>
+          <a:r>
+            <a:rPr lang="en-US" sz="1200" kern="1200" dirty="0" err="1"/>
+            <a:t>Génération</a:t>
+          </a:r>
+          <a:r>
+            <a:rPr lang="en-US" sz="1200" kern="1200" dirty="0"/>
+            <a:t> </a:t>
+          </a:r>
+          <a:r>
+            <a:rPr lang="en-US" sz="1200" kern="1200" dirty="0" err="1"/>
+            <a:t>d’access</a:t>
+          </a:r>
+          <a:r>
+            <a:rPr lang="en-US" sz="1200" kern="1200" dirty="0"/>
+            <a:t> token</a:t>
+          </a:r>
+        </a:p>
+        <a:p>
+          <a:pPr marL="228600" lvl="2" indent="-114300" algn="l" defTabSz="533400">
+            <a:lnSpc>
+              <a:spcPct val="90000"/>
+            </a:lnSpc>
+            <a:spcBef>
+              <a:spcPct val="0"/>
+            </a:spcBef>
+            <a:spcAft>
+              <a:spcPct val="15000"/>
+            </a:spcAft>
+            <a:buChar char="•"/>
+          </a:pPr>
+          <a:r>
+            <a:rPr lang="en-US" sz="1200" kern="1200" dirty="0" err="1"/>
+            <a:t>Utilisable</a:t>
+          </a:r>
+          <a:r>
+            <a:rPr lang="en-US" sz="1200" kern="1200" dirty="0"/>
+            <a:t> sur </a:t>
+          </a:r>
+          <a:r>
+            <a:rPr lang="en-US" sz="1200" kern="1200" dirty="0" err="1"/>
+            <a:t>plusieurs</a:t>
+          </a:r>
+          <a:r>
+            <a:rPr lang="en-US" sz="1200" kern="1200" dirty="0"/>
+            <a:t> </a:t>
+          </a:r>
+          <a:r>
+            <a:rPr lang="en-US" sz="1200" kern="1200" dirty="0" err="1"/>
+            <a:t>langages</a:t>
+          </a:r>
+          <a:r>
+            <a:rPr lang="en-US" sz="1200" kern="1200" dirty="0"/>
+            <a:t> / frameworks</a:t>
+          </a:r>
+        </a:p>
+      </dsp:txBody>
+      <dsp:txXfrm>
+        <a:off x="4088010" y="1958208"/>
+        <a:ext cx="2796778" cy="1678066"/>
       </dsp:txXfrm>
     </dsp:sp>
   </dsp:spTree>
@@ -33368,6 +33870,42 @@
           </a:prstGeom>
         </p:spPr>
       </p:pic>
+      <p:pic>
+        <p:nvPicPr>
+          <p:cNvPr id="3" name="Image 2">
+            <a:extLst>
+              <a:ext uri="{FF2B5EF4-FFF2-40B4-BE49-F238E27FC236}">
+                <a16:creationId xmlns:a16="http://schemas.microsoft.com/office/drawing/2014/main" id="{749F1668-BF58-84AA-C5C0-2436C9CC1A2E}"/>
+              </a:ext>
+            </a:extLst>
+          </p:cNvPr>
+          <p:cNvPicPr>
+            <a:picLocks noChangeAspect="1"/>
+          </p:cNvPicPr>
+          <p:nvPr/>
+        </p:nvPicPr>
+        <p:blipFill>
+          <a:blip r:embed="rId8">
+            <a:extLst>
+              <a:ext uri="{28A0092B-C50C-407E-A947-70E740481C1C}">
+                <a14:useLocalDpi xmlns:a14="http://schemas.microsoft.com/office/drawing/2010/main" val="0"/>
+              </a:ext>
+            </a:extLst>
+          </a:blip>
+          <a:stretch>
+            <a:fillRect/>
+          </a:stretch>
+        </p:blipFill>
+        <p:spPr>
+          <a:xfrm>
+            <a:off x="7461358" y="841248"/>
+            <a:ext cx="4613494" cy="2346960"/>
+          </a:xfrm>
+          <a:prstGeom prst="rect">
+            <a:avLst/>
+          </a:prstGeom>
+        </p:spPr>
+      </p:pic>
     </p:spTree>
     <p:extLst>
       <p:ext uri="{BB962C8B-B14F-4D97-AF65-F5344CB8AC3E}">
@@ -34319,7 +34857,7 @@
           <p:nvPr>
             <p:extLst>
               <p:ext uri="{D42A27DB-BD31-4B8C-83A1-F6EECF244321}">
-                <p14:modId xmlns:p14="http://schemas.microsoft.com/office/powerpoint/2010/main" val="2431665704"/>
+                <p14:modId xmlns:p14="http://schemas.microsoft.com/office/powerpoint/2010/main" val="3151267098"/>
               </p:ext>
             </p:extLst>
           </p:nvPr>
@@ -34363,7 +34901,7 @@
         </p:blipFill>
         <p:spPr bwMode="auto">
           <a:xfrm>
-            <a:off x="3096768" y="3517392"/>
+            <a:off x="3549206" y="2673818"/>
             <a:ext cx="673608" cy="673608"/>
           </a:xfrm>
           <a:prstGeom prst="rect">
@@ -34410,7 +34948,7 @@
         </p:blipFill>
         <p:spPr bwMode="auto">
           <a:xfrm>
-            <a:off x="3068956" y="4739831"/>
+            <a:off x="3405760" y="3629945"/>
             <a:ext cx="817054" cy="817054"/>
           </a:xfrm>
           <a:prstGeom prst="rect">
@@ -34457,7 +34995,7 @@
         </p:blipFill>
         <p:spPr bwMode="auto">
           <a:xfrm>
-            <a:off x="6691821" y="3334512"/>
+            <a:off x="6423597" y="2425406"/>
             <a:ext cx="1092945" cy="1170432"/>
           </a:xfrm>
           <a:prstGeom prst="rect">
@@ -34504,8 +35042,55 @@
         </p:blipFill>
         <p:spPr bwMode="auto">
           <a:xfrm>
-            <a:off x="10404285" y="3334512"/>
+            <a:off x="9563037" y="2425406"/>
             <a:ext cx="1092945" cy="1170432"/>
+          </a:xfrm>
+          <a:prstGeom prst="rect">
+            <a:avLst/>
+          </a:prstGeom>
+          <a:noFill/>
+          <a:extLst>
+            <a:ext uri="{909E8E84-426E-40DD-AFC4-6F175D3DCCD1}">
+              <a14:hiddenFill xmlns:a14="http://schemas.microsoft.com/office/drawing/2010/main">
+                <a:solidFill>
+                  <a:srgbClr val="FFFFFF"/>
+                </a:solidFill>
+              </a14:hiddenFill>
+            </a:ext>
+          </a:extLst>
+        </p:spPr>
+      </p:pic>
+      <p:pic>
+        <p:nvPicPr>
+          <p:cNvPr id="3" name="Picture 4" descr="🌐">
+            <a:extLst>
+              <a:ext uri="{FF2B5EF4-FFF2-40B4-BE49-F238E27FC236}">
+                <a16:creationId xmlns:a16="http://schemas.microsoft.com/office/drawing/2014/main" id="{7F74688A-C5D3-8C2B-25CF-86BFDE66B151}"/>
+              </a:ext>
+            </a:extLst>
+          </p:cNvPr>
+          <p:cNvPicPr>
+            <a:picLocks noChangeAspect="1" noChangeArrowheads="1"/>
+          </p:cNvPicPr>
+          <p:nvPr/>
+        </p:nvPicPr>
+        <p:blipFill>
+          <a:blip r:embed="rId10">
+            <a:extLst>
+              <a:ext uri="{28A0092B-C50C-407E-A947-70E740481C1C}">
+                <a14:useLocalDpi xmlns:a14="http://schemas.microsoft.com/office/drawing/2010/main" val="0"/>
+              </a:ext>
+            </a:extLst>
+          </a:blip>
+          <a:srcRect/>
+          <a:stretch>
+            <a:fillRect/>
+          </a:stretch>
+        </p:blipFill>
+        <p:spPr bwMode="auto">
+          <a:xfrm>
+            <a:off x="6833616" y="4733544"/>
+            <a:ext cx="512064" cy="512064"/>
           </a:xfrm>
           <a:prstGeom prst="rect">
             <a:avLst/>
@@ -35661,6 +36246,26 @@
 </file>
 
 <file path=customXml/item2.xml><?xml version="1.0" encoding="utf-8"?>
+<p:properties xmlns:p="http://schemas.microsoft.com/office/2006/metadata/properties" xmlns:xsi="http://www.w3.org/2001/XMLSchema-instance" xmlns:pc="http://schemas.microsoft.com/office/infopath/2007/PartnerControls">
+  <documentManagement>
+    <Background xmlns="71af3243-3dd4-4a8d-8c0d-dd76da1f02a5">false</Background>
+    <Status xmlns="71af3243-3dd4-4a8d-8c0d-dd76da1f02a5">Not started</Status>
+    <_ip_UnifiedCompliancePolicyUIAction xmlns="http://schemas.microsoft.com/sharepoint/v3" xsi:nil="true"/>
+    <Image xmlns="71af3243-3dd4-4a8d-8c0d-dd76da1f02a5">
+      <Url xsi:nil="true"/>
+      <Description xsi:nil="true"/>
+    </Image>
+    <_ip_UnifiedCompliancePolicyProperties xmlns="http://schemas.microsoft.com/sharepoint/v3" xsi:nil="true"/>
+    <ImageTagsTaxHTField xmlns="71af3243-3dd4-4a8d-8c0d-dd76da1f02a5">
+      <Terms xmlns="http://schemas.microsoft.com/office/infopath/2007/PartnerControls"/>
+    </ImageTagsTaxHTField>
+    <TaxCatchAll xmlns="230e9df3-be65-4c73-a93b-d1236ebd677e" xsi:nil="true"/>
+    <MediaServiceKeyPoints xmlns="71af3243-3dd4-4a8d-8c0d-dd76da1f02a5" xsi:nil="true"/>
+  </documentManagement>
+</p:properties>
+</file>
+
+<file path=customXml/item3.xml><?xml version="1.0" encoding="utf-8"?>
 <ct:contentTypeSchema xmlns:ct="http://schemas.microsoft.com/office/2006/metadata/contentType" xmlns:ma="http://schemas.microsoft.com/office/2006/metadata/properties/metaAttributes" ct:_="" ma:_="" ma:contentTypeName="Document" ma:contentTypeID="0x01010079F111ED35F8CC479449609E8A0923A6" ma:contentTypeVersion="28" ma:contentTypeDescription="Create a new document." ma:contentTypeScope="" ma:versionID="60f5a4f2d2b0abadcf532d48ebf9cb71">
   <xsd:schema xmlns:xsd="http://www.w3.org/2001/XMLSchema" xmlns:xs="http://www.w3.org/2001/XMLSchema" xmlns:p="http://schemas.microsoft.com/office/2006/metadata/properties" xmlns:ns1="http://schemas.microsoft.com/sharepoint/v3" xmlns:ns2="71af3243-3dd4-4a8d-8c0d-dd76da1f02a5" xmlns:ns3="16c05727-aa75-4e4a-9b5f-8a80a1165891" xmlns:ns4="230e9df3-be65-4c73-a93b-d1236ebd677e" targetNamespace="http://schemas.microsoft.com/office/2006/metadata/properties" ma:root="true" ma:fieldsID="7dd78129e6a1811f84807ad11c651531" ns1:_="" ns2:_="" ns3:_="" ns4:_="">
     <xsd:import namespace="http://schemas.microsoft.com/sharepoint/v3"/>
@@ -35972,26 +36577,6 @@
 </ct:contentTypeSchema>
 </file>
 
-<file path=customXml/item3.xml><?xml version="1.0" encoding="utf-8"?>
-<p:properties xmlns:p="http://schemas.microsoft.com/office/2006/metadata/properties" xmlns:xsi="http://www.w3.org/2001/XMLSchema-instance" xmlns:pc="http://schemas.microsoft.com/office/infopath/2007/PartnerControls">
-  <documentManagement>
-    <Background xmlns="71af3243-3dd4-4a8d-8c0d-dd76da1f02a5">false</Background>
-    <Status xmlns="71af3243-3dd4-4a8d-8c0d-dd76da1f02a5">Not started</Status>
-    <_ip_UnifiedCompliancePolicyUIAction xmlns="http://schemas.microsoft.com/sharepoint/v3" xsi:nil="true"/>
-    <Image xmlns="71af3243-3dd4-4a8d-8c0d-dd76da1f02a5">
-      <Url xsi:nil="true"/>
-      <Description xsi:nil="true"/>
-    </Image>
-    <_ip_UnifiedCompliancePolicyProperties xmlns="http://schemas.microsoft.com/sharepoint/v3" xsi:nil="true"/>
-    <ImageTagsTaxHTField xmlns="71af3243-3dd4-4a8d-8c0d-dd76da1f02a5">
-      <Terms xmlns="http://schemas.microsoft.com/office/infopath/2007/PartnerControls"/>
-    </ImageTagsTaxHTField>
-    <TaxCatchAll xmlns="230e9df3-be65-4c73-a93b-d1236ebd677e" xsi:nil="true"/>
-    <MediaServiceKeyPoints xmlns="71af3243-3dd4-4a8d-8c0d-dd76da1f02a5" xsi:nil="true"/>
-  </documentManagement>
-</p:properties>
-</file>
-
 <file path=customXml/itemProps1.xml><?xml version="1.0" encoding="utf-8"?>
 <ds:datastoreItem xmlns:ds="http://schemas.openxmlformats.org/officeDocument/2006/customXml" ds:itemID="{C21FFAC0-05A2-416A-B06C-C248395482CF}">
   <ds:schemaRefs>
@@ -36001,6 +36586,18 @@
 </file>
 
 <file path=customXml/itemProps2.xml><?xml version="1.0" encoding="utf-8"?>
+<ds:datastoreItem xmlns:ds="http://schemas.openxmlformats.org/officeDocument/2006/customXml" ds:itemID="{4F4B194E-8B30-4377-8C59-ECFB902D2A26}">
+  <ds:schemaRefs>
+    <ds:schemaRef ds:uri="http://schemas.microsoft.com/office/2006/metadata/properties"/>
+    <ds:schemaRef ds:uri="http://schemas.microsoft.com/office/infopath/2007/PartnerControls"/>
+    <ds:schemaRef ds:uri="71af3243-3dd4-4a8d-8c0d-dd76da1f02a5"/>
+    <ds:schemaRef ds:uri="http://schemas.microsoft.com/sharepoint/v3"/>
+    <ds:schemaRef ds:uri="230e9df3-be65-4c73-a93b-d1236ebd677e"/>
+  </ds:schemaRefs>
+</ds:datastoreItem>
+</file>
+
+<file path=customXml/itemProps3.xml><?xml version="1.0" encoding="utf-8"?>
 <ds:datastoreItem xmlns:ds="http://schemas.openxmlformats.org/officeDocument/2006/customXml" ds:itemID="{92DB9E12-8AC3-4138-BF4D-720A5525AB10}">
   <ds:schemaRefs>
     <ds:schemaRef ds:uri="http://schemas.microsoft.com/office/2006/metadata/contentType"/>
@@ -36021,18 +36618,6 @@
 </ds:datastoreItem>
 </file>
 
-<file path=customXml/itemProps3.xml><?xml version="1.0" encoding="utf-8"?>
-<ds:datastoreItem xmlns:ds="http://schemas.openxmlformats.org/officeDocument/2006/customXml" ds:itemID="{4F4B194E-8B30-4377-8C59-ECFB902D2A26}">
-  <ds:schemaRefs>
-    <ds:schemaRef ds:uri="http://schemas.microsoft.com/office/2006/metadata/properties"/>
-    <ds:schemaRef ds:uri="http://schemas.microsoft.com/office/infopath/2007/PartnerControls"/>
-    <ds:schemaRef ds:uri="71af3243-3dd4-4a8d-8c0d-dd76da1f02a5"/>
-    <ds:schemaRef ds:uri="http://schemas.microsoft.com/sharepoint/v3"/>
-    <ds:schemaRef ds:uri="230e9df3-be65-4c73-a93b-d1236ebd677e"/>
-  </ds:schemaRefs>
-</ds:datastoreItem>
-</file>
-
 <file path=docMetadata/LabelInfo.xml><?xml version="1.0" encoding="utf-8"?>
 <clbl:labelList xmlns:clbl="http://schemas.microsoft.com/office/2020/mipLabelMetadata"/>
 </file>
--- a/documents/CESIZen.pptx
+++ b/documents/CESIZen.pptx
@@ -8272,6 +8272,28 @@
         </a:p>
       </dgm:t>
     </dgm:pt>
+    <dgm:pt modelId="{F7806C83-BB26-4074-86E1-B40F8A3F5484}">
+      <dgm:prSet/>
+      <dgm:spPr/>
+      <dgm:t>
+        <a:bodyPr/>
+        <a:lstStyle/>
+        <a:p>
+          <a:r>
+            <a:rPr lang="en-US" dirty="0"/>
+            <a:t>JWT</a:t>
+          </a:r>
+        </a:p>
+      </dgm:t>
+    </dgm:pt>
+    <dgm:pt modelId="{F3713667-9309-45A5-A866-DEEBD6A28672}" type="parTrans" cxnId="{ACACEFD9-82AD-430C-9DEF-248916D5EC28}">
+      <dgm:prSet/>
+      <dgm:spPr/>
+    </dgm:pt>
+    <dgm:pt modelId="{C93F53D5-2770-4330-ABE1-81765CBD6784}" type="sibTrans" cxnId="{ACACEFD9-82AD-430C-9DEF-248916D5EC28}">
+      <dgm:prSet/>
+      <dgm:spPr/>
+    </dgm:pt>
     <dgm:pt modelId="{68EE7EC7-C20B-456D-9508-DAACA76CD391}">
       <dgm:prSet/>
       <dgm:spPr/>
@@ -8280,14 +8302,14 @@
         <a:lstStyle/>
         <a:p>
           <a:r>
-            <a:rPr lang="fr-FR" b="1" i="0"/>
-            <a:t>Connexion HTTPS</a:t>
+            <a:rPr lang="fr-FR" b="1" i="0" dirty="0"/>
+            <a:t>HTTPS</a:t>
           </a:r>
-          <a:endParaRPr lang="en-US"/>
+          <a:endParaRPr lang="en-US" dirty="0"/>
         </a:p>
       </dgm:t>
     </dgm:pt>
-    <dgm:pt modelId="{E5A8831A-CE34-423C-809D-56DC275061BB}" type="parTrans" cxnId="{C8102A79-BC4E-4F6A-A1B0-0264D76C2379}">
+    <dgm:pt modelId="{67C6A7FB-9392-47B3-886F-9FCD7F8F39F5}" type="sibTrans" cxnId="{C8102A79-BC4E-4F6A-A1B0-0264D76C2379}">
       <dgm:prSet/>
       <dgm:spPr/>
       <dgm:t>
@@ -8298,7 +8320,7 @@
         </a:p>
       </dgm:t>
     </dgm:pt>
-    <dgm:pt modelId="{67C6A7FB-9392-47B3-886F-9FCD7F8F39F5}" type="sibTrans" cxnId="{C8102A79-BC4E-4F6A-A1B0-0264D76C2379}">
+    <dgm:pt modelId="{E5A8831A-CE34-423C-809D-56DC275061BB}" type="parTrans" cxnId="{C8102A79-BC4E-4F6A-A1B0-0264D76C2379}">
       <dgm:prSet/>
       <dgm:spPr/>
       <dgm:t>
@@ -8324,7 +8346,7 @@
         </a:p>
       </dgm:t>
     </dgm:pt>
-    <dgm:pt modelId="{CFD03614-5D62-4F24-84AE-87FA50DBB8B3}" type="parTrans" cxnId="{D4974DC7-9D55-46E1-B136-E0359EA302F2}">
+    <dgm:pt modelId="{D3756D49-4724-49E5-A2A5-C57E4C31E152}" type="sibTrans" cxnId="{D4974DC7-9D55-46E1-B136-E0359EA302F2}">
       <dgm:prSet/>
       <dgm:spPr/>
       <dgm:t>
@@ -8335,7 +8357,7 @@
         </a:p>
       </dgm:t>
     </dgm:pt>
-    <dgm:pt modelId="{D3756D49-4724-49E5-A2A5-C57E4C31E152}" type="sibTrans" cxnId="{D4974DC7-9D55-46E1-B136-E0359EA302F2}">
+    <dgm:pt modelId="{CFD03614-5D62-4F24-84AE-87FA50DBB8B3}" type="parTrans" cxnId="{D4974DC7-9D55-46E1-B136-E0359EA302F2}">
       <dgm:prSet/>
       <dgm:spPr/>
       <dgm:t>
@@ -8369,7 +8391,7 @@
         </a:p>
       </dgm:t>
     </dgm:pt>
-    <dgm:pt modelId="{5CD7C555-9EE4-42FA-B592-5644CA8A1EA1}" type="parTrans" cxnId="{95EB65BB-3A39-42B0-A09C-3B473E23260F}">
+    <dgm:pt modelId="{A645080B-C16A-42F8-8C58-3AC40B5D1915}" type="sibTrans" cxnId="{95EB65BB-3A39-42B0-A09C-3B473E23260F}">
       <dgm:prSet/>
       <dgm:spPr/>
       <dgm:t>
@@ -8380,7 +8402,7 @@
         </a:p>
       </dgm:t>
     </dgm:pt>
-    <dgm:pt modelId="{A645080B-C16A-42F8-8C58-3AC40B5D1915}" type="sibTrans" cxnId="{95EB65BB-3A39-42B0-A09C-3B473E23260F}">
+    <dgm:pt modelId="{5CD7C555-9EE4-42FA-B592-5644CA8A1EA1}" type="parTrans" cxnId="{95EB65BB-3A39-42B0-A09C-3B473E23260F}">
       <dgm:prSet/>
       <dgm:spPr/>
       <dgm:t>
@@ -8406,7 +8428,7 @@
         </a:p>
       </dgm:t>
     </dgm:pt>
-    <dgm:pt modelId="{CFA8501D-BB8C-4CDA-B635-22E20B542DF2}" type="parTrans" cxnId="{910E986E-413C-49CA-9CB2-A60735A2E91B}">
+    <dgm:pt modelId="{EE8049F3-C7AE-481D-BB9C-468615526549}" type="sibTrans" cxnId="{910E986E-413C-49CA-9CB2-A60735A2E91B}">
       <dgm:prSet/>
       <dgm:spPr/>
       <dgm:t>
@@ -8417,7 +8439,7 @@
         </a:p>
       </dgm:t>
     </dgm:pt>
-    <dgm:pt modelId="{EE8049F3-C7AE-481D-BB9C-468615526549}" type="sibTrans" cxnId="{910E986E-413C-49CA-9CB2-A60735A2E91B}">
+    <dgm:pt modelId="{CFA8501D-BB8C-4CDA-B635-22E20B542DF2}" type="parTrans" cxnId="{910E986E-413C-49CA-9CB2-A60735A2E91B}">
       <dgm:prSet/>
       <dgm:spPr/>
       <dgm:t>
@@ -8442,11 +8464,11 @@
         </a:p>
       </dgm:t>
     </dgm:pt>
-    <dgm:pt modelId="{A41183D6-21A9-40C0-9C14-941F55BA4D58}" type="parTrans" cxnId="{EA66996F-FB9B-4789-89BF-321B864DC533}">
+    <dgm:pt modelId="{D814D7E6-874E-4411-8632-980EAB29F02D}" type="sibTrans" cxnId="{EA66996F-FB9B-4789-89BF-321B864DC533}">
       <dgm:prSet/>
       <dgm:spPr/>
     </dgm:pt>
-    <dgm:pt modelId="{D814D7E6-874E-4411-8632-980EAB29F02D}" type="sibTrans" cxnId="{EA66996F-FB9B-4789-89BF-321B864DC533}">
+    <dgm:pt modelId="{A41183D6-21A9-40C0-9C14-941F55BA4D58}" type="parTrans" cxnId="{EA66996F-FB9B-4789-89BF-321B864DC533}">
       <dgm:prSet/>
       <dgm:spPr/>
     </dgm:pt>
@@ -8462,6 +8484,30 @@
       </dgm:prSet>
       <dgm:spPr/>
     </dgm:pt>
+    <dgm:pt modelId="{CA4C2E0E-CBA9-41CF-A328-AC1D2E4CDA3B}" type="pres">
+      <dgm:prSet presAssocID="{F7806C83-BB26-4074-86E1-B40F8A3F5484}" presName="hierRoot1" presStyleCnt="0"/>
+      <dgm:spPr/>
+    </dgm:pt>
+    <dgm:pt modelId="{14035C46-530B-4CDC-86B5-A8898E8C9ED5}" type="pres">
+      <dgm:prSet presAssocID="{F7806C83-BB26-4074-86E1-B40F8A3F5484}" presName="composite" presStyleCnt="0"/>
+      <dgm:spPr/>
+    </dgm:pt>
+    <dgm:pt modelId="{F60F413B-4B9E-43DF-9226-9E73C182615F}" type="pres">
+      <dgm:prSet presAssocID="{F7806C83-BB26-4074-86E1-B40F8A3F5484}" presName="background" presStyleLbl="node0" presStyleIdx="0" presStyleCnt="6"/>
+      <dgm:spPr/>
+    </dgm:pt>
+    <dgm:pt modelId="{A4EFFD7B-AD57-4E15-879A-63E999442B88}" type="pres">
+      <dgm:prSet presAssocID="{F7806C83-BB26-4074-86E1-B40F8A3F5484}" presName="text" presStyleLbl="fgAcc0" presStyleIdx="0" presStyleCnt="6">
+        <dgm:presLayoutVars>
+          <dgm:chPref val="3"/>
+        </dgm:presLayoutVars>
+      </dgm:prSet>
+      <dgm:spPr/>
+    </dgm:pt>
+    <dgm:pt modelId="{03DBF273-C64A-40D7-996B-2F0C8AFBD8EB}" type="pres">
+      <dgm:prSet presAssocID="{F7806C83-BB26-4074-86E1-B40F8A3F5484}" presName="hierChild2" presStyleCnt="0"/>
+      <dgm:spPr/>
+    </dgm:pt>
     <dgm:pt modelId="{24DE3267-C6A1-4BE3-9A72-46C5028EE691}" type="pres">
       <dgm:prSet presAssocID="{68EE7EC7-C20B-456D-9508-DAACA76CD391}" presName="hierRoot1" presStyleCnt="0"/>
       <dgm:spPr/>
@@ -8471,11 +8517,11 @@
       <dgm:spPr/>
     </dgm:pt>
     <dgm:pt modelId="{E637AB87-C59A-4073-901D-4B8500D66594}" type="pres">
-      <dgm:prSet presAssocID="{68EE7EC7-C20B-456D-9508-DAACA76CD391}" presName="background" presStyleLbl="node0" presStyleIdx="0" presStyleCnt="5"/>
+      <dgm:prSet presAssocID="{68EE7EC7-C20B-456D-9508-DAACA76CD391}" presName="background" presStyleLbl="node0" presStyleIdx="1" presStyleCnt="6"/>
       <dgm:spPr/>
     </dgm:pt>
     <dgm:pt modelId="{9A48BB7C-A26F-4A77-AD41-B50121A62571}" type="pres">
-      <dgm:prSet presAssocID="{68EE7EC7-C20B-456D-9508-DAACA76CD391}" presName="text" presStyleLbl="fgAcc0" presStyleIdx="0" presStyleCnt="5">
+      <dgm:prSet presAssocID="{68EE7EC7-C20B-456D-9508-DAACA76CD391}" presName="text" presStyleLbl="fgAcc0" presStyleIdx="1" presStyleCnt="6">
         <dgm:presLayoutVars>
           <dgm:chPref val="3"/>
         </dgm:presLayoutVars>
@@ -8495,11 +8541,11 @@
       <dgm:spPr/>
     </dgm:pt>
     <dgm:pt modelId="{C49FF07B-2507-4FF3-AF28-04F4AA9FF619}" type="pres">
-      <dgm:prSet presAssocID="{98E4E9A6-80F0-4BE8-A8FA-857D64040AB7}" presName="background" presStyleLbl="node0" presStyleIdx="1" presStyleCnt="5"/>
+      <dgm:prSet presAssocID="{98E4E9A6-80F0-4BE8-A8FA-857D64040AB7}" presName="background" presStyleLbl="node0" presStyleIdx="2" presStyleCnt="6"/>
       <dgm:spPr/>
     </dgm:pt>
     <dgm:pt modelId="{27599751-8180-43B0-939A-ED715752A627}" type="pres">
-      <dgm:prSet presAssocID="{98E4E9A6-80F0-4BE8-A8FA-857D64040AB7}" presName="text" presStyleLbl="fgAcc0" presStyleIdx="1" presStyleCnt="5">
+      <dgm:prSet presAssocID="{98E4E9A6-80F0-4BE8-A8FA-857D64040AB7}" presName="text" presStyleLbl="fgAcc0" presStyleIdx="2" presStyleCnt="6">
         <dgm:presLayoutVars>
           <dgm:chPref val="3"/>
         </dgm:presLayoutVars>
@@ -8519,11 +8565,11 @@
       <dgm:spPr/>
     </dgm:pt>
     <dgm:pt modelId="{76AD91D2-9A54-42E6-AF05-1785B82A220B}" type="pres">
-      <dgm:prSet presAssocID="{B551D9F3-DE76-46F8-9725-B431DE4050A2}" presName="background" presStyleLbl="node0" presStyleIdx="2" presStyleCnt="5"/>
+      <dgm:prSet presAssocID="{B551D9F3-DE76-46F8-9725-B431DE4050A2}" presName="background" presStyleLbl="node0" presStyleIdx="3" presStyleCnt="6"/>
       <dgm:spPr/>
     </dgm:pt>
     <dgm:pt modelId="{710371AC-6C9E-49C4-AEA7-44D21B5917EE}" type="pres">
-      <dgm:prSet presAssocID="{B551D9F3-DE76-46F8-9725-B431DE4050A2}" presName="text" presStyleLbl="fgAcc0" presStyleIdx="2" presStyleCnt="5">
+      <dgm:prSet presAssocID="{B551D9F3-DE76-46F8-9725-B431DE4050A2}" presName="text" presStyleLbl="fgAcc0" presStyleIdx="3" presStyleCnt="6">
         <dgm:presLayoutVars>
           <dgm:chPref val="3"/>
         </dgm:presLayoutVars>
@@ -8543,11 +8589,11 @@
       <dgm:spPr/>
     </dgm:pt>
     <dgm:pt modelId="{79A3D704-D9C3-4B98-93F6-663BDBD175D0}" type="pres">
-      <dgm:prSet presAssocID="{59EC9A93-5F11-49BA-B380-11D22FC63F0F}" presName="background" presStyleLbl="node0" presStyleIdx="3" presStyleCnt="5"/>
+      <dgm:prSet presAssocID="{59EC9A93-5F11-49BA-B380-11D22FC63F0F}" presName="background" presStyleLbl="node0" presStyleIdx="4" presStyleCnt="6"/>
       <dgm:spPr/>
     </dgm:pt>
     <dgm:pt modelId="{EDD6A6B4-EC96-44F3-BDB4-38788D41F88B}" type="pres">
-      <dgm:prSet presAssocID="{59EC9A93-5F11-49BA-B380-11D22FC63F0F}" presName="text" presStyleLbl="fgAcc0" presStyleIdx="3" presStyleCnt="5">
+      <dgm:prSet presAssocID="{59EC9A93-5F11-49BA-B380-11D22FC63F0F}" presName="text" presStyleLbl="fgAcc0" presStyleIdx="4" presStyleCnt="6">
         <dgm:presLayoutVars>
           <dgm:chPref val="3"/>
         </dgm:presLayoutVars>
@@ -8567,11 +8613,11 @@
       <dgm:spPr/>
     </dgm:pt>
     <dgm:pt modelId="{69BDA2C1-BF2D-4DBF-944E-44B1028474DF}" type="pres">
-      <dgm:prSet presAssocID="{4AB543B2-3D60-4044-B604-61320E40836D}" presName="background" presStyleLbl="node0" presStyleIdx="4" presStyleCnt="5"/>
+      <dgm:prSet presAssocID="{4AB543B2-3D60-4044-B604-61320E40836D}" presName="background" presStyleLbl="node0" presStyleIdx="5" presStyleCnt="6"/>
       <dgm:spPr/>
     </dgm:pt>
     <dgm:pt modelId="{2A9C50DB-3AA8-4FF7-85EA-5DC917DFD0D1}" type="pres">
-      <dgm:prSet presAssocID="{4AB543B2-3D60-4044-B604-61320E40836D}" presName="text" presStyleLbl="fgAcc0" presStyleIdx="4" presStyleCnt="5">
+      <dgm:prSet presAssocID="{4AB543B2-3D60-4044-B604-61320E40836D}" presName="text" presStyleLbl="fgAcc0" presStyleIdx="5" presStyleCnt="6">
         <dgm:presLayoutVars>
           <dgm:chPref val="3"/>
         </dgm:presLayoutVars>
@@ -8585,37 +8631,44 @@
   </dgm:ptLst>
   <dgm:cxnLst>
     <dgm:cxn modelId="{D21DCE47-29E2-46F4-ACE5-1890D9D60755}" type="presOf" srcId="{68EE7EC7-C20B-456D-9508-DAACA76CD391}" destId="{9A48BB7C-A26F-4A77-AD41-B50121A62571}" srcOrd="0" destOrd="0" presId="urn:microsoft.com/office/officeart/2005/8/layout/hierarchy1"/>
-    <dgm:cxn modelId="{910E986E-413C-49CA-9CB2-A60735A2E91B}" srcId="{80CAAB47-9D04-4373-A3D5-F0ACA560466F}" destId="{59EC9A93-5F11-49BA-B380-11D22FC63F0F}" srcOrd="3" destOrd="0" parTransId="{CFA8501D-BB8C-4CDA-B635-22E20B542DF2}" sibTransId="{EE8049F3-C7AE-481D-BB9C-468615526549}"/>
-    <dgm:cxn modelId="{EA66996F-FB9B-4789-89BF-321B864DC533}" srcId="{80CAAB47-9D04-4373-A3D5-F0ACA560466F}" destId="{4AB543B2-3D60-4044-B604-61320E40836D}" srcOrd="4" destOrd="0" parTransId="{A41183D6-21A9-40C0-9C14-941F55BA4D58}" sibTransId="{D814D7E6-874E-4411-8632-980EAB29F02D}"/>
+    <dgm:cxn modelId="{FCF44F6D-045B-4CD6-907E-B4459C1B6FD4}" type="presOf" srcId="{F7806C83-BB26-4074-86E1-B40F8A3F5484}" destId="{A4EFFD7B-AD57-4E15-879A-63E999442B88}" srcOrd="0" destOrd="0" presId="urn:microsoft.com/office/officeart/2005/8/layout/hierarchy1"/>
+    <dgm:cxn modelId="{910E986E-413C-49CA-9CB2-A60735A2E91B}" srcId="{80CAAB47-9D04-4373-A3D5-F0ACA560466F}" destId="{59EC9A93-5F11-49BA-B380-11D22FC63F0F}" srcOrd="4" destOrd="0" parTransId="{CFA8501D-BB8C-4CDA-B635-22E20B542DF2}" sibTransId="{EE8049F3-C7AE-481D-BB9C-468615526549}"/>
+    <dgm:cxn modelId="{EA66996F-FB9B-4789-89BF-321B864DC533}" srcId="{80CAAB47-9D04-4373-A3D5-F0ACA560466F}" destId="{4AB543B2-3D60-4044-B604-61320E40836D}" srcOrd="5" destOrd="0" parTransId="{A41183D6-21A9-40C0-9C14-941F55BA4D58}" sibTransId="{D814D7E6-874E-4411-8632-980EAB29F02D}"/>
     <dgm:cxn modelId="{29BA8C77-E2A6-4248-8FE9-E90118030E2B}" type="presOf" srcId="{B551D9F3-DE76-46F8-9725-B431DE4050A2}" destId="{710371AC-6C9E-49C4-AEA7-44D21B5917EE}" srcOrd="0" destOrd="0" presId="urn:microsoft.com/office/officeart/2005/8/layout/hierarchy1"/>
-    <dgm:cxn modelId="{C8102A79-BC4E-4F6A-A1B0-0264D76C2379}" srcId="{80CAAB47-9D04-4373-A3D5-F0ACA560466F}" destId="{68EE7EC7-C20B-456D-9508-DAACA76CD391}" srcOrd="0" destOrd="0" parTransId="{E5A8831A-CE34-423C-809D-56DC275061BB}" sibTransId="{67C6A7FB-9392-47B3-886F-9FCD7F8F39F5}"/>
+    <dgm:cxn modelId="{C8102A79-BC4E-4F6A-A1B0-0264D76C2379}" srcId="{80CAAB47-9D04-4373-A3D5-F0ACA560466F}" destId="{68EE7EC7-C20B-456D-9508-DAACA76CD391}" srcOrd="1" destOrd="0" parTransId="{E5A8831A-CE34-423C-809D-56DC275061BB}" sibTransId="{67C6A7FB-9392-47B3-886F-9FCD7F8F39F5}"/>
     <dgm:cxn modelId="{AC9698A3-7CCD-4AC2-8B50-78BFCA0200F8}" type="presOf" srcId="{59EC9A93-5F11-49BA-B380-11D22FC63F0F}" destId="{EDD6A6B4-EC96-44F3-BDB4-38788D41F88B}" srcOrd="0" destOrd="0" presId="urn:microsoft.com/office/officeart/2005/8/layout/hierarchy1"/>
     <dgm:cxn modelId="{B2B254B5-6A0E-48E7-9734-4E5059204BCA}" type="presOf" srcId="{4AB543B2-3D60-4044-B604-61320E40836D}" destId="{2A9C50DB-3AA8-4FF7-85EA-5DC917DFD0D1}" srcOrd="0" destOrd="0" presId="urn:microsoft.com/office/officeart/2005/8/layout/hierarchy1"/>
-    <dgm:cxn modelId="{95EB65BB-3A39-42B0-A09C-3B473E23260F}" srcId="{80CAAB47-9D04-4373-A3D5-F0ACA560466F}" destId="{B551D9F3-DE76-46F8-9725-B431DE4050A2}" srcOrd="2" destOrd="0" parTransId="{5CD7C555-9EE4-42FA-B592-5644CA8A1EA1}" sibTransId="{A645080B-C16A-42F8-8C58-3AC40B5D1915}"/>
-    <dgm:cxn modelId="{D4974DC7-9D55-46E1-B136-E0359EA302F2}" srcId="{80CAAB47-9D04-4373-A3D5-F0ACA560466F}" destId="{98E4E9A6-80F0-4BE8-A8FA-857D64040AB7}" srcOrd="1" destOrd="0" parTransId="{CFD03614-5D62-4F24-84AE-87FA50DBB8B3}" sibTransId="{D3756D49-4724-49E5-A2A5-C57E4C31E152}"/>
+    <dgm:cxn modelId="{95EB65BB-3A39-42B0-A09C-3B473E23260F}" srcId="{80CAAB47-9D04-4373-A3D5-F0ACA560466F}" destId="{B551D9F3-DE76-46F8-9725-B431DE4050A2}" srcOrd="3" destOrd="0" parTransId="{5CD7C555-9EE4-42FA-B592-5644CA8A1EA1}" sibTransId="{A645080B-C16A-42F8-8C58-3AC40B5D1915}"/>
+    <dgm:cxn modelId="{D4974DC7-9D55-46E1-B136-E0359EA302F2}" srcId="{80CAAB47-9D04-4373-A3D5-F0ACA560466F}" destId="{98E4E9A6-80F0-4BE8-A8FA-857D64040AB7}" srcOrd="2" destOrd="0" parTransId="{CFD03614-5D62-4F24-84AE-87FA50DBB8B3}" sibTransId="{D3756D49-4724-49E5-A2A5-C57E4C31E152}"/>
+    <dgm:cxn modelId="{ACACEFD9-82AD-430C-9DEF-248916D5EC28}" srcId="{80CAAB47-9D04-4373-A3D5-F0ACA560466F}" destId="{F7806C83-BB26-4074-86E1-B40F8A3F5484}" srcOrd="0" destOrd="0" parTransId="{F3713667-9309-45A5-A866-DEEBD6A28672}" sibTransId="{C93F53D5-2770-4330-ABE1-81765CBD6784}"/>
     <dgm:cxn modelId="{CCDF19E2-DC60-4C93-B138-655AE8D9F954}" type="presOf" srcId="{98E4E9A6-80F0-4BE8-A8FA-857D64040AB7}" destId="{27599751-8180-43B0-939A-ED715752A627}" srcOrd="0" destOrd="0" presId="urn:microsoft.com/office/officeart/2005/8/layout/hierarchy1"/>
     <dgm:cxn modelId="{E0823DE2-D5D4-42A4-8550-9A1929CC7757}" type="presOf" srcId="{80CAAB47-9D04-4373-A3D5-F0ACA560466F}" destId="{E81FED5D-FEC2-4B85-B411-6E6378C9ECFC}" srcOrd="0" destOrd="0" presId="urn:microsoft.com/office/officeart/2005/8/layout/hierarchy1"/>
-    <dgm:cxn modelId="{8CE955B2-A4E7-4887-BBF2-6F5F74D137C9}" type="presParOf" srcId="{E81FED5D-FEC2-4B85-B411-6E6378C9ECFC}" destId="{24DE3267-C6A1-4BE3-9A72-46C5028EE691}" srcOrd="0" destOrd="0" presId="urn:microsoft.com/office/officeart/2005/8/layout/hierarchy1"/>
+    <dgm:cxn modelId="{9B0602E6-C6E5-477B-8A79-0B0B9C5B3B93}" type="presParOf" srcId="{E81FED5D-FEC2-4B85-B411-6E6378C9ECFC}" destId="{CA4C2E0E-CBA9-41CF-A328-AC1D2E4CDA3B}" srcOrd="0" destOrd="0" presId="urn:microsoft.com/office/officeart/2005/8/layout/hierarchy1"/>
+    <dgm:cxn modelId="{6AF7EC83-EAE7-4311-A218-B23EBC6A8398}" type="presParOf" srcId="{CA4C2E0E-CBA9-41CF-A328-AC1D2E4CDA3B}" destId="{14035C46-530B-4CDC-86B5-A8898E8C9ED5}" srcOrd="0" destOrd="0" presId="urn:microsoft.com/office/officeart/2005/8/layout/hierarchy1"/>
+    <dgm:cxn modelId="{FF7CA658-635E-4A8D-88BB-C595AFD2891B}" type="presParOf" srcId="{14035C46-530B-4CDC-86B5-A8898E8C9ED5}" destId="{F60F413B-4B9E-43DF-9226-9E73C182615F}" srcOrd="0" destOrd="0" presId="urn:microsoft.com/office/officeart/2005/8/layout/hierarchy1"/>
+    <dgm:cxn modelId="{A4C556CC-FEA3-49E4-B592-174C78C7D872}" type="presParOf" srcId="{14035C46-530B-4CDC-86B5-A8898E8C9ED5}" destId="{A4EFFD7B-AD57-4E15-879A-63E999442B88}" srcOrd="1" destOrd="0" presId="urn:microsoft.com/office/officeart/2005/8/layout/hierarchy1"/>
+    <dgm:cxn modelId="{032D7B6F-EE6B-4F94-9D3F-4AF39063183F}" type="presParOf" srcId="{CA4C2E0E-CBA9-41CF-A328-AC1D2E4CDA3B}" destId="{03DBF273-C64A-40D7-996B-2F0C8AFBD8EB}" srcOrd="1" destOrd="0" presId="urn:microsoft.com/office/officeart/2005/8/layout/hierarchy1"/>
+    <dgm:cxn modelId="{8CE955B2-A4E7-4887-BBF2-6F5F74D137C9}" type="presParOf" srcId="{E81FED5D-FEC2-4B85-B411-6E6378C9ECFC}" destId="{24DE3267-C6A1-4BE3-9A72-46C5028EE691}" srcOrd="1" destOrd="0" presId="urn:microsoft.com/office/officeart/2005/8/layout/hierarchy1"/>
     <dgm:cxn modelId="{DA1BEA00-9140-4547-83F3-7DCA0335E558}" type="presParOf" srcId="{24DE3267-C6A1-4BE3-9A72-46C5028EE691}" destId="{C29E867C-0907-40B8-9F7F-DFCF23F46EE8}" srcOrd="0" destOrd="0" presId="urn:microsoft.com/office/officeart/2005/8/layout/hierarchy1"/>
     <dgm:cxn modelId="{646BB297-50AB-431F-82EB-F1FAB2AECC40}" type="presParOf" srcId="{C29E867C-0907-40B8-9F7F-DFCF23F46EE8}" destId="{E637AB87-C59A-4073-901D-4B8500D66594}" srcOrd="0" destOrd="0" presId="urn:microsoft.com/office/officeart/2005/8/layout/hierarchy1"/>
     <dgm:cxn modelId="{CEE23DC0-7AE7-42F1-8254-73FB9CFD73F0}" type="presParOf" srcId="{C29E867C-0907-40B8-9F7F-DFCF23F46EE8}" destId="{9A48BB7C-A26F-4A77-AD41-B50121A62571}" srcOrd="1" destOrd="0" presId="urn:microsoft.com/office/officeart/2005/8/layout/hierarchy1"/>
     <dgm:cxn modelId="{069D6D0B-2F46-4CEA-AB01-B9678C52E475}" type="presParOf" srcId="{24DE3267-C6A1-4BE3-9A72-46C5028EE691}" destId="{77BEB30E-7A71-4559-855D-5E7FB386D7E6}" srcOrd="1" destOrd="0" presId="urn:microsoft.com/office/officeart/2005/8/layout/hierarchy1"/>
-    <dgm:cxn modelId="{5A3A6467-71B3-49A5-B692-8810E62F8C72}" type="presParOf" srcId="{E81FED5D-FEC2-4B85-B411-6E6378C9ECFC}" destId="{CD5D8070-5048-4156-B5D0-186EBC331E38}" srcOrd="1" destOrd="0" presId="urn:microsoft.com/office/officeart/2005/8/layout/hierarchy1"/>
+    <dgm:cxn modelId="{5A3A6467-71B3-49A5-B692-8810E62F8C72}" type="presParOf" srcId="{E81FED5D-FEC2-4B85-B411-6E6378C9ECFC}" destId="{CD5D8070-5048-4156-B5D0-186EBC331E38}" srcOrd="2" destOrd="0" presId="urn:microsoft.com/office/officeart/2005/8/layout/hierarchy1"/>
     <dgm:cxn modelId="{6B0370F7-4F7C-48EC-9890-338390439C3F}" type="presParOf" srcId="{CD5D8070-5048-4156-B5D0-186EBC331E38}" destId="{28DDCD37-5951-48C5-BD58-4A5E1ED39CD5}" srcOrd="0" destOrd="0" presId="urn:microsoft.com/office/officeart/2005/8/layout/hierarchy1"/>
     <dgm:cxn modelId="{AB644E59-D686-4E48-B197-0E314F3C3B4B}" type="presParOf" srcId="{28DDCD37-5951-48C5-BD58-4A5E1ED39CD5}" destId="{C49FF07B-2507-4FF3-AF28-04F4AA9FF619}" srcOrd="0" destOrd="0" presId="urn:microsoft.com/office/officeart/2005/8/layout/hierarchy1"/>
     <dgm:cxn modelId="{993C435B-3F58-453F-A6EE-0A9F33BC254A}" type="presParOf" srcId="{28DDCD37-5951-48C5-BD58-4A5E1ED39CD5}" destId="{27599751-8180-43B0-939A-ED715752A627}" srcOrd="1" destOrd="0" presId="urn:microsoft.com/office/officeart/2005/8/layout/hierarchy1"/>
     <dgm:cxn modelId="{D7691522-4B4C-4071-B5CB-4A192E17F72A}" type="presParOf" srcId="{CD5D8070-5048-4156-B5D0-186EBC331E38}" destId="{36514F0A-FE4D-4A1A-A6BC-B2C9E51F9095}" srcOrd="1" destOrd="0" presId="urn:microsoft.com/office/officeart/2005/8/layout/hierarchy1"/>
-    <dgm:cxn modelId="{2289F9DE-3C03-4CE4-ADEE-AAC6E2266499}" type="presParOf" srcId="{E81FED5D-FEC2-4B85-B411-6E6378C9ECFC}" destId="{B9AAA665-471B-4A94-9CE5-E9DF050DCB73}" srcOrd="2" destOrd="0" presId="urn:microsoft.com/office/officeart/2005/8/layout/hierarchy1"/>
+    <dgm:cxn modelId="{2289F9DE-3C03-4CE4-ADEE-AAC6E2266499}" type="presParOf" srcId="{E81FED5D-FEC2-4B85-B411-6E6378C9ECFC}" destId="{B9AAA665-471B-4A94-9CE5-E9DF050DCB73}" srcOrd="3" destOrd="0" presId="urn:microsoft.com/office/officeart/2005/8/layout/hierarchy1"/>
     <dgm:cxn modelId="{5441116D-0B39-4521-A1FE-989EA02BF3D3}" type="presParOf" srcId="{B9AAA665-471B-4A94-9CE5-E9DF050DCB73}" destId="{BDA9D9BF-D64C-4393-8A35-D6294C31297D}" srcOrd="0" destOrd="0" presId="urn:microsoft.com/office/officeart/2005/8/layout/hierarchy1"/>
     <dgm:cxn modelId="{51F38502-DBDE-4800-9BA4-186DA05131A2}" type="presParOf" srcId="{BDA9D9BF-D64C-4393-8A35-D6294C31297D}" destId="{76AD91D2-9A54-42E6-AF05-1785B82A220B}" srcOrd="0" destOrd="0" presId="urn:microsoft.com/office/officeart/2005/8/layout/hierarchy1"/>
     <dgm:cxn modelId="{0FC514F0-DD94-42DD-926C-2F6415F23ED8}" type="presParOf" srcId="{BDA9D9BF-D64C-4393-8A35-D6294C31297D}" destId="{710371AC-6C9E-49C4-AEA7-44D21B5917EE}" srcOrd="1" destOrd="0" presId="urn:microsoft.com/office/officeart/2005/8/layout/hierarchy1"/>
     <dgm:cxn modelId="{E15DE6FD-14A5-40F2-A0E7-7BC734BAD5EE}" type="presParOf" srcId="{B9AAA665-471B-4A94-9CE5-E9DF050DCB73}" destId="{B2E10318-C256-4F2E-8050-86B33063D915}" srcOrd="1" destOrd="0" presId="urn:microsoft.com/office/officeart/2005/8/layout/hierarchy1"/>
-    <dgm:cxn modelId="{CBC9566A-9922-48A1-BA4F-D0090DAC3B77}" type="presParOf" srcId="{E81FED5D-FEC2-4B85-B411-6E6378C9ECFC}" destId="{9BED8935-1633-427E-A290-C103E7E5B7B8}" srcOrd="3" destOrd="0" presId="urn:microsoft.com/office/officeart/2005/8/layout/hierarchy1"/>
+    <dgm:cxn modelId="{CBC9566A-9922-48A1-BA4F-D0090DAC3B77}" type="presParOf" srcId="{E81FED5D-FEC2-4B85-B411-6E6378C9ECFC}" destId="{9BED8935-1633-427E-A290-C103E7E5B7B8}" srcOrd="4" destOrd="0" presId="urn:microsoft.com/office/officeart/2005/8/layout/hierarchy1"/>
     <dgm:cxn modelId="{70EB7C48-0553-4CF6-8B33-89F3757BBDD5}" type="presParOf" srcId="{9BED8935-1633-427E-A290-C103E7E5B7B8}" destId="{704B148F-F6B0-416E-B2BE-8F7EBE817D85}" srcOrd="0" destOrd="0" presId="urn:microsoft.com/office/officeart/2005/8/layout/hierarchy1"/>
     <dgm:cxn modelId="{D5F0D85E-D706-4399-B950-149260F5BE0B}" type="presParOf" srcId="{704B148F-F6B0-416E-B2BE-8F7EBE817D85}" destId="{79A3D704-D9C3-4B98-93F6-663BDBD175D0}" srcOrd="0" destOrd="0" presId="urn:microsoft.com/office/officeart/2005/8/layout/hierarchy1"/>
     <dgm:cxn modelId="{C713C8CB-6E36-4469-AADD-DC00F4916E87}" type="presParOf" srcId="{704B148F-F6B0-416E-B2BE-8F7EBE817D85}" destId="{EDD6A6B4-EC96-44F3-BDB4-38788D41F88B}" srcOrd="1" destOrd="0" presId="urn:microsoft.com/office/officeart/2005/8/layout/hierarchy1"/>
     <dgm:cxn modelId="{DF32A5B1-EEA5-4135-AB33-9A0F1F7D3B96}" type="presParOf" srcId="{9BED8935-1633-427E-A290-C103E7E5B7B8}" destId="{92DFDE40-4828-44EA-91FE-4E200450251B}" srcOrd="1" destOrd="0" presId="urn:microsoft.com/office/officeart/2005/8/layout/hierarchy1"/>
-    <dgm:cxn modelId="{4F8C6CF5-A73D-417A-A902-A2BE9F552FB4}" type="presParOf" srcId="{E81FED5D-FEC2-4B85-B411-6E6378C9ECFC}" destId="{8915D20B-B6FE-425B-8110-5560CE1E1E2A}" srcOrd="4" destOrd="0" presId="urn:microsoft.com/office/officeart/2005/8/layout/hierarchy1"/>
+    <dgm:cxn modelId="{4F8C6CF5-A73D-417A-A902-A2BE9F552FB4}" type="presParOf" srcId="{E81FED5D-FEC2-4B85-B411-6E6378C9ECFC}" destId="{8915D20B-B6FE-425B-8110-5560CE1E1E2A}" srcOrd="5" destOrd="0" presId="urn:microsoft.com/office/officeart/2005/8/layout/hierarchy1"/>
     <dgm:cxn modelId="{9B325AAF-3E0C-46F5-AD28-5117F15A0DB3}" type="presParOf" srcId="{8915D20B-B6FE-425B-8110-5560CE1E1E2A}" destId="{6AC32E17-4359-4E78-BABA-2D33D8684F77}" srcOrd="0" destOrd="0" presId="urn:microsoft.com/office/officeart/2005/8/layout/hierarchy1"/>
     <dgm:cxn modelId="{651C6D7B-5547-4CEF-A6C8-6832A246EB5E}" type="presParOf" srcId="{6AC32E17-4359-4E78-BABA-2D33D8684F77}" destId="{69BDA2C1-BF2D-4DBF-944E-44B1028474DF}" srcOrd="0" destOrd="0" presId="urn:microsoft.com/office/officeart/2005/8/layout/hierarchy1"/>
     <dgm:cxn modelId="{8D5566A1-1607-483F-8F3F-C084104EE455}" type="presParOf" srcId="{6AC32E17-4359-4E78-BABA-2D33D8684F77}" destId="{2A9C50DB-3AA8-4FF7-85EA-5DC917DFD0D1}" srcOrd="1" destOrd="0" presId="urn:microsoft.com/office/officeart/2005/8/layout/hierarchy1"/>
@@ -12216,6 +12269,137 @@
       <dsp:cNvGrpSpPr/>
     </dsp:nvGrpSpPr>
     <dsp:grpSpPr/>
+    <dsp:sp modelId="{F60F413B-4B9E-43DF-9226-9E73C182615F}">
+      <dsp:nvSpPr>
+        <dsp:cNvPr id="0" name=""/>
+        <dsp:cNvSpPr/>
+      </dsp:nvSpPr>
+      <dsp:spPr>
+        <a:xfrm>
+          <a:off x="1339" y="1255940"/>
+          <a:ext cx="1518939" cy="964526"/>
+        </a:xfrm>
+        <a:prstGeom prst="roundRect">
+          <a:avLst>
+            <a:gd name="adj" fmla="val 10000"/>
+          </a:avLst>
+        </a:prstGeom>
+        <a:solidFill>
+          <a:schemeClr val="accent1">
+            <a:hueOff val="0"/>
+            <a:satOff val="0"/>
+            <a:lumOff val="0"/>
+            <a:alphaOff val="0"/>
+          </a:schemeClr>
+        </a:solidFill>
+        <a:ln w="19050" cap="flat" cmpd="sng" algn="ctr">
+          <a:solidFill>
+            <a:schemeClr val="lt1">
+              <a:hueOff val="0"/>
+              <a:satOff val="0"/>
+              <a:lumOff val="0"/>
+              <a:alphaOff val="0"/>
+            </a:schemeClr>
+          </a:solidFill>
+          <a:prstDash val="solid"/>
+          <a:miter lim="800000"/>
+        </a:ln>
+        <a:effectLst/>
+      </dsp:spPr>
+      <dsp:style>
+        <a:lnRef idx="3">
+          <a:scrgbClr r="0" g="0" b="0"/>
+        </a:lnRef>
+        <a:fillRef idx="1">
+          <a:scrgbClr r="0" g="0" b="0"/>
+        </a:fillRef>
+        <a:effectRef idx="1">
+          <a:scrgbClr r="0" g="0" b="0"/>
+        </a:effectRef>
+        <a:fontRef idx="minor">
+          <a:schemeClr val="lt1"/>
+        </a:fontRef>
+      </dsp:style>
+    </dsp:sp>
+    <dsp:sp modelId="{A4EFFD7B-AD57-4E15-879A-63E999442B88}">
+      <dsp:nvSpPr>
+        <dsp:cNvPr id="0" name=""/>
+        <dsp:cNvSpPr/>
+      </dsp:nvSpPr>
+      <dsp:spPr>
+        <a:xfrm>
+          <a:off x="170110" y="1416272"/>
+          <a:ext cx="1518939" cy="964526"/>
+        </a:xfrm>
+        <a:prstGeom prst="roundRect">
+          <a:avLst>
+            <a:gd name="adj" fmla="val 10000"/>
+          </a:avLst>
+        </a:prstGeom>
+        <a:solidFill>
+          <a:schemeClr val="lt1">
+            <a:alpha val="90000"/>
+            <a:hueOff val="0"/>
+            <a:satOff val="0"/>
+            <a:lumOff val="0"/>
+            <a:alphaOff val="0"/>
+          </a:schemeClr>
+        </a:solidFill>
+        <a:ln w="12700" cap="flat" cmpd="sng" algn="ctr">
+          <a:solidFill>
+            <a:schemeClr val="accent1">
+              <a:hueOff val="0"/>
+              <a:satOff val="0"/>
+              <a:lumOff val="0"/>
+              <a:alphaOff val="0"/>
+            </a:schemeClr>
+          </a:solidFill>
+          <a:prstDash val="solid"/>
+          <a:miter lim="800000"/>
+        </a:ln>
+        <a:effectLst/>
+      </dsp:spPr>
+      <dsp:style>
+        <a:lnRef idx="2">
+          <a:scrgbClr r="0" g="0" b="0"/>
+        </a:lnRef>
+        <a:fillRef idx="1">
+          <a:scrgbClr r="0" g="0" b="0"/>
+        </a:fillRef>
+        <a:effectRef idx="0">
+          <a:scrgbClr r="0" g="0" b="0"/>
+        </a:effectRef>
+        <a:fontRef idx="minor"/>
+      </dsp:style>
+      <dsp:txBody>
+        <a:bodyPr spcFirstLastPara="0" vert="horz" wrap="square" lIns="76200" tIns="76200" rIns="76200" bIns="76200" numCol="1" spcCol="1270" anchor="ctr" anchorCtr="0">
+          <a:noAutofit/>
+        </a:bodyPr>
+        <a:lstStyle/>
+        <a:p>
+          <a:pPr marL="0" lvl="0" indent="0" algn="ctr" defTabSz="889000">
+            <a:lnSpc>
+              <a:spcPct val="90000"/>
+            </a:lnSpc>
+            <a:spcBef>
+              <a:spcPct val="0"/>
+            </a:spcBef>
+            <a:spcAft>
+              <a:spcPct val="35000"/>
+            </a:spcAft>
+            <a:buNone/>
+          </a:pPr>
+          <a:r>
+            <a:rPr lang="en-US" sz="2000" kern="1200" dirty="0"/>
+            <a:t>JWT</a:t>
+          </a:r>
+        </a:p>
+      </dsp:txBody>
+      <dsp:txXfrm>
+        <a:off x="198360" y="1444522"/>
+        <a:ext cx="1462439" cy="908026"/>
+      </dsp:txXfrm>
+    </dsp:sp>
     <dsp:sp modelId="{E637AB87-C59A-4073-901D-4B8500D66594}">
       <dsp:nvSpPr>
         <dsp:cNvPr id="0" name=""/>
@@ -12223,8 +12407,8 @@
       </dsp:nvSpPr>
       <dsp:spPr>
         <a:xfrm>
-          <a:off x="3750" y="1141668"/>
-          <a:ext cx="1827549" cy="1160494"/>
+          <a:off x="1857821" y="1255940"/>
+          <a:ext cx="1518939" cy="964526"/>
         </a:xfrm>
         <a:prstGeom prst="roundRect">
           <a:avLst>
@@ -12275,8 +12459,8 @@
       </dsp:nvSpPr>
       <dsp:spPr>
         <a:xfrm>
-          <a:off x="206811" y="1334576"/>
-          <a:ext cx="1827549" cy="1160494"/>
+          <a:off x="2026592" y="1416272"/>
+          <a:ext cx="1518939" cy="964526"/>
         </a:xfrm>
         <a:prstGeom prst="roundRect">
           <a:avLst>
@@ -12319,12 +12503,12 @@
         <a:fontRef idx="minor"/>
       </dsp:style>
       <dsp:txBody>
-        <a:bodyPr spcFirstLastPara="0" vert="horz" wrap="square" lIns="91440" tIns="91440" rIns="91440" bIns="91440" numCol="1" spcCol="1270" anchor="ctr" anchorCtr="0">
+        <a:bodyPr spcFirstLastPara="0" vert="horz" wrap="square" lIns="76200" tIns="76200" rIns="76200" bIns="76200" numCol="1" spcCol="1270" anchor="ctr" anchorCtr="0">
           <a:noAutofit/>
         </a:bodyPr>
         <a:lstStyle/>
         <a:p>
-          <a:pPr marL="0" lvl="0" indent="0" algn="ctr" defTabSz="1066800">
+          <a:pPr marL="0" lvl="0" indent="0" algn="ctr" defTabSz="889000">
             <a:lnSpc>
               <a:spcPct val="90000"/>
             </a:lnSpc>
@@ -12337,15 +12521,15 @@
             <a:buNone/>
           </a:pPr>
           <a:r>
-            <a:rPr lang="fr-FR" sz="2400" b="1" i="0" kern="1200"/>
-            <a:t>Connexion HTTPS</a:t>
+            <a:rPr lang="fr-FR" sz="2000" b="1" i="0" kern="1200" dirty="0"/>
+            <a:t>HTTPS</a:t>
           </a:r>
-          <a:endParaRPr lang="en-US" sz="2400" kern="1200"/>
+          <a:endParaRPr lang="en-US" sz="2000" kern="1200" dirty="0"/>
         </a:p>
       </dsp:txBody>
       <dsp:txXfrm>
-        <a:off x="240801" y="1368566"/>
-        <a:ext cx="1759569" cy="1092514"/>
+        <a:off x="2054842" y="1444522"/>
+        <a:ext cx="1462439" cy="908026"/>
       </dsp:txXfrm>
     </dsp:sp>
     <dsp:sp modelId="{C49FF07B-2507-4FF3-AF28-04F4AA9FF619}">
@@ -12355,8 +12539,8 @@
       </dsp:nvSpPr>
       <dsp:spPr>
         <a:xfrm>
-          <a:off x="2237422" y="1141668"/>
-          <a:ext cx="1827549" cy="1160494"/>
+          <a:off x="3714303" y="1255940"/>
+          <a:ext cx="1518939" cy="964526"/>
         </a:xfrm>
         <a:prstGeom prst="roundRect">
           <a:avLst>
@@ -12407,8 +12591,8 @@
       </dsp:nvSpPr>
       <dsp:spPr>
         <a:xfrm>
-          <a:off x="2440483" y="1334576"/>
-          <a:ext cx="1827549" cy="1160494"/>
+          <a:off x="3883074" y="1416272"/>
+          <a:ext cx="1518939" cy="964526"/>
         </a:xfrm>
         <a:prstGeom prst="roundRect">
           <a:avLst>
@@ -12451,12 +12635,12 @@
         <a:fontRef idx="minor"/>
       </dsp:style>
       <dsp:txBody>
-        <a:bodyPr spcFirstLastPara="0" vert="horz" wrap="square" lIns="91440" tIns="91440" rIns="91440" bIns="91440" numCol="1" spcCol="1270" anchor="ctr" anchorCtr="0">
+        <a:bodyPr spcFirstLastPara="0" vert="horz" wrap="square" lIns="76200" tIns="76200" rIns="76200" bIns="76200" numCol="1" spcCol="1270" anchor="ctr" anchorCtr="0">
           <a:noAutofit/>
         </a:bodyPr>
         <a:lstStyle/>
         <a:p>
-          <a:pPr marL="0" lvl="0" indent="0" algn="ctr" defTabSz="1066800">
+          <a:pPr marL="0" lvl="0" indent="0" algn="ctr" defTabSz="889000">
             <a:lnSpc>
               <a:spcPct val="90000"/>
             </a:lnSpc>
@@ -12469,15 +12653,15 @@
             <a:buNone/>
           </a:pPr>
           <a:r>
-            <a:rPr lang="fr-FR" sz="2400" b="1" i="0" kern="1200" dirty="0"/>
+            <a:rPr lang="fr-FR" sz="2000" b="1" i="0" kern="1200" dirty="0"/>
             <a:t>Hash Chiffrement</a:t>
           </a:r>
-          <a:endParaRPr lang="en-US" sz="2400" kern="1200" dirty="0"/>
+          <a:endParaRPr lang="en-US" sz="2000" kern="1200" dirty="0"/>
         </a:p>
       </dsp:txBody>
       <dsp:txXfrm>
-        <a:off x="2474473" y="1368566"/>
-        <a:ext cx="1759569" cy="1092514"/>
+        <a:off x="3911324" y="1444522"/>
+        <a:ext cx="1462439" cy="908026"/>
       </dsp:txXfrm>
     </dsp:sp>
     <dsp:sp modelId="{76AD91D2-9A54-42E6-AF05-1785B82A220B}">
@@ -12487,8 +12671,8 @@
       </dsp:nvSpPr>
       <dsp:spPr>
         <a:xfrm>
-          <a:off x="4471094" y="1141668"/>
-          <a:ext cx="1827549" cy="1160494"/>
+          <a:off x="5570785" y="1255940"/>
+          <a:ext cx="1518939" cy="964526"/>
         </a:xfrm>
         <a:prstGeom prst="roundRect">
           <a:avLst>
@@ -12539,8 +12723,8 @@
       </dsp:nvSpPr>
       <dsp:spPr>
         <a:xfrm>
-          <a:off x="4674155" y="1334576"/>
-          <a:ext cx="1827549" cy="1160494"/>
+          <a:off x="5739556" y="1416272"/>
+          <a:ext cx="1518939" cy="964526"/>
         </a:xfrm>
         <a:prstGeom prst="roundRect">
           <a:avLst>
@@ -12583,12 +12767,12 @@
         <a:fontRef idx="minor"/>
       </dsp:style>
       <dsp:txBody>
-        <a:bodyPr spcFirstLastPara="0" vert="horz" wrap="square" lIns="91440" tIns="91440" rIns="91440" bIns="91440" numCol="1" spcCol="1270" anchor="ctr" anchorCtr="0">
+        <a:bodyPr spcFirstLastPara="0" vert="horz" wrap="square" lIns="76200" tIns="76200" rIns="76200" bIns="76200" numCol="1" spcCol="1270" anchor="ctr" anchorCtr="0">
           <a:noAutofit/>
         </a:bodyPr>
         <a:lstStyle/>
         <a:p>
-          <a:pPr marL="0" lvl="0" indent="0" algn="ctr" defTabSz="1066800">
+          <a:pPr marL="0" lvl="0" indent="0" algn="ctr" defTabSz="889000">
             <a:lnSpc>
               <a:spcPct val="90000"/>
             </a:lnSpc>
@@ -12601,23 +12785,23 @@
             <a:buNone/>
           </a:pPr>
           <a:r>
-            <a:rPr lang="fr-FR" sz="2400" b="1" i="0" kern="1200" dirty="0" err="1"/>
+            <a:rPr lang="fr-FR" sz="2000" b="1" i="0" kern="1200" dirty="0" err="1"/>
             <a:t>SonarQube</a:t>
           </a:r>
           <a:r>
-            <a:rPr lang="fr-FR" sz="2400" b="1" i="0" kern="1200" dirty="0"/>
+            <a:rPr lang="fr-FR" sz="2000" b="1" i="0" kern="1200" dirty="0"/>
             <a:t> </a:t>
           </a:r>
           <a:r>
-            <a:rPr lang="fr-FR" sz="2400" b="1" i="0" kern="1200" dirty="0" err="1"/>
+            <a:rPr lang="fr-FR" sz="2000" b="1" i="0" kern="1200" dirty="0" err="1"/>
             <a:t>SonarCloud</a:t>
           </a:r>
-          <a:endParaRPr lang="en-US" sz="2400" kern="1200" dirty="0"/>
+          <a:endParaRPr lang="en-US" sz="2000" kern="1200" dirty="0"/>
         </a:p>
       </dsp:txBody>
       <dsp:txXfrm>
-        <a:off x="4708145" y="1368566"/>
-        <a:ext cx="1759569" cy="1092514"/>
+        <a:off x="5767806" y="1444522"/>
+        <a:ext cx="1462439" cy="908026"/>
       </dsp:txXfrm>
     </dsp:sp>
     <dsp:sp modelId="{79A3D704-D9C3-4B98-93F6-663BDBD175D0}">
@@ -12627,8 +12811,8 @@
       </dsp:nvSpPr>
       <dsp:spPr>
         <a:xfrm>
-          <a:off x="6704766" y="1141668"/>
-          <a:ext cx="1827549" cy="1160494"/>
+          <a:off x="7427267" y="1255940"/>
+          <a:ext cx="1518939" cy="964526"/>
         </a:xfrm>
         <a:prstGeom prst="roundRect">
           <a:avLst>
@@ -12679,8 +12863,8 @@
       </dsp:nvSpPr>
       <dsp:spPr>
         <a:xfrm>
-          <a:off x="6907827" y="1334576"/>
-          <a:ext cx="1827549" cy="1160494"/>
+          <a:off x="7596038" y="1416272"/>
+          <a:ext cx="1518939" cy="964526"/>
         </a:xfrm>
         <a:prstGeom prst="roundRect">
           <a:avLst>
@@ -12723,12 +12907,12 @@
         <a:fontRef idx="minor"/>
       </dsp:style>
       <dsp:txBody>
-        <a:bodyPr spcFirstLastPara="0" vert="horz" wrap="square" lIns="91440" tIns="91440" rIns="91440" bIns="91440" numCol="1" spcCol="1270" anchor="ctr" anchorCtr="0">
+        <a:bodyPr spcFirstLastPara="0" vert="horz" wrap="square" lIns="76200" tIns="76200" rIns="76200" bIns="76200" numCol="1" spcCol="1270" anchor="ctr" anchorCtr="0">
           <a:noAutofit/>
         </a:bodyPr>
         <a:lstStyle/>
         <a:p>
-          <a:pPr marL="0" lvl="0" indent="0" algn="ctr" defTabSz="1066800">
+          <a:pPr marL="0" lvl="0" indent="0" algn="ctr" defTabSz="889000">
             <a:lnSpc>
               <a:spcPct val="90000"/>
             </a:lnSpc>
@@ -12741,15 +12925,15 @@
             <a:buNone/>
           </a:pPr>
           <a:r>
-            <a:rPr lang="fr-FR" sz="2400" b="1" i="0" kern="1200" dirty="0"/>
+            <a:rPr lang="fr-FR" sz="2000" b="1" i="0" kern="1200" dirty="0"/>
             <a:t>OWASP</a:t>
           </a:r>
-          <a:endParaRPr lang="en-US" sz="2400" kern="1200" dirty="0"/>
+          <a:endParaRPr lang="en-US" sz="2000" kern="1200" dirty="0"/>
         </a:p>
       </dsp:txBody>
       <dsp:txXfrm>
-        <a:off x="6941817" y="1368566"/>
-        <a:ext cx="1759569" cy="1092514"/>
+        <a:off x="7624288" y="1444522"/>
+        <a:ext cx="1462439" cy="908026"/>
       </dsp:txXfrm>
     </dsp:sp>
     <dsp:sp modelId="{69BDA2C1-BF2D-4DBF-944E-44B1028474DF}">
@@ -12759,8 +12943,8 @@
       </dsp:nvSpPr>
       <dsp:spPr>
         <a:xfrm>
-          <a:off x="8938438" y="1141668"/>
-          <a:ext cx="1827549" cy="1160494"/>
+          <a:off x="9283749" y="1255940"/>
+          <a:ext cx="1518939" cy="964526"/>
         </a:xfrm>
         <a:prstGeom prst="roundRect">
           <a:avLst>
@@ -12811,8 +12995,8 @@
       </dsp:nvSpPr>
       <dsp:spPr>
         <a:xfrm>
-          <a:off x="9141499" y="1334576"/>
-          <a:ext cx="1827549" cy="1160494"/>
+          <a:off x="9452520" y="1416272"/>
+          <a:ext cx="1518939" cy="964526"/>
         </a:xfrm>
         <a:prstGeom prst="roundRect">
           <a:avLst>
@@ -12855,12 +13039,12 @@
         <a:fontRef idx="minor"/>
       </dsp:style>
       <dsp:txBody>
-        <a:bodyPr spcFirstLastPara="0" vert="horz" wrap="square" lIns="91440" tIns="91440" rIns="91440" bIns="91440" numCol="1" spcCol="1270" anchor="ctr" anchorCtr="0">
+        <a:bodyPr spcFirstLastPara="0" vert="horz" wrap="square" lIns="76200" tIns="76200" rIns="76200" bIns="76200" numCol="1" spcCol="1270" anchor="ctr" anchorCtr="0">
           <a:noAutofit/>
         </a:bodyPr>
         <a:lstStyle/>
         <a:p>
-          <a:pPr marL="0" lvl="0" indent="0" algn="ctr" defTabSz="1066800">
+          <a:pPr marL="0" lvl="0" indent="0" algn="ctr" defTabSz="889000">
             <a:lnSpc>
               <a:spcPct val="90000"/>
             </a:lnSpc>
@@ -12873,14 +13057,14 @@
             <a:buNone/>
           </a:pPr>
           <a:r>
-            <a:rPr lang="en-US" sz="2400" kern="1200" dirty="0"/>
+            <a:rPr lang="en-US" sz="2000" kern="1200" dirty="0"/>
             <a:t>ORM</a:t>
           </a:r>
         </a:p>
       </dsp:txBody>
       <dsp:txXfrm>
-        <a:off x="9175489" y="1368566"/>
-        <a:ext cx="1759569" cy="1092514"/>
+        <a:off x="9480770" y="1444522"/>
+        <a:ext cx="1462439" cy="908026"/>
       </dsp:txXfrm>
     </dsp:sp>
   </dsp:spTree>
@@ -23310,7 +23494,7 @@
             <a:pPr rtl="0"/>
             <a:fld id="{E7829D4B-412A-499A-8D4F-B904ADB5D0BE}" type="datetime1">
               <a:rPr lang="fr-FR" smtClean="0"/>
-              <a:t>03/07/2025</a:t>
+              <a:t>04/07/2025</a:t>
             </a:fld>
             <a:endParaRPr lang="fr-FR" dirty="0"/>
           </a:p>
@@ -23530,7 +23714,7 @@
             <a:pPr rtl="0"/>
             <a:fld id="{CCE360E1-1F2F-4ECC-8A8D-37670FD54F5F}" type="datetime1">
               <a:rPr lang="fr-FR" smtClean="0"/>
-              <a:t>03/07/2025</a:t>
+              <a:t>04/07/2025</a:t>
             </a:fld>
             <a:endParaRPr lang="fr-FR" dirty="0"/>
           </a:p>
@@ -33872,10 +34056,10 @@
       </p:pic>
       <p:pic>
         <p:nvPicPr>
-          <p:cNvPr id="3" name="Image 2">
+          <p:cNvPr id="4" name="Image 3" descr="Une image contenant diagramme, texte, capture d’écran, ligne&#10;&#10;Le contenu généré par l’IA peut être incorrect.">
             <a:extLst>
               <a:ext uri="{FF2B5EF4-FFF2-40B4-BE49-F238E27FC236}">
-                <a16:creationId xmlns:a16="http://schemas.microsoft.com/office/drawing/2014/main" id="{749F1668-BF58-84AA-C5C0-2436C9CC1A2E}"/>
+                <a16:creationId xmlns:a16="http://schemas.microsoft.com/office/drawing/2014/main" id="{A9296D1A-5857-8073-2862-0BE8F8675DAA}"/>
               </a:ext>
             </a:extLst>
           </p:cNvPr>
@@ -33898,8 +34082,8 @@
         </p:blipFill>
         <p:spPr>
           <a:xfrm>
-            <a:off x="7461358" y="841248"/>
-            <a:ext cx="4613494" cy="2346960"/>
+            <a:off x="7382106" y="867565"/>
+            <a:ext cx="4616476" cy="1908866"/>
           </a:xfrm>
           <a:prstGeom prst="rect">
             <a:avLst/>
@@ -34096,8 +34280,8 @@
         </p:blipFill>
         <p:spPr>
           <a:xfrm>
-            <a:off x="897233" y="2332073"/>
-            <a:ext cx="3816734" cy="3859619"/>
+            <a:off x="525443" y="1735852"/>
+            <a:ext cx="4870521" cy="4925246"/>
           </a:xfrm>
           <a:prstGeom prst="rect">
             <a:avLst/>
@@ -34387,7 +34571,7 @@
             <p:ph type="tbl" sz="quarter" idx="10"/>
             <p:extLst>
               <p:ext uri="{D42A27DB-BD31-4B8C-83A1-F6EECF244321}">
-                <p14:modId xmlns:p14="http://schemas.microsoft.com/office/powerpoint/2010/main" val="3275673363"/>
+                <p14:modId xmlns:p14="http://schemas.microsoft.com/office/powerpoint/2010/main" val="1272118611"/>
               </p:ext>
             </p:extLst>
           </p:nvPr>
@@ -35310,7 +35494,7 @@
         </p:blipFill>
         <p:spPr>
           <a:xfrm>
-            <a:off x="594359" y="2863474"/>
+            <a:off x="2975249" y="3536334"/>
             <a:ext cx="6787747" cy="2545404"/>
           </a:xfrm>
           <a:prstGeom prst="rect">
@@ -36246,26 +36430,6 @@
 </file>
 
 <file path=customXml/item2.xml><?xml version="1.0" encoding="utf-8"?>
-<p:properties xmlns:p="http://schemas.microsoft.com/office/2006/metadata/properties" xmlns:xsi="http://www.w3.org/2001/XMLSchema-instance" xmlns:pc="http://schemas.microsoft.com/office/infopath/2007/PartnerControls">
-  <documentManagement>
-    <Background xmlns="71af3243-3dd4-4a8d-8c0d-dd76da1f02a5">false</Background>
-    <Status xmlns="71af3243-3dd4-4a8d-8c0d-dd76da1f02a5">Not started</Status>
-    <_ip_UnifiedCompliancePolicyUIAction xmlns="http://schemas.microsoft.com/sharepoint/v3" xsi:nil="true"/>
-    <Image xmlns="71af3243-3dd4-4a8d-8c0d-dd76da1f02a5">
-      <Url xsi:nil="true"/>
-      <Description xsi:nil="true"/>
-    </Image>
-    <_ip_UnifiedCompliancePolicyProperties xmlns="http://schemas.microsoft.com/sharepoint/v3" xsi:nil="true"/>
-    <ImageTagsTaxHTField xmlns="71af3243-3dd4-4a8d-8c0d-dd76da1f02a5">
-      <Terms xmlns="http://schemas.microsoft.com/office/infopath/2007/PartnerControls"/>
-    </ImageTagsTaxHTField>
-    <TaxCatchAll xmlns="230e9df3-be65-4c73-a93b-d1236ebd677e" xsi:nil="true"/>
-    <MediaServiceKeyPoints xmlns="71af3243-3dd4-4a8d-8c0d-dd76da1f02a5" xsi:nil="true"/>
-  </documentManagement>
-</p:properties>
-</file>
-
-<file path=customXml/item3.xml><?xml version="1.0" encoding="utf-8"?>
 <ct:contentTypeSchema xmlns:ct="http://schemas.microsoft.com/office/2006/metadata/contentType" xmlns:ma="http://schemas.microsoft.com/office/2006/metadata/properties/metaAttributes" ct:_="" ma:_="" ma:contentTypeName="Document" ma:contentTypeID="0x01010079F111ED35F8CC479449609E8A0923A6" ma:contentTypeVersion="28" ma:contentTypeDescription="Create a new document." ma:contentTypeScope="" ma:versionID="60f5a4f2d2b0abadcf532d48ebf9cb71">
   <xsd:schema xmlns:xsd="http://www.w3.org/2001/XMLSchema" xmlns:xs="http://www.w3.org/2001/XMLSchema" xmlns:p="http://schemas.microsoft.com/office/2006/metadata/properties" xmlns:ns1="http://schemas.microsoft.com/sharepoint/v3" xmlns:ns2="71af3243-3dd4-4a8d-8c0d-dd76da1f02a5" xmlns:ns3="16c05727-aa75-4e4a-9b5f-8a80a1165891" xmlns:ns4="230e9df3-be65-4c73-a93b-d1236ebd677e" targetNamespace="http://schemas.microsoft.com/office/2006/metadata/properties" ma:root="true" ma:fieldsID="7dd78129e6a1811f84807ad11c651531" ns1:_="" ns2:_="" ns3:_="" ns4:_="">
     <xsd:import namespace="http://schemas.microsoft.com/sharepoint/v3"/>
@@ -36577,6 +36741,26 @@
 </ct:contentTypeSchema>
 </file>
 
+<file path=customXml/item3.xml><?xml version="1.0" encoding="utf-8"?>
+<p:properties xmlns:p="http://schemas.microsoft.com/office/2006/metadata/properties" xmlns:xsi="http://www.w3.org/2001/XMLSchema-instance" xmlns:pc="http://schemas.microsoft.com/office/infopath/2007/PartnerControls">
+  <documentManagement>
+    <Background xmlns="71af3243-3dd4-4a8d-8c0d-dd76da1f02a5">false</Background>
+    <Status xmlns="71af3243-3dd4-4a8d-8c0d-dd76da1f02a5">Not started</Status>
+    <_ip_UnifiedCompliancePolicyUIAction xmlns="http://schemas.microsoft.com/sharepoint/v3" xsi:nil="true"/>
+    <Image xmlns="71af3243-3dd4-4a8d-8c0d-dd76da1f02a5">
+      <Url xsi:nil="true"/>
+      <Description xsi:nil="true"/>
+    </Image>
+    <_ip_UnifiedCompliancePolicyProperties xmlns="http://schemas.microsoft.com/sharepoint/v3" xsi:nil="true"/>
+    <ImageTagsTaxHTField xmlns="71af3243-3dd4-4a8d-8c0d-dd76da1f02a5">
+      <Terms xmlns="http://schemas.microsoft.com/office/infopath/2007/PartnerControls"/>
+    </ImageTagsTaxHTField>
+    <TaxCatchAll xmlns="230e9df3-be65-4c73-a93b-d1236ebd677e" xsi:nil="true"/>
+    <MediaServiceKeyPoints xmlns="71af3243-3dd4-4a8d-8c0d-dd76da1f02a5" xsi:nil="true"/>
+  </documentManagement>
+</p:properties>
+</file>
+
 <file path=customXml/itemProps1.xml><?xml version="1.0" encoding="utf-8"?>
 <ds:datastoreItem xmlns:ds="http://schemas.openxmlformats.org/officeDocument/2006/customXml" ds:itemID="{C21FFAC0-05A2-416A-B06C-C248395482CF}">
   <ds:schemaRefs>
@@ -36586,18 +36770,6 @@
 </file>
 
 <file path=customXml/itemProps2.xml><?xml version="1.0" encoding="utf-8"?>
-<ds:datastoreItem xmlns:ds="http://schemas.openxmlformats.org/officeDocument/2006/customXml" ds:itemID="{4F4B194E-8B30-4377-8C59-ECFB902D2A26}">
-  <ds:schemaRefs>
-    <ds:schemaRef ds:uri="http://schemas.microsoft.com/office/2006/metadata/properties"/>
-    <ds:schemaRef ds:uri="http://schemas.microsoft.com/office/infopath/2007/PartnerControls"/>
-    <ds:schemaRef ds:uri="71af3243-3dd4-4a8d-8c0d-dd76da1f02a5"/>
-    <ds:schemaRef ds:uri="http://schemas.microsoft.com/sharepoint/v3"/>
-    <ds:schemaRef ds:uri="230e9df3-be65-4c73-a93b-d1236ebd677e"/>
-  </ds:schemaRefs>
-</ds:datastoreItem>
-</file>
-
-<file path=customXml/itemProps3.xml><?xml version="1.0" encoding="utf-8"?>
 <ds:datastoreItem xmlns:ds="http://schemas.openxmlformats.org/officeDocument/2006/customXml" ds:itemID="{92DB9E12-8AC3-4138-BF4D-720A5525AB10}">
   <ds:schemaRefs>
     <ds:schemaRef ds:uri="http://schemas.microsoft.com/office/2006/metadata/contentType"/>
@@ -36618,6 +36790,18 @@
 </ds:datastoreItem>
 </file>
 
+<file path=customXml/itemProps3.xml><?xml version="1.0" encoding="utf-8"?>
+<ds:datastoreItem xmlns:ds="http://schemas.openxmlformats.org/officeDocument/2006/customXml" ds:itemID="{4F4B194E-8B30-4377-8C59-ECFB902D2A26}">
+  <ds:schemaRefs>
+    <ds:schemaRef ds:uri="http://schemas.microsoft.com/office/2006/metadata/properties"/>
+    <ds:schemaRef ds:uri="http://schemas.microsoft.com/office/infopath/2007/PartnerControls"/>
+    <ds:schemaRef ds:uri="71af3243-3dd4-4a8d-8c0d-dd76da1f02a5"/>
+    <ds:schemaRef ds:uri="http://schemas.microsoft.com/sharepoint/v3"/>
+    <ds:schemaRef ds:uri="230e9df3-be65-4c73-a93b-d1236ebd677e"/>
+  </ds:schemaRefs>
+</ds:datastoreItem>
+</file>
+
 <file path=docMetadata/LabelInfo.xml><?xml version="1.0" encoding="utf-8"?>
 <clbl:labelList xmlns:clbl="http://schemas.microsoft.com/office/2020/mipLabelMetadata"/>
 </file>
--- a/documents/CESIZen.pptx
+++ b/documents/CESIZen.pptx
@@ -5,10 +5,10 @@
     <p:sldMasterId id="2147483658" r:id="rId4"/>
   </p:sldMasterIdLst>
   <p:notesMasterIdLst>
-    <p:notesMasterId r:id="rId23"/>
+    <p:notesMasterId r:id="rId25"/>
   </p:notesMasterIdLst>
   <p:handoutMasterIdLst>
-    <p:handoutMasterId r:id="rId24"/>
+    <p:handoutMasterId r:id="rId26"/>
   </p:handoutMasterIdLst>
   <p:sldIdLst>
     <p:sldId id="410" r:id="rId5"/>
@@ -22,13 +22,15 @@
     <p:sldId id="413" r:id="rId13"/>
     <p:sldId id="419" r:id="rId14"/>
     <p:sldId id="420" r:id="rId15"/>
-    <p:sldId id="414" r:id="rId16"/>
-    <p:sldId id="421" r:id="rId17"/>
-    <p:sldId id="422" r:id="rId18"/>
-    <p:sldId id="415" r:id="rId19"/>
-    <p:sldId id="423" r:id="rId20"/>
-    <p:sldId id="424" r:id="rId21"/>
-    <p:sldId id="398" r:id="rId22"/>
+    <p:sldId id="425" r:id="rId16"/>
+    <p:sldId id="414" r:id="rId17"/>
+    <p:sldId id="421" r:id="rId18"/>
+    <p:sldId id="422" r:id="rId19"/>
+    <p:sldId id="415" r:id="rId20"/>
+    <p:sldId id="423" r:id="rId21"/>
+    <p:sldId id="424" r:id="rId22"/>
+    <p:sldId id="426" r:id="rId23"/>
+    <p:sldId id="398" r:id="rId24"/>
   </p:sldIdLst>
   <p:sldSz cx="12192000" cy="6858000"/>
   <p:notesSz cx="6858000" cy="9144000"/>
@@ -5552,7 +5554,7 @@
           </a:r>
           <a:r>
             <a:rPr lang="en-US" dirty="0"/>
-            <a:t> | Ticketing</a:t>
+            <a:t> | Ticketing | Wiki</a:t>
           </a:r>
         </a:p>
       </dgm:t>
@@ -5649,6 +5651,32 @@
       <dgm:prSet/>
       <dgm:spPr/>
     </dgm:pt>
+    <dgm:pt modelId="{DF89962B-7F28-4D3A-9760-9B4F3578AE75}">
+      <dgm:prSet/>
+      <dgm:spPr/>
+      <dgm:t>
+        <a:bodyPr/>
+        <a:lstStyle/>
+        <a:p>
+          <a:r>
+            <a:rPr lang="en-US" dirty="0" err="1"/>
+            <a:t>Présentation</a:t>
+          </a:r>
+          <a:r>
+            <a:rPr lang="en-US" dirty="0"/>
+            <a:t> CI/CD</a:t>
+          </a:r>
+        </a:p>
+      </dgm:t>
+    </dgm:pt>
+    <dgm:pt modelId="{D2095B7B-7A6C-4A1A-A4F6-05391D540BF4}" type="parTrans" cxnId="{9E7AEEDD-EC1F-43ED-8F78-619020B6AFD1}">
+      <dgm:prSet/>
+      <dgm:spPr/>
+    </dgm:pt>
+    <dgm:pt modelId="{83385C2F-28EE-4AB6-8A4A-2E321B350757}" type="sibTrans" cxnId="{9E7AEEDD-EC1F-43ED-8F78-619020B6AFD1}">
+      <dgm:prSet/>
+      <dgm:spPr/>
+    </dgm:pt>
     <dgm:pt modelId="{DCD9C25B-83A1-4D54-8ADE-EC007A5C3A6C}" type="pres">
       <dgm:prSet presAssocID="{6E79AEAA-46A3-4EA3-ACD9-0F8084E25D72}" presName="linear" presStyleCnt="0">
         <dgm:presLayoutVars>
@@ -5659,7 +5687,7 @@
       <dgm:spPr/>
     </dgm:pt>
     <dgm:pt modelId="{F256D418-7560-4F06-B281-658B6A63F83C}" type="pres">
-      <dgm:prSet presAssocID="{AD0ED36C-894F-4257-B89D-402AD6677944}" presName="parentText" presStyleLbl="node1" presStyleIdx="0" presStyleCnt="6">
+      <dgm:prSet presAssocID="{AD0ED36C-894F-4257-B89D-402AD6677944}" presName="parentText" presStyleLbl="node1" presStyleIdx="0" presStyleCnt="7">
         <dgm:presLayoutVars>
           <dgm:chMax val="0"/>
           <dgm:bulletEnabled val="1"/>
@@ -5672,7 +5700,7 @@
       <dgm:spPr/>
     </dgm:pt>
     <dgm:pt modelId="{315B64A5-FF7E-4708-B3F2-E05C1721A2AB}" type="pres">
-      <dgm:prSet presAssocID="{A09F8E4E-1D22-4330-B3F8-17737B63F79C}" presName="parentText" presStyleLbl="node1" presStyleIdx="1" presStyleCnt="6">
+      <dgm:prSet presAssocID="{A09F8E4E-1D22-4330-B3F8-17737B63F79C}" presName="parentText" presStyleLbl="node1" presStyleIdx="1" presStyleCnt="7">
         <dgm:presLayoutVars>
           <dgm:chMax val="0"/>
           <dgm:bulletEnabled val="1"/>
@@ -5685,7 +5713,7 @@
       <dgm:spPr/>
     </dgm:pt>
     <dgm:pt modelId="{E433919C-8BBD-4347-ABF1-9FE97577B89C}" type="pres">
-      <dgm:prSet presAssocID="{FC8078BB-1A09-4C72-A03D-BFF852510172}" presName="parentText" presStyleLbl="node1" presStyleIdx="2" presStyleCnt="6">
+      <dgm:prSet presAssocID="{FC8078BB-1A09-4C72-A03D-BFF852510172}" presName="parentText" presStyleLbl="node1" presStyleIdx="2" presStyleCnt="7">
         <dgm:presLayoutVars>
           <dgm:chMax val="0"/>
           <dgm:bulletEnabled val="1"/>
@@ -5698,7 +5726,7 @@
       <dgm:spPr/>
     </dgm:pt>
     <dgm:pt modelId="{E3B8C489-9E09-41A8-A457-01D3CFF7E77A}" type="pres">
-      <dgm:prSet presAssocID="{8F236706-F397-41B4-A4B2-C09DCE6CE73D}" presName="parentText" presStyleLbl="node1" presStyleIdx="3" presStyleCnt="6">
+      <dgm:prSet presAssocID="{8F236706-F397-41B4-A4B2-C09DCE6CE73D}" presName="parentText" presStyleLbl="node1" presStyleIdx="3" presStyleCnt="7">
         <dgm:presLayoutVars>
           <dgm:chMax val="0"/>
           <dgm:bulletEnabled val="1"/>
@@ -5711,7 +5739,7 @@
       <dgm:spPr/>
     </dgm:pt>
     <dgm:pt modelId="{AC404EB9-7F99-4B0D-8901-98F030972019}" type="pres">
-      <dgm:prSet presAssocID="{7A96ABC8-509F-4EE1-9DA6-20CD94615081}" presName="parentText" presStyleLbl="node1" presStyleIdx="4" presStyleCnt="6">
+      <dgm:prSet presAssocID="{7A96ABC8-509F-4EE1-9DA6-20CD94615081}" presName="parentText" presStyleLbl="node1" presStyleIdx="4" presStyleCnt="7">
         <dgm:presLayoutVars>
           <dgm:chMax val="0"/>
           <dgm:bulletEnabled val="1"/>
@@ -5724,7 +5752,20 @@
       <dgm:spPr/>
     </dgm:pt>
     <dgm:pt modelId="{F1881CE8-0E81-4FA2-AEF4-5FA05B8D2AED}" type="pres">
-      <dgm:prSet presAssocID="{D747AA4E-A4A7-480F-8856-94C2983E1A67}" presName="parentText" presStyleLbl="node1" presStyleIdx="5" presStyleCnt="6">
+      <dgm:prSet presAssocID="{D747AA4E-A4A7-480F-8856-94C2983E1A67}" presName="parentText" presStyleLbl="node1" presStyleIdx="5" presStyleCnt="7">
+        <dgm:presLayoutVars>
+          <dgm:chMax val="0"/>
+          <dgm:bulletEnabled val="1"/>
+        </dgm:presLayoutVars>
+      </dgm:prSet>
+      <dgm:spPr/>
+    </dgm:pt>
+    <dgm:pt modelId="{61B80946-8776-421D-BC16-EAD52D58E71B}" type="pres">
+      <dgm:prSet presAssocID="{4FD3D90D-377A-424E-B50B-218ADAD82FC6}" presName="spacer" presStyleCnt="0"/>
+      <dgm:spPr/>
+    </dgm:pt>
+    <dgm:pt modelId="{E45D28CB-5D9E-4440-837D-65A6AF0EDE4F}" type="pres">
+      <dgm:prSet presAssocID="{DF89962B-7F28-4D3A-9760-9B4F3578AE75}" presName="parentText" presStyleLbl="node1" presStyleIdx="6" presStyleCnt="7">
         <dgm:presLayoutVars>
           <dgm:chMax val="0"/>
           <dgm:bulletEnabled val="1"/>
@@ -5746,7 +5787,9 @@
     <dgm:cxn modelId="{8C0C0EA0-BF8F-46C0-BE88-2D574321F8B0}" srcId="{6E79AEAA-46A3-4EA3-ACD9-0F8084E25D72}" destId="{A09F8E4E-1D22-4330-B3F8-17737B63F79C}" srcOrd="1" destOrd="0" parTransId="{D603D105-2940-4A4E-B089-3941C7E29DEC}" sibTransId="{1D2BD4D2-108D-4EC4-AEDD-4B14D8EFA292}"/>
     <dgm:cxn modelId="{1F44CDAD-7260-4A7E-A0ED-A905A3673F7E}" srcId="{6E79AEAA-46A3-4EA3-ACD9-0F8084E25D72}" destId="{7A96ABC8-509F-4EE1-9DA6-20CD94615081}" srcOrd="4" destOrd="0" parTransId="{DBAAF0C7-F3CE-4DB5-AA11-DED268F83F46}" sibTransId="{6CEF38A9-CFAC-4BB0-900E-DA796BA8DA4B}"/>
     <dgm:cxn modelId="{50FB14C0-C1F9-495C-B13E-BF32BA98C39D}" type="presOf" srcId="{A09F8E4E-1D22-4330-B3F8-17737B63F79C}" destId="{315B64A5-FF7E-4708-B3F2-E05C1721A2AB}" srcOrd="0" destOrd="0" presId="urn:microsoft.com/office/officeart/2005/8/layout/vList2"/>
+    <dgm:cxn modelId="{9E7AEEDD-EC1F-43ED-8F78-619020B6AFD1}" srcId="{6E79AEAA-46A3-4EA3-ACD9-0F8084E25D72}" destId="{DF89962B-7F28-4D3A-9760-9B4F3578AE75}" srcOrd="6" destOrd="0" parTransId="{D2095B7B-7A6C-4A1A-A4F6-05391D540BF4}" sibTransId="{83385C2F-28EE-4AB6-8A4A-2E321B350757}"/>
     <dgm:cxn modelId="{0D9C44E7-B5B6-4033-9A43-94D0C218EEC5}" type="presOf" srcId="{8F236706-F397-41B4-A4B2-C09DCE6CE73D}" destId="{E3B8C489-9E09-41A8-A457-01D3CFF7E77A}" srcOrd="0" destOrd="0" presId="urn:microsoft.com/office/officeart/2005/8/layout/vList2"/>
+    <dgm:cxn modelId="{9DB05AF2-97EE-46C1-A3BD-B5D0C2829F13}" type="presOf" srcId="{DF89962B-7F28-4D3A-9760-9B4F3578AE75}" destId="{E45D28CB-5D9E-4440-837D-65A6AF0EDE4F}" srcOrd="0" destOrd="0" presId="urn:microsoft.com/office/officeart/2005/8/layout/vList2"/>
     <dgm:cxn modelId="{CB8353A9-6E4A-4E34-BFDB-3EC4D48FB621}" type="presParOf" srcId="{DCD9C25B-83A1-4D54-8ADE-EC007A5C3A6C}" destId="{F256D418-7560-4F06-B281-658B6A63F83C}" srcOrd="0" destOrd="0" presId="urn:microsoft.com/office/officeart/2005/8/layout/vList2"/>
     <dgm:cxn modelId="{7447A043-9788-424B-8CA7-FBB4A9B3C674}" type="presParOf" srcId="{DCD9C25B-83A1-4D54-8ADE-EC007A5C3A6C}" destId="{3DD00B5D-D688-4201-AF2C-BE025BDA4658}" srcOrd="1" destOrd="0" presId="urn:microsoft.com/office/officeart/2005/8/layout/vList2"/>
     <dgm:cxn modelId="{2493960A-0652-4877-9C9F-E7D1B62505D8}" type="presParOf" srcId="{DCD9C25B-83A1-4D54-8ADE-EC007A5C3A6C}" destId="{315B64A5-FF7E-4708-B3F2-E05C1721A2AB}" srcOrd="2" destOrd="0" presId="urn:microsoft.com/office/officeart/2005/8/layout/vList2"/>
@@ -5758,6 +5801,8 @@
     <dgm:cxn modelId="{2EB57B72-07D4-446D-834B-F976832C1589}" type="presParOf" srcId="{DCD9C25B-83A1-4D54-8ADE-EC007A5C3A6C}" destId="{AC404EB9-7F99-4B0D-8901-98F030972019}" srcOrd="8" destOrd="0" presId="urn:microsoft.com/office/officeart/2005/8/layout/vList2"/>
     <dgm:cxn modelId="{86D653DB-9C88-4646-A9BE-01B3C80629F2}" type="presParOf" srcId="{DCD9C25B-83A1-4D54-8ADE-EC007A5C3A6C}" destId="{DBA4CB17-B760-4FDF-92CA-3685F2DBA2E5}" srcOrd="9" destOrd="0" presId="urn:microsoft.com/office/officeart/2005/8/layout/vList2"/>
     <dgm:cxn modelId="{94D0F3A3-C0E3-4BEB-AB7B-34647B661F09}" type="presParOf" srcId="{DCD9C25B-83A1-4D54-8ADE-EC007A5C3A6C}" destId="{F1881CE8-0E81-4FA2-AEF4-5FA05B8D2AED}" srcOrd="10" destOrd="0" presId="urn:microsoft.com/office/officeart/2005/8/layout/vList2"/>
+    <dgm:cxn modelId="{053471D7-68C5-4393-BD64-B358FB06E93E}" type="presParOf" srcId="{DCD9C25B-83A1-4D54-8ADE-EC007A5C3A6C}" destId="{61B80946-8776-421D-BC16-EAD52D58E71B}" srcOrd="11" destOrd="0" presId="urn:microsoft.com/office/officeart/2005/8/layout/vList2"/>
+    <dgm:cxn modelId="{D3D02B8E-4AF5-4795-B8CC-CFF38F5BE42F}" type="presParOf" srcId="{DCD9C25B-83A1-4D54-8ADE-EC007A5C3A6C}" destId="{E45D28CB-5D9E-4440-837D-65A6AF0EDE4F}" srcOrd="12" destOrd="0" presId="urn:microsoft.com/office/officeart/2005/8/layout/vList2"/>
   </dgm:cxnLst>
   <dgm:bg/>
   <dgm:whole/>
@@ -8004,7 +8049,15 @@
         <a:p>
           <a:r>
             <a:rPr lang="fr-FR" b="1" i="0" dirty="0"/>
-            <a:t>Firewall (restriction des ports)</a:t>
+            <a:t>Firewall (SG/</a:t>
+          </a:r>
+          <a:r>
+            <a:rPr lang="fr-FR" b="1" i="0" dirty="0" err="1"/>
+            <a:t>cloudflare</a:t>
+          </a:r>
+          <a:r>
+            <a:rPr lang="fr-FR" b="1" i="0" dirty="0"/>
+            <a:t>)</a:t>
           </a:r>
           <a:endParaRPr lang="en-US" dirty="0"/>
         </a:p>
@@ -8077,36 +8130,87 @@
         <a:lstStyle/>
         <a:p>
           <a:r>
-            <a:rPr lang="en-US" dirty="0" err="1"/>
+            <a:rPr lang="en-US" b="1" dirty="0" err="1"/>
             <a:t>Connexion</a:t>
           </a:r>
           <a:r>
-            <a:rPr lang="en-US" dirty="0"/>
+            <a:rPr lang="en-US" b="1" dirty="0"/>
             <a:t> avec </a:t>
           </a:r>
           <a:r>
-            <a:rPr lang="en-US" dirty="0" err="1"/>
+            <a:rPr lang="en-US" b="1" dirty="0" err="1"/>
             <a:t>clés</a:t>
           </a:r>
-          <a:r>
-            <a:rPr lang="en-US" dirty="0"/>
-            <a:t> </a:t>
-          </a:r>
-          <a:r>
-            <a:rPr lang="en-US" dirty="0" err="1"/>
-            <a:t>asymmetriques</a:t>
-          </a:r>
-          <a:endParaRPr lang="en-US" dirty="0"/>
+          <a:endParaRPr lang="en-US" b="1" dirty="0"/>
         </a:p>
       </dgm:t>
     </dgm:pt>
     <dgm:pt modelId="{1B951CBA-7E7D-43DB-8EBA-17529FC71563}" type="parTrans" cxnId="{123467E0-7995-42AC-BD13-3A9114034407}">
       <dgm:prSet/>
       <dgm:spPr/>
+      <dgm:t>
+        <a:bodyPr/>
+        <a:lstStyle/>
+        <a:p>
+          <a:endParaRPr lang="fr-FR"/>
+        </a:p>
+      </dgm:t>
     </dgm:pt>
     <dgm:pt modelId="{BA2AE0B5-9B79-426C-BB78-21BCF3F724C0}" type="sibTrans" cxnId="{123467E0-7995-42AC-BD13-3A9114034407}">
       <dgm:prSet/>
       <dgm:spPr/>
+      <dgm:t>
+        <a:bodyPr/>
+        <a:lstStyle/>
+        <a:p>
+          <a:endParaRPr lang="fr-FR"/>
+        </a:p>
+      </dgm:t>
+    </dgm:pt>
+    <dgm:pt modelId="{0D1DF38D-E32E-470E-9C18-64B266FA3B31}">
+      <dgm:prSet/>
+      <dgm:spPr/>
+      <dgm:t>
+        <a:bodyPr/>
+        <a:lstStyle/>
+        <a:p>
+          <a:r>
+            <a:rPr lang="en-US" b="1" dirty="0" err="1"/>
+            <a:t>Changement</a:t>
+          </a:r>
+          <a:r>
+            <a:rPr lang="en-US" b="1" dirty="0"/>
+            <a:t> des ports par </a:t>
+          </a:r>
+          <a:r>
+            <a:rPr lang="en-US" b="1" dirty="0" err="1"/>
+            <a:t>défaut</a:t>
+          </a:r>
+          <a:endParaRPr lang="en-US" b="1" dirty="0"/>
+        </a:p>
+      </dgm:t>
+    </dgm:pt>
+    <dgm:pt modelId="{A07231BF-004B-44A0-A1B9-127A7607C8DE}" type="parTrans" cxnId="{3B226ED7-AAA9-4EF0-BB23-119AECAD6463}">
+      <dgm:prSet/>
+      <dgm:spPr/>
+      <dgm:t>
+        <a:bodyPr/>
+        <a:lstStyle/>
+        <a:p>
+          <a:endParaRPr lang="fr-FR"/>
+        </a:p>
+      </dgm:t>
+    </dgm:pt>
+    <dgm:pt modelId="{D42AFE05-96D3-47DC-905E-6EBFFAF7C3E5}" type="sibTrans" cxnId="{3B226ED7-AAA9-4EF0-BB23-119AECAD6463}">
+      <dgm:prSet/>
+      <dgm:spPr/>
+      <dgm:t>
+        <a:bodyPr/>
+        <a:lstStyle/>
+        <a:p>
+          <a:endParaRPr lang="fr-FR"/>
+        </a:p>
+      </dgm:t>
     </dgm:pt>
     <dgm:pt modelId="{8F227DA1-E09D-4D67-8CA2-528E94F0A732}" type="pres">
       <dgm:prSet presAssocID="{C4679699-5CBB-482F-8979-1D384E98C3AE}" presName="hierChild1" presStyleCnt="0">
@@ -8129,11 +8233,11 @@
       <dgm:spPr/>
     </dgm:pt>
     <dgm:pt modelId="{1AEF8081-8425-40A5-BA49-A5C947EE5DDC}" type="pres">
-      <dgm:prSet presAssocID="{00D33BCD-5AFE-49E2-8F24-9148B02172C2}" presName="background" presStyleLbl="node0" presStyleIdx="0" presStyleCnt="4"/>
+      <dgm:prSet presAssocID="{00D33BCD-5AFE-49E2-8F24-9148B02172C2}" presName="background" presStyleLbl="node0" presStyleIdx="0" presStyleCnt="5"/>
       <dgm:spPr/>
     </dgm:pt>
     <dgm:pt modelId="{2703D01F-EC09-4E21-9DC9-80272A817822}" type="pres">
-      <dgm:prSet presAssocID="{00D33BCD-5AFE-49E2-8F24-9148B02172C2}" presName="text" presStyleLbl="fgAcc0" presStyleIdx="0" presStyleCnt="4">
+      <dgm:prSet presAssocID="{00D33BCD-5AFE-49E2-8F24-9148B02172C2}" presName="text" presStyleLbl="fgAcc0" presStyleIdx="0" presStyleCnt="5">
         <dgm:presLayoutVars>
           <dgm:chPref val="3"/>
         </dgm:presLayoutVars>
@@ -8153,11 +8257,11 @@
       <dgm:spPr/>
     </dgm:pt>
     <dgm:pt modelId="{2E37B2E1-8695-417F-A9C3-4FB9AAAC2ABE}" type="pres">
-      <dgm:prSet presAssocID="{7E628E59-F57D-40D9-A2DE-925F42871840}" presName="background" presStyleLbl="node0" presStyleIdx="1" presStyleCnt="4"/>
+      <dgm:prSet presAssocID="{7E628E59-F57D-40D9-A2DE-925F42871840}" presName="background" presStyleLbl="node0" presStyleIdx="1" presStyleCnt="5"/>
       <dgm:spPr/>
     </dgm:pt>
     <dgm:pt modelId="{6868CD8B-484F-4367-92C6-DD41420EE802}" type="pres">
-      <dgm:prSet presAssocID="{7E628E59-F57D-40D9-A2DE-925F42871840}" presName="text" presStyleLbl="fgAcc0" presStyleIdx="1" presStyleCnt="4">
+      <dgm:prSet presAssocID="{7E628E59-F57D-40D9-A2DE-925F42871840}" presName="text" presStyleLbl="fgAcc0" presStyleIdx="1" presStyleCnt="5">
         <dgm:presLayoutVars>
           <dgm:chPref val="3"/>
         </dgm:presLayoutVars>
@@ -8177,11 +8281,11 @@
       <dgm:spPr/>
     </dgm:pt>
     <dgm:pt modelId="{899F2941-28B0-4220-AF53-6969241BA7CB}" type="pres">
-      <dgm:prSet presAssocID="{A05B7A3F-EBA0-476C-99D2-D6D7AD989954}" presName="background" presStyleLbl="node0" presStyleIdx="2" presStyleCnt="4"/>
+      <dgm:prSet presAssocID="{A05B7A3F-EBA0-476C-99D2-D6D7AD989954}" presName="background" presStyleLbl="node0" presStyleIdx="2" presStyleCnt="5"/>
       <dgm:spPr/>
     </dgm:pt>
     <dgm:pt modelId="{31E40E31-9D44-49C1-8F94-F14ECA6199BF}" type="pres">
-      <dgm:prSet presAssocID="{A05B7A3F-EBA0-476C-99D2-D6D7AD989954}" presName="text" presStyleLbl="fgAcc0" presStyleIdx="2" presStyleCnt="4">
+      <dgm:prSet presAssocID="{A05B7A3F-EBA0-476C-99D2-D6D7AD989954}" presName="text" presStyleLbl="fgAcc0" presStyleIdx="2" presStyleCnt="5">
         <dgm:presLayoutVars>
           <dgm:chPref val="3"/>
         </dgm:presLayoutVars>
@@ -8201,11 +8305,11 @@
       <dgm:spPr/>
     </dgm:pt>
     <dgm:pt modelId="{1945AC2A-89C3-4D3C-9E43-55B8AD5F5322}" type="pres">
-      <dgm:prSet presAssocID="{D75613F5-B408-43C9-8FDC-5F96FF4DA5E3}" presName="background" presStyleLbl="node0" presStyleIdx="3" presStyleCnt="4"/>
+      <dgm:prSet presAssocID="{D75613F5-B408-43C9-8FDC-5F96FF4DA5E3}" presName="background" presStyleLbl="node0" presStyleIdx="3" presStyleCnt="5"/>
       <dgm:spPr/>
     </dgm:pt>
     <dgm:pt modelId="{B44226B9-00FB-4004-AAFB-60082D2D5017}" type="pres">
-      <dgm:prSet presAssocID="{D75613F5-B408-43C9-8FDC-5F96FF4DA5E3}" presName="text" presStyleLbl="fgAcc0" presStyleIdx="3" presStyleCnt="4">
+      <dgm:prSet presAssocID="{D75613F5-B408-43C9-8FDC-5F96FF4DA5E3}" presName="text" presStyleLbl="fgAcc0" presStyleIdx="3" presStyleCnt="5">
         <dgm:presLayoutVars>
           <dgm:chPref val="3"/>
         </dgm:presLayoutVars>
@@ -8216,8 +8320,33 @@
       <dgm:prSet presAssocID="{D75613F5-B408-43C9-8FDC-5F96FF4DA5E3}" presName="hierChild2" presStyleCnt="0"/>
       <dgm:spPr/>
     </dgm:pt>
+    <dgm:pt modelId="{68FA1076-B485-4F3E-A12B-37D55FE33A5D}" type="pres">
+      <dgm:prSet presAssocID="{0D1DF38D-E32E-470E-9C18-64B266FA3B31}" presName="hierRoot1" presStyleCnt="0"/>
+      <dgm:spPr/>
+    </dgm:pt>
+    <dgm:pt modelId="{10823EB6-35D4-48BF-BB13-F6A7B592BF95}" type="pres">
+      <dgm:prSet presAssocID="{0D1DF38D-E32E-470E-9C18-64B266FA3B31}" presName="composite" presStyleCnt="0"/>
+      <dgm:spPr/>
+    </dgm:pt>
+    <dgm:pt modelId="{AFA34129-992A-47EA-913F-5C5EAB3CBB13}" type="pres">
+      <dgm:prSet presAssocID="{0D1DF38D-E32E-470E-9C18-64B266FA3B31}" presName="background" presStyleLbl="node0" presStyleIdx="4" presStyleCnt="5"/>
+      <dgm:spPr/>
+    </dgm:pt>
+    <dgm:pt modelId="{060828BD-DF34-459A-A5FE-6D56D13B3C6C}" type="pres">
+      <dgm:prSet presAssocID="{0D1DF38D-E32E-470E-9C18-64B266FA3B31}" presName="text" presStyleLbl="fgAcc0" presStyleIdx="4" presStyleCnt="5">
+        <dgm:presLayoutVars>
+          <dgm:chPref val="3"/>
+        </dgm:presLayoutVars>
+      </dgm:prSet>
+      <dgm:spPr/>
+    </dgm:pt>
+    <dgm:pt modelId="{B4EC44DD-23A2-4072-9C18-85C5942CC06D}" type="pres">
+      <dgm:prSet presAssocID="{0D1DF38D-E32E-470E-9C18-64B266FA3B31}" presName="hierChild2" presStyleCnt="0"/>
+      <dgm:spPr/>
+    </dgm:pt>
   </dgm:ptLst>
   <dgm:cxnLst>
+    <dgm:cxn modelId="{44BE632B-4C3E-4BD3-B009-FD78302ED28F}" type="presOf" srcId="{0D1DF38D-E32E-470E-9C18-64B266FA3B31}" destId="{060828BD-DF34-459A-A5FE-6D56D13B3C6C}" srcOrd="0" destOrd="0" presId="urn:microsoft.com/office/officeart/2005/8/layout/hierarchy1"/>
     <dgm:cxn modelId="{A280CF2E-2C1D-4E95-A5C8-C86781C2C303}" type="presOf" srcId="{A05B7A3F-EBA0-476C-99D2-D6D7AD989954}" destId="{31E40E31-9D44-49C1-8F94-F14ECA6199BF}" srcOrd="0" destOrd="0" presId="urn:microsoft.com/office/officeart/2005/8/layout/hierarchy1"/>
     <dgm:cxn modelId="{439B8D37-1EFC-43FF-BDC5-DAC9453EA78A}" type="presOf" srcId="{7E628E59-F57D-40D9-A2DE-925F42871840}" destId="{6868CD8B-484F-4367-92C6-DD41420EE802}" srcOrd="0" destOrd="0" presId="urn:microsoft.com/office/officeart/2005/8/layout/hierarchy1"/>
     <dgm:cxn modelId="{824BA85F-FCA9-4A07-88FE-3F49290C990B}" type="presOf" srcId="{D75613F5-B408-43C9-8FDC-5F96FF4DA5E3}" destId="{B44226B9-00FB-4004-AAFB-60082D2D5017}" srcOrd="0" destOrd="0" presId="urn:microsoft.com/office/officeart/2005/8/layout/hierarchy1"/>
@@ -8225,6 +8354,7 @@
     <dgm:cxn modelId="{C019137E-5690-4BA4-BC0E-CFC64AC2F84B}" srcId="{C4679699-5CBB-482F-8979-1D384E98C3AE}" destId="{7E628E59-F57D-40D9-A2DE-925F42871840}" srcOrd="1" destOrd="0" parTransId="{43803151-AE54-4AC4-9E51-D473BA9CBE93}" sibTransId="{AC6841C0-573A-4BB5-BD07-A7DE02029E32}"/>
     <dgm:cxn modelId="{E38B5980-9360-44CC-9DFC-81C233F315DE}" type="presOf" srcId="{C4679699-5CBB-482F-8979-1D384E98C3AE}" destId="{8F227DA1-E09D-4D67-8CA2-528E94F0A732}" srcOrd="0" destOrd="0" presId="urn:microsoft.com/office/officeart/2005/8/layout/hierarchy1"/>
     <dgm:cxn modelId="{6EFE2AC4-5B5C-4F78-9177-742EEC2C8889}" srcId="{C4679699-5CBB-482F-8979-1D384E98C3AE}" destId="{00D33BCD-5AFE-49E2-8F24-9148B02172C2}" srcOrd="0" destOrd="0" parTransId="{56127FA5-1ABC-4C54-AA21-D190C0CC343E}" sibTransId="{1D7B7CC5-F7AD-4112-B48C-D8731F26F8A8}"/>
+    <dgm:cxn modelId="{3B226ED7-AAA9-4EF0-BB23-119AECAD6463}" srcId="{C4679699-5CBB-482F-8979-1D384E98C3AE}" destId="{0D1DF38D-E32E-470E-9C18-64B266FA3B31}" srcOrd="4" destOrd="0" parTransId="{A07231BF-004B-44A0-A1B9-127A7607C8DE}" sibTransId="{D42AFE05-96D3-47DC-905E-6EBFFAF7C3E5}"/>
     <dgm:cxn modelId="{5A148FD9-F6DD-4150-9300-AF10CCECB1C4}" srcId="{C4679699-5CBB-482F-8979-1D384E98C3AE}" destId="{D75613F5-B408-43C9-8FDC-5F96FF4DA5E3}" srcOrd="3" destOrd="0" parTransId="{B0C2C450-0FC4-41F6-8293-C31159C74AE8}" sibTransId="{BBB4E8FA-4CB1-44E1-896A-ACE581C42F2A}"/>
     <dgm:cxn modelId="{123467E0-7995-42AC-BD13-3A9114034407}" srcId="{C4679699-5CBB-482F-8979-1D384E98C3AE}" destId="{A05B7A3F-EBA0-476C-99D2-D6D7AD989954}" srcOrd="2" destOrd="0" parTransId="{1B951CBA-7E7D-43DB-8EBA-17529FC71563}" sibTransId="{BA2AE0B5-9B79-426C-BB78-21BCF3F724C0}"/>
     <dgm:cxn modelId="{96C2F01C-4879-467E-B644-9A09FDE1F771}" type="presParOf" srcId="{8F227DA1-E09D-4D67-8CA2-528E94F0A732}" destId="{26E88EEB-56A4-465B-A936-8698C6C5A557}" srcOrd="0" destOrd="0" presId="urn:microsoft.com/office/officeart/2005/8/layout/hierarchy1"/>
@@ -8247,6 +8377,11 @@
     <dgm:cxn modelId="{CAA0A05F-BFC6-4388-B3B3-02D20CFD1C05}" type="presParOf" srcId="{3644381D-4F52-407B-931F-ECEDC198DAFC}" destId="{1945AC2A-89C3-4D3C-9E43-55B8AD5F5322}" srcOrd="0" destOrd="0" presId="urn:microsoft.com/office/officeart/2005/8/layout/hierarchy1"/>
     <dgm:cxn modelId="{1FB6AA09-774B-453D-B6EF-466FCCF055AB}" type="presParOf" srcId="{3644381D-4F52-407B-931F-ECEDC198DAFC}" destId="{B44226B9-00FB-4004-AAFB-60082D2D5017}" srcOrd="1" destOrd="0" presId="urn:microsoft.com/office/officeart/2005/8/layout/hierarchy1"/>
     <dgm:cxn modelId="{B1AB97EC-9750-4C07-A1CD-E9A38608931C}" type="presParOf" srcId="{35700A7F-D969-4620-93FF-AB60E5C1FAB2}" destId="{0F569281-8F1C-4B7D-B939-28B7629E03B8}" srcOrd="1" destOrd="0" presId="urn:microsoft.com/office/officeart/2005/8/layout/hierarchy1"/>
+    <dgm:cxn modelId="{187AD8C5-0C9A-4AA7-A52A-7EF4A13A2094}" type="presParOf" srcId="{8F227DA1-E09D-4D67-8CA2-528E94F0A732}" destId="{68FA1076-B485-4F3E-A12B-37D55FE33A5D}" srcOrd="4" destOrd="0" presId="urn:microsoft.com/office/officeart/2005/8/layout/hierarchy1"/>
+    <dgm:cxn modelId="{1A868750-012C-486A-8F1B-AC774A31C53C}" type="presParOf" srcId="{68FA1076-B485-4F3E-A12B-37D55FE33A5D}" destId="{10823EB6-35D4-48BF-BB13-F6A7B592BF95}" srcOrd="0" destOrd="0" presId="urn:microsoft.com/office/officeart/2005/8/layout/hierarchy1"/>
+    <dgm:cxn modelId="{0DCB1277-D86D-44DF-BCBC-4996B8EB18EC}" type="presParOf" srcId="{10823EB6-35D4-48BF-BB13-F6A7B592BF95}" destId="{AFA34129-992A-47EA-913F-5C5EAB3CBB13}" srcOrd="0" destOrd="0" presId="urn:microsoft.com/office/officeart/2005/8/layout/hierarchy1"/>
+    <dgm:cxn modelId="{DE30C4A6-A4B0-470F-9CC0-54515C8F1139}" type="presParOf" srcId="{10823EB6-35D4-48BF-BB13-F6A7B592BF95}" destId="{060828BD-DF34-459A-A5FE-6D56D13B3C6C}" srcOrd="1" destOrd="0" presId="urn:microsoft.com/office/officeart/2005/8/layout/hierarchy1"/>
+    <dgm:cxn modelId="{4B035F7E-0C70-4D82-8EA6-85BF90364F9D}" type="presParOf" srcId="{68FA1076-B485-4F3E-A12B-37D55FE33A5D}" destId="{B4EC44DD-23A2-4072-9C18-85C5942CC06D}" srcOrd="1" destOrd="0" presId="urn:microsoft.com/office/officeart/2005/8/layout/hierarchy1"/>
   </dgm:cxnLst>
   <dgm:bg/>
   <dgm:whole/>
@@ -8280,7 +8415,7 @@
         <a:lstStyle/>
         <a:p>
           <a:r>
-            <a:rPr lang="en-US" dirty="0"/>
+            <a:rPr lang="en-US" b="1" dirty="0"/>
             <a:t>JWT</a:t>
           </a:r>
         </a:p>
@@ -8289,10 +8424,24 @@
     <dgm:pt modelId="{F3713667-9309-45A5-A866-DEEBD6A28672}" type="parTrans" cxnId="{ACACEFD9-82AD-430C-9DEF-248916D5EC28}">
       <dgm:prSet/>
       <dgm:spPr/>
+      <dgm:t>
+        <a:bodyPr/>
+        <a:lstStyle/>
+        <a:p>
+          <a:endParaRPr lang="fr-FR"/>
+        </a:p>
+      </dgm:t>
     </dgm:pt>
     <dgm:pt modelId="{C93F53D5-2770-4330-ABE1-81765CBD6784}" type="sibTrans" cxnId="{ACACEFD9-82AD-430C-9DEF-248916D5EC28}">
       <dgm:prSet/>
       <dgm:spPr/>
+      <dgm:t>
+        <a:bodyPr/>
+        <a:lstStyle/>
+        <a:p>
+          <a:endParaRPr lang="fr-FR"/>
+        </a:p>
+      </dgm:t>
     </dgm:pt>
     <dgm:pt modelId="{68EE7EC7-C20B-456D-9508-DAACA76CD391}">
       <dgm:prSet/>
@@ -8458,7 +8607,7 @@
         <a:lstStyle/>
         <a:p>
           <a:r>
-            <a:rPr lang="en-US" dirty="0"/>
+            <a:rPr lang="en-US" b="1" dirty="0"/>
             <a:t>ORM</a:t>
           </a:r>
         </a:p>
@@ -8467,10 +8616,105 @@
     <dgm:pt modelId="{D814D7E6-874E-4411-8632-980EAB29F02D}" type="sibTrans" cxnId="{EA66996F-FB9B-4789-89BF-321B864DC533}">
       <dgm:prSet/>
       <dgm:spPr/>
+      <dgm:t>
+        <a:bodyPr/>
+        <a:lstStyle/>
+        <a:p>
+          <a:endParaRPr lang="fr-FR"/>
+        </a:p>
+      </dgm:t>
     </dgm:pt>
     <dgm:pt modelId="{A41183D6-21A9-40C0-9C14-941F55BA4D58}" type="parTrans" cxnId="{EA66996F-FB9B-4789-89BF-321B864DC533}">
       <dgm:prSet/>
       <dgm:spPr/>
+      <dgm:t>
+        <a:bodyPr/>
+        <a:lstStyle/>
+        <a:p>
+          <a:endParaRPr lang="fr-FR"/>
+        </a:p>
+      </dgm:t>
+    </dgm:pt>
+    <dgm:pt modelId="{B5B8BA9C-7DFB-4ECD-AFA2-E7426FF6EDDC}">
+      <dgm:prSet/>
+      <dgm:spPr/>
+      <dgm:t>
+        <a:bodyPr/>
+        <a:lstStyle/>
+        <a:p>
+          <a:r>
+            <a:rPr lang="en-US" b="1" dirty="0"/>
+            <a:t>GUID</a:t>
+          </a:r>
+        </a:p>
+      </dgm:t>
+    </dgm:pt>
+    <dgm:pt modelId="{0E0D88B1-91A5-49C2-8BE9-01ABF238C862}" type="parTrans" cxnId="{9005BACC-B34F-4C09-A01E-FD92A790B08C}">
+      <dgm:prSet/>
+      <dgm:spPr/>
+      <dgm:t>
+        <a:bodyPr/>
+        <a:lstStyle/>
+        <a:p>
+          <a:endParaRPr lang="fr-FR"/>
+        </a:p>
+      </dgm:t>
+    </dgm:pt>
+    <dgm:pt modelId="{C13C32B9-8BB9-4BC8-A864-6A5A660FD41C}" type="sibTrans" cxnId="{9005BACC-B34F-4C09-A01E-FD92A790B08C}">
+      <dgm:prSet/>
+      <dgm:spPr/>
+      <dgm:t>
+        <a:bodyPr/>
+        <a:lstStyle/>
+        <a:p>
+          <a:endParaRPr lang="fr-FR"/>
+        </a:p>
+      </dgm:t>
+    </dgm:pt>
+    <dgm:pt modelId="{B26003DE-33F2-42E0-B2D9-03340D8EF2FC}">
+      <dgm:prSet/>
+      <dgm:spPr/>
+      <dgm:t>
+        <a:bodyPr/>
+        <a:lstStyle/>
+        <a:p>
+          <a:r>
+            <a:rPr lang="en-US" b="1" dirty="0" err="1"/>
+            <a:t>Projet</a:t>
+          </a:r>
+          <a:r>
+            <a:rPr lang="en-US" b="1" dirty="0"/>
+            <a:t> </a:t>
+          </a:r>
+          <a:r>
+            <a:rPr lang="en-US" b="1" dirty="0" err="1"/>
+            <a:t>collaboratif</a:t>
+          </a:r>
+          <a:endParaRPr lang="en-US" b="1" dirty="0"/>
+        </a:p>
+      </dgm:t>
+    </dgm:pt>
+    <dgm:pt modelId="{4250BCE6-A8EF-4039-8501-71FB80D8CBF9}" type="parTrans" cxnId="{5DFE9561-C6C9-4345-8034-D120BA5F9040}">
+      <dgm:prSet/>
+      <dgm:spPr/>
+      <dgm:t>
+        <a:bodyPr/>
+        <a:lstStyle/>
+        <a:p>
+          <a:endParaRPr lang="fr-FR"/>
+        </a:p>
+      </dgm:t>
+    </dgm:pt>
+    <dgm:pt modelId="{ACB7381C-FE0D-4D56-A580-548CCE260879}" type="sibTrans" cxnId="{5DFE9561-C6C9-4345-8034-D120BA5F9040}">
+      <dgm:prSet/>
+      <dgm:spPr/>
+      <dgm:t>
+        <a:bodyPr/>
+        <a:lstStyle/>
+        <a:p>
+          <a:endParaRPr lang="fr-FR"/>
+        </a:p>
+      </dgm:t>
     </dgm:pt>
     <dgm:pt modelId="{E81FED5D-FEC2-4B85-B411-6E6378C9ECFC}" type="pres">
       <dgm:prSet presAssocID="{80CAAB47-9D04-4373-A3D5-F0ACA560466F}" presName="hierChild1" presStyleCnt="0">
@@ -8484,6 +8728,30 @@
       </dgm:prSet>
       <dgm:spPr/>
     </dgm:pt>
+    <dgm:pt modelId="{8B74C113-6323-491A-A8E4-373B987EFB58}" type="pres">
+      <dgm:prSet presAssocID="{B5B8BA9C-7DFB-4ECD-AFA2-E7426FF6EDDC}" presName="hierRoot1" presStyleCnt="0"/>
+      <dgm:spPr/>
+    </dgm:pt>
+    <dgm:pt modelId="{D80F7335-BD43-46D6-BA6A-6EEDF95525DC}" type="pres">
+      <dgm:prSet presAssocID="{B5B8BA9C-7DFB-4ECD-AFA2-E7426FF6EDDC}" presName="composite" presStyleCnt="0"/>
+      <dgm:spPr/>
+    </dgm:pt>
+    <dgm:pt modelId="{A5DF0EB2-5025-4D27-985B-6D14E2D28DB6}" type="pres">
+      <dgm:prSet presAssocID="{B5B8BA9C-7DFB-4ECD-AFA2-E7426FF6EDDC}" presName="background" presStyleLbl="node0" presStyleIdx="0" presStyleCnt="8"/>
+      <dgm:spPr/>
+    </dgm:pt>
+    <dgm:pt modelId="{909E7399-377C-41F6-B682-3D2CD44CBD04}" type="pres">
+      <dgm:prSet presAssocID="{B5B8BA9C-7DFB-4ECD-AFA2-E7426FF6EDDC}" presName="text" presStyleLbl="fgAcc0" presStyleIdx="0" presStyleCnt="8" custAng="0">
+        <dgm:presLayoutVars>
+          <dgm:chPref val="3"/>
+        </dgm:presLayoutVars>
+      </dgm:prSet>
+      <dgm:spPr/>
+    </dgm:pt>
+    <dgm:pt modelId="{D09920AB-1A81-4222-8BFF-D12B6977AD3E}" type="pres">
+      <dgm:prSet presAssocID="{B5B8BA9C-7DFB-4ECD-AFA2-E7426FF6EDDC}" presName="hierChild2" presStyleCnt="0"/>
+      <dgm:spPr/>
+    </dgm:pt>
     <dgm:pt modelId="{CA4C2E0E-CBA9-41CF-A328-AC1D2E4CDA3B}" type="pres">
       <dgm:prSet presAssocID="{F7806C83-BB26-4074-86E1-B40F8A3F5484}" presName="hierRoot1" presStyleCnt="0"/>
       <dgm:spPr/>
@@ -8493,11 +8761,11 @@
       <dgm:spPr/>
     </dgm:pt>
     <dgm:pt modelId="{F60F413B-4B9E-43DF-9226-9E73C182615F}" type="pres">
-      <dgm:prSet presAssocID="{F7806C83-BB26-4074-86E1-B40F8A3F5484}" presName="background" presStyleLbl="node0" presStyleIdx="0" presStyleCnt="6"/>
+      <dgm:prSet presAssocID="{F7806C83-BB26-4074-86E1-B40F8A3F5484}" presName="background" presStyleLbl="node0" presStyleIdx="1" presStyleCnt="8"/>
       <dgm:spPr/>
     </dgm:pt>
     <dgm:pt modelId="{A4EFFD7B-AD57-4E15-879A-63E999442B88}" type="pres">
-      <dgm:prSet presAssocID="{F7806C83-BB26-4074-86E1-B40F8A3F5484}" presName="text" presStyleLbl="fgAcc0" presStyleIdx="0" presStyleCnt="6">
+      <dgm:prSet presAssocID="{F7806C83-BB26-4074-86E1-B40F8A3F5484}" presName="text" presStyleLbl="fgAcc0" presStyleIdx="1" presStyleCnt="8">
         <dgm:presLayoutVars>
           <dgm:chPref val="3"/>
         </dgm:presLayoutVars>
@@ -8517,11 +8785,11 @@
       <dgm:spPr/>
     </dgm:pt>
     <dgm:pt modelId="{E637AB87-C59A-4073-901D-4B8500D66594}" type="pres">
-      <dgm:prSet presAssocID="{68EE7EC7-C20B-456D-9508-DAACA76CD391}" presName="background" presStyleLbl="node0" presStyleIdx="1" presStyleCnt="6"/>
+      <dgm:prSet presAssocID="{68EE7EC7-C20B-456D-9508-DAACA76CD391}" presName="background" presStyleLbl="node0" presStyleIdx="2" presStyleCnt="8"/>
       <dgm:spPr/>
     </dgm:pt>
     <dgm:pt modelId="{9A48BB7C-A26F-4A77-AD41-B50121A62571}" type="pres">
-      <dgm:prSet presAssocID="{68EE7EC7-C20B-456D-9508-DAACA76CD391}" presName="text" presStyleLbl="fgAcc0" presStyleIdx="1" presStyleCnt="6">
+      <dgm:prSet presAssocID="{68EE7EC7-C20B-456D-9508-DAACA76CD391}" presName="text" presStyleLbl="fgAcc0" presStyleIdx="2" presStyleCnt="8">
         <dgm:presLayoutVars>
           <dgm:chPref val="3"/>
         </dgm:presLayoutVars>
@@ -8541,11 +8809,11 @@
       <dgm:spPr/>
     </dgm:pt>
     <dgm:pt modelId="{C49FF07B-2507-4FF3-AF28-04F4AA9FF619}" type="pres">
-      <dgm:prSet presAssocID="{98E4E9A6-80F0-4BE8-A8FA-857D64040AB7}" presName="background" presStyleLbl="node0" presStyleIdx="2" presStyleCnt="6"/>
+      <dgm:prSet presAssocID="{98E4E9A6-80F0-4BE8-A8FA-857D64040AB7}" presName="background" presStyleLbl="node0" presStyleIdx="3" presStyleCnt="8"/>
       <dgm:spPr/>
     </dgm:pt>
     <dgm:pt modelId="{27599751-8180-43B0-939A-ED715752A627}" type="pres">
-      <dgm:prSet presAssocID="{98E4E9A6-80F0-4BE8-A8FA-857D64040AB7}" presName="text" presStyleLbl="fgAcc0" presStyleIdx="2" presStyleCnt="6">
+      <dgm:prSet presAssocID="{98E4E9A6-80F0-4BE8-A8FA-857D64040AB7}" presName="text" presStyleLbl="fgAcc0" presStyleIdx="3" presStyleCnt="8">
         <dgm:presLayoutVars>
           <dgm:chPref val="3"/>
         </dgm:presLayoutVars>
@@ -8565,11 +8833,11 @@
       <dgm:spPr/>
     </dgm:pt>
     <dgm:pt modelId="{76AD91D2-9A54-42E6-AF05-1785B82A220B}" type="pres">
-      <dgm:prSet presAssocID="{B551D9F3-DE76-46F8-9725-B431DE4050A2}" presName="background" presStyleLbl="node0" presStyleIdx="3" presStyleCnt="6"/>
+      <dgm:prSet presAssocID="{B551D9F3-DE76-46F8-9725-B431DE4050A2}" presName="background" presStyleLbl="node0" presStyleIdx="4" presStyleCnt="8"/>
       <dgm:spPr/>
     </dgm:pt>
     <dgm:pt modelId="{710371AC-6C9E-49C4-AEA7-44D21B5917EE}" type="pres">
-      <dgm:prSet presAssocID="{B551D9F3-DE76-46F8-9725-B431DE4050A2}" presName="text" presStyleLbl="fgAcc0" presStyleIdx="3" presStyleCnt="6">
+      <dgm:prSet presAssocID="{B551D9F3-DE76-46F8-9725-B431DE4050A2}" presName="text" presStyleLbl="fgAcc0" presStyleIdx="4" presStyleCnt="8">
         <dgm:presLayoutVars>
           <dgm:chPref val="3"/>
         </dgm:presLayoutVars>
@@ -8589,11 +8857,11 @@
       <dgm:spPr/>
     </dgm:pt>
     <dgm:pt modelId="{79A3D704-D9C3-4B98-93F6-663BDBD175D0}" type="pres">
-      <dgm:prSet presAssocID="{59EC9A93-5F11-49BA-B380-11D22FC63F0F}" presName="background" presStyleLbl="node0" presStyleIdx="4" presStyleCnt="6"/>
+      <dgm:prSet presAssocID="{59EC9A93-5F11-49BA-B380-11D22FC63F0F}" presName="background" presStyleLbl="node0" presStyleIdx="5" presStyleCnt="8"/>
       <dgm:spPr/>
     </dgm:pt>
     <dgm:pt modelId="{EDD6A6B4-EC96-44F3-BDB4-38788D41F88B}" type="pres">
-      <dgm:prSet presAssocID="{59EC9A93-5F11-49BA-B380-11D22FC63F0F}" presName="text" presStyleLbl="fgAcc0" presStyleIdx="4" presStyleCnt="6">
+      <dgm:prSet presAssocID="{59EC9A93-5F11-49BA-B380-11D22FC63F0F}" presName="text" presStyleLbl="fgAcc0" presStyleIdx="5" presStyleCnt="8">
         <dgm:presLayoutVars>
           <dgm:chPref val="3"/>
         </dgm:presLayoutVars>
@@ -8613,11 +8881,11 @@
       <dgm:spPr/>
     </dgm:pt>
     <dgm:pt modelId="{69BDA2C1-BF2D-4DBF-944E-44B1028474DF}" type="pres">
-      <dgm:prSet presAssocID="{4AB543B2-3D60-4044-B604-61320E40836D}" presName="background" presStyleLbl="node0" presStyleIdx="5" presStyleCnt="6"/>
+      <dgm:prSet presAssocID="{4AB543B2-3D60-4044-B604-61320E40836D}" presName="background" presStyleLbl="node0" presStyleIdx="6" presStyleCnt="8"/>
       <dgm:spPr/>
     </dgm:pt>
     <dgm:pt modelId="{2A9C50DB-3AA8-4FF7-85EA-5DC917DFD0D1}" type="pres">
-      <dgm:prSet presAssocID="{4AB543B2-3D60-4044-B604-61320E40836D}" presName="text" presStyleLbl="fgAcc0" presStyleIdx="5" presStyleCnt="6">
+      <dgm:prSet presAssocID="{4AB543B2-3D60-4044-B604-61320E40836D}" presName="text" presStyleLbl="fgAcc0" presStyleIdx="6" presStyleCnt="8">
         <dgm:presLayoutVars>
           <dgm:chPref val="3"/>
         </dgm:presLayoutVars>
@@ -8628,51 +8896,89 @@
       <dgm:prSet presAssocID="{4AB543B2-3D60-4044-B604-61320E40836D}" presName="hierChild2" presStyleCnt="0"/>
       <dgm:spPr/>
     </dgm:pt>
+    <dgm:pt modelId="{10A4D675-7694-452B-A846-21719CD4C039}" type="pres">
+      <dgm:prSet presAssocID="{B26003DE-33F2-42E0-B2D9-03340D8EF2FC}" presName="hierRoot1" presStyleCnt="0"/>
+      <dgm:spPr/>
+    </dgm:pt>
+    <dgm:pt modelId="{9F1270E0-F0C2-45C7-AD8D-A88C0FD3C31D}" type="pres">
+      <dgm:prSet presAssocID="{B26003DE-33F2-42E0-B2D9-03340D8EF2FC}" presName="composite" presStyleCnt="0"/>
+      <dgm:spPr/>
+    </dgm:pt>
+    <dgm:pt modelId="{0905A0E5-DC1B-4B10-A812-5A78B807D25D}" type="pres">
+      <dgm:prSet presAssocID="{B26003DE-33F2-42E0-B2D9-03340D8EF2FC}" presName="background" presStyleLbl="node0" presStyleIdx="7" presStyleCnt="8"/>
+      <dgm:spPr/>
+    </dgm:pt>
+    <dgm:pt modelId="{C5166D1D-EBBA-4198-AFE9-5C687F8DCEAB}" type="pres">
+      <dgm:prSet presAssocID="{B26003DE-33F2-42E0-B2D9-03340D8EF2FC}" presName="text" presStyleLbl="fgAcc0" presStyleIdx="7" presStyleCnt="8">
+        <dgm:presLayoutVars>
+          <dgm:chPref val="3"/>
+        </dgm:presLayoutVars>
+      </dgm:prSet>
+      <dgm:spPr/>
+    </dgm:pt>
+    <dgm:pt modelId="{D43E2E50-0E54-4C94-98EF-9EDFD4634D82}" type="pres">
+      <dgm:prSet presAssocID="{B26003DE-33F2-42E0-B2D9-03340D8EF2FC}" presName="hierChild2" presStyleCnt="0"/>
+      <dgm:spPr/>
+    </dgm:pt>
   </dgm:ptLst>
   <dgm:cxnLst>
+    <dgm:cxn modelId="{93012E23-C3AD-406E-A58C-5AD1F06CEA64}" type="presOf" srcId="{B26003DE-33F2-42E0-B2D9-03340D8EF2FC}" destId="{C5166D1D-EBBA-4198-AFE9-5C687F8DCEAB}" srcOrd="0" destOrd="0" presId="urn:microsoft.com/office/officeart/2005/8/layout/hierarchy1"/>
+    <dgm:cxn modelId="{5DFE9561-C6C9-4345-8034-D120BA5F9040}" srcId="{80CAAB47-9D04-4373-A3D5-F0ACA560466F}" destId="{B26003DE-33F2-42E0-B2D9-03340D8EF2FC}" srcOrd="7" destOrd="0" parTransId="{4250BCE6-A8EF-4039-8501-71FB80D8CBF9}" sibTransId="{ACB7381C-FE0D-4D56-A580-548CCE260879}"/>
     <dgm:cxn modelId="{D21DCE47-29E2-46F4-ACE5-1890D9D60755}" type="presOf" srcId="{68EE7EC7-C20B-456D-9508-DAACA76CD391}" destId="{9A48BB7C-A26F-4A77-AD41-B50121A62571}" srcOrd="0" destOrd="0" presId="urn:microsoft.com/office/officeart/2005/8/layout/hierarchy1"/>
     <dgm:cxn modelId="{FCF44F6D-045B-4CD6-907E-B4459C1B6FD4}" type="presOf" srcId="{F7806C83-BB26-4074-86E1-B40F8A3F5484}" destId="{A4EFFD7B-AD57-4E15-879A-63E999442B88}" srcOrd="0" destOrd="0" presId="urn:microsoft.com/office/officeart/2005/8/layout/hierarchy1"/>
-    <dgm:cxn modelId="{910E986E-413C-49CA-9CB2-A60735A2E91B}" srcId="{80CAAB47-9D04-4373-A3D5-F0ACA560466F}" destId="{59EC9A93-5F11-49BA-B380-11D22FC63F0F}" srcOrd="4" destOrd="0" parTransId="{CFA8501D-BB8C-4CDA-B635-22E20B542DF2}" sibTransId="{EE8049F3-C7AE-481D-BB9C-468615526549}"/>
-    <dgm:cxn modelId="{EA66996F-FB9B-4789-89BF-321B864DC533}" srcId="{80CAAB47-9D04-4373-A3D5-F0ACA560466F}" destId="{4AB543B2-3D60-4044-B604-61320E40836D}" srcOrd="5" destOrd="0" parTransId="{A41183D6-21A9-40C0-9C14-941F55BA4D58}" sibTransId="{D814D7E6-874E-4411-8632-980EAB29F02D}"/>
+    <dgm:cxn modelId="{910E986E-413C-49CA-9CB2-A60735A2E91B}" srcId="{80CAAB47-9D04-4373-A3D5-F0ACA560466F}" destId="{59EC9A93-5F11-49BA-B380-11D22FC63F0F}" srcOrd="5" destOrd="0" parTransId="{CFA8501D-BB8C-4CDA-B635-22E20B542DF2}" sibTransId="{EE8049F3-C7AE-481D-BB9C-468615526549}"/>
+    <dgm:cxn modelId="{EA66996F-FB9B-4789-89BF-321B864DC533}" srcId="{80CAAB47-9D04-4373-A3D5-F0ACA560466F}" destId="{4AB543B2-3D60-4044-B604-61320E40836D}" srcOrd="6" destOrd="0" parTransId="{A41183D6-21A9-40C0-9C14-941F55BA4D58}" sibTransId="{D814D7E6-874E-4411-8632-980EAB29F02D}"/>
     <dgm:cxn modelId="{29BA8C77-E2A6-4248-8FE9-E90118030E2B}" type="presOf" srcId="{B551D9F3-DE76-46F8-9725-B431DE4050A2}" destId="{710371AC-6C9E-49C4-AEA7-44D21B5917EE}" srcOrd="0" destOrd="0" presId="urn:microsoft.com/office/officeart/2005/8/layout/hierarchy1"/>
-    <dgm:cxn modelId="{C8102A79-BC4E-4F6A-A1B0-0264D76C2379}" srcId="{80CAAB47-9D04-4373-A3D5-F0ACA560466F}" destId="{68EE7EC7-C20B-456D-9508-DAACA76CD391}" srcOrd="1" destOrd="0" parTransId="{E5A8831A-CE34-423C-809D-56DC275061BB}" sibTransId="{67C6A7FB-9392-47B3-886F-9FCD7F8F39F5}"/>
+    <dgm:cxn modelId="{C8102A79-BC4E-4F6A-A1B0-0264D76C2379}" srcId="{80CAAB47-9D04-4373-A3D5-F0ACA560466F}" destId="{68EE7EC7-C20B-456D-9508-DAACA76CD391}" srcOrd="2" destOrd="0" parTransId="{E5A8831A-CE34-423C-809D-56DC275061BB}" sibTransId="{67C6A7FB-9392-47B3-886F-9FCD7F8F39F5}"/>
+    <dgm:cxn modelId="{1158B9A1-8041-40B3-A77D-C109E4396A06}" type="presOf" srcId="{B5B8BA9C-7DFB-4ECD-AFA2-E7426FF6EDDC}" destId="{909E7399-377C-41F6-B682-3D2CD44CBD04}" srcOrd="0" destOrd="0" presId="urn:microsoft.com/office/officeart/2005/8/layout/hierarchy1"/>
     <dgm:cxn modelId="{AC9698A3-7CCD-4AC2-8B50-78BFCA0200F8}" type="presOf" srcId="{59EC9A93-5F11-49BA-B380-11D22FC63F0F}" destId="{EDD6A6B4-EC96-44F3-BDB4-38788D41F88B}" srcOrd="0" destOrd="0" presId="urn:microsoft.com/office/officeart/2005/8/layout/hierarchy1"/>
     <dgm:cxn modelId="{B2B254B5-6A0E-48E7-9734-4E5059204BCA}" type="presOf" srcId="{4AB543B2-3D60-4044-B604-61320E40836D}" destId="{2A9C50DB-3AA8-4FF7-85EA-5DC917DFD0D1}" srcOrd="0" destOrd="0" presId="urn:microsoft.com/office/officeart/2005/8/layout/hierarchy1"/>
-    <dgm:cxn modelId="{95EB65BB-3A39-42B0-A09C-3B473E23260F}" srcId="{80CAAB47-9D04-4373-A3D5-F0ACA560466F}" destId="{B551D9F3-DE76-46F8-9725-B431DE4050A2}" srcOrd="3" destOrd="0" parTransId="{5CD7C555-9EE4-42FA-B592-5644CA8A1EA1}" sibTransId="{A645080B-C16A-42F8-8C58-3AC40B5D1915}"/>
-    <dgm:cxn modelId="{D4974DC7-9D55-46E1-B136-E0359EA302F2}" srcId="{80CAAB47-9D04-4373-A3D5-F0ACA560466F}" destId="{98E4E9A6-80F0-4BE8-A8FA-857D64040AB7}" srcOrd="2" destOrd="0" parTransId="{CFD03614-5D62-4F24-84AE-87FA50DBB8B3}" sibTransId="{D3756D49-4724-49E5-A2A5-C57E4C31E152}"/>
-    <dgm:cxn modelId="{ACACEFD9-82AD-430C-9DEF-248916D5EC28}" srcId="{80CAAB47-9D04-4373-A3D5-F0ACA560466F}" destId="{F7806C83-BB26-4074-86E1-B40F8A3F5484}" srcOrd="0" destOrd="0" parTransId="{F3713667-9309-45A5-A866-DEEBD6A28672}" sibTransId="{C93F53D5-2770-4330-ABE1-81765CBD6784}"/>
+    <dgm:cxn modelId="{95EB65BB-3A39-42B0-A09C-3B473E23260F}" srcId="{80CAAB47-9D04-4373-A3D5-F0ACA560466F}" destId="{B551D9F3-DE76-46F8-9725-B431DE4050A2}" srcOrd="4" destOrd="0" parTransId="{5CD7C555-9EE4-42FA-B592-5644CA8A1EA1}" sibTransId="{A645080B-C16A-42F8-8C58-3AC40B5D1915}"/>
+    <dgm:cxn modelId="{D4974DC7-9D55-46E1-B136-E0359EA302F2}" srcId="{80CAAB47-9D04-4373-A3D5-F0ACA560466F}" destId="{98E4E9A6-80F0-4BE8-A8FA-857D64040AB7}" srcOrd="3" destOrd="0" parTransId="{CFD03614-5D62-4F24-84AE-87FA50DBB8B3}" sibTransId="{D3756D49-4724-49E5-A2A5-C57E4C31E152}"/>
+    <dgm:cxn modelId="{9005BACC-B34F-4C09-A01E-FD92A790B08C}" srcId="{80CAAB47-9D04-4373-A3D5-F0ACA560466F}" destId="{B5B8BA9C-7DFB-4ECD-AFA2-E7426FF6EDDC}" srcOrd="0" destOrd="0" parTransId="{0E0D88B1-91A5-49C2-8BE9-01ABF238C862}" sibTransId="{C13C32B9-8BB9-4BC8-A864-6A5A660FD41C}"/>
+    <dgm:cxn modelId="{ACACEFD9-82AD-430C-9DEF-248916D5EC28}" srcId="{80CAAB47-9D04-4373-A3D5-F0ACA560466F}" destId="{F7806C83-BB26-4074-86E1-B40F8A3F5484}" srcOrd="1" destOrd="0" parTransId="{F3713667-9309-45A5-A866-DEEBD6A28672}" sibTransId="{C93F53D5-2770-4330-ABE1-81765CBD6784}"/>
     <dgm:cxn modelId="{CCDF19E2-DC60-4C93-B138-655AE8D9F954}" type="presOf" srcId="{98E4E9A6-80F0-4BE8-A8FA-857D64040AB7}" destId="{27599751-8180-43B0-939A-ED715752A627}" srcOrd="0" destOrd="0" presId="urn:microsoft.com/office/officeart/2005/8/layout/hierarchy1"/>
     <dgm:cxn modelId="{E0823DE2-D5D4-42A4-8550-9A1929CC7757}" type="presOf" srcId="{80CAAB47-9D04-4373-A3D5-F0ACA560466F}" destId="{E81FED5D-FEC2-4B85-B411-6E6378C9ECFC}" srcOrd="0" destOrd="0" presId="urn:microsoft.com/office/officeart/2005/8/layout/hierarchy1"/>
-    <dgm:cxn modelId="{9B0602E6-C6E5-477B-8A79-0B0B9C5B3B93}" type="presParOf" srcId="{E81FED5D-FEC2-4B85-B411-6E6378C9ECFC}" destId="{CA4C2E0E-CBA9-41CF-A328-AC1D2E4CDA3B}" srcOrd="0" destOrd="0" presId="urn:microsoft.com/office/officeart/2005/8/layout/hierarchy1"/>
+    <dgm:cxn modelId="{4622322F-CAF4-4315-96D2-9C4012FD45F3}" type="presParOf" srcId="{E81FED5D-FEC2-4B85-B411-6E6378C9ECFC}" destId="{8B74C113-6323-491A-A8E4-373B987EFB58}" srcOrd="0" destOrd="0" presId="urn:microsoft.com/office/officeart/2005/8/layout/hierarchy1"/>
+    <dgm:cxn modelId="{5180D977-6F13-4416-A592-45A9D272C3BE}" type="presParOf" srcId="{8B74C113-6323-491A-A8E4-373B987EFB58}" destId="{D80F7335-BD43-46D6-BA6A-6EEDF95525DC}" srcOrd="0" destOrd="0" presId="urn:microsoft.com/office/officeart/2005/8/layout/hierarchy1"/>
+    <dgm:cxn modelId="{BF1D5A13-41D9-4406-8422-5B7CBC9E57BB}" type="presParOf" srcId="{D80F7335-BD43-46D6-BA6A-6EEDF95525DC}" destId="{A5DF0EB2-5025-4D27-985B-6D14E2D28DB6}" srcOrd="0" destOrd="0" presId="urn:microsoft.com/office/officeart/2005/8/layout/hierarchy1"/>
+    <dgm:cxn modelId="{6F3B4BF3-0B68-4A5D-B374-D62C2033E319}" type="presParOf" srcId="{D80F7335-BD43-46D6-BA6A-6EEDF95525DC}" destId="{909E7399-377C-41F6-B682-3D2CD44CBD04}" srcOrd="1" destOrd="0" presId="urn:microsoft.com/office/officeart/2005/8/layout/hierarchy1"/>
+    <dgm:cxn modelId="{DB3D951A-0200-41A1-94DE-FC399B017307}" type="presParOf" srcId="{8B74C113-6323-491A-A8E4-373B987EFB58}" destId="{D09920AB-1A81-4222-8BFF-D12B6977AD3E}" srcOrd="1" destOrd="0" presId="urn:microsoft.com/office/officeart/2005/8/layout/hierarchy1"/>
+    <dgm:cxn modelId="{9B0602E6-C6E5-477B-8A79-0B0B9C5B3B93}" type="presParOf" srcId="{E81FED5D-FEC2-4B85-B411-6E6378C9ECFC}" destId="{CA4C2E0E-CBA9-41CF-A328-AC1D2E4CDA3B}" srcOrd="1" destOrd="0" presId="urn:microsoft.com/office/officeart/2005/8/layout/hierarchy1"/>
     <dgm:cxn modelId="{6AF7EC83-EAE7-4311-A218-B23EBC6A8398}" type="presParOf" srcId="{CA4C2E0E-CBA9-41CF-A328-AC1D2E4CDA3B}" destId="{14035C46-530B-4CDC-86B5-A8898E8C9ED5}" srcOrd="0" destOrd="0" presId="urn:microsoft.com/office/officeart/2005/8/layout/hierarchy1"/>
     <dgm:cxn modelId="{FF7CA658-635E-4A8D-88BB-C595AFD2891B}" type="presParOf" srcId="{14035C46-530B-4CDC-86B5-A8898E8C9ED5}" destId="{F60F413B-4B9E-43DF-9226-9E73C182615F}" srcOrd="0" destOrd="0" presId="urn:microsoft.com/office/officeart/2005/8/layout/hierarchy1"/>
     <dgm:cxn modelId="{A4C556CC-FEA3-49E4-B592-174C78C7D872}" type="presParOf" srcId="{14035C46-530B-4CDC-86B5-A8898E8C9ED5}" destId="{A4EFFD7B-AD57-4E15-879A-63E999442B88}" srcOrd="1" destOrd="0" presId="urn:microsoft.com/office/officeart/2005/8/layout/hierarchy1"/>
     <dgm:cxn modelId="{032D7B6F-EE6B-4F94-9D3F-4AF39063183F}" type="presParOf" srcId="{CA4C2E0E-CBA9-41CF-A328-AC1D2E4CDA3B}" destId="{03DBF273-C64A-40D7-996B-2F0C8AFBD8EB}" srcOrd="1" destOrd="0" presId="urn:microsoft.com/office/officeart/2005/8/layout/hierarchy1"/>
-    <dgm:cxn modelId="{8CE955B2-A4E7-4887-BBF2-6F5F74D137C9}" type="presParOf" srcId="{E81FED5D-FEC2-4B85-B411-6E6378C9ECFC}" destId="{24DE3267-C6A1-4BE3-9A72-46C5028EE691}" srcOrd="1" destOrd="0" presId="urn:microsoft.com/office/officeart/2005/8/layout/hierarchy1"/>
+    <dgm:cxn modelId="{8CE955B2-A4E7-4887-BBF2-6F5F74D137C9}" type="presParOf" srcId="{E81FED5D-FEC2-4B85-B411-6E6378C9ECFC}" destId="{24DE3267-C6A1-4BE3-9A72-46C5028EE691}" srcOrd="2" destOrd="0" presId="urn:microsoft.com/office/officeart/2005/8/layout/hierarchy1"/>
     <dgm:cxn modelId="{DA1BEA00-9140-4547-83F3-7DCA0335E558}" type="presParOf" srcId="{24DE3267-C6A1-4BE3-9A72-46C5028EE691}" destId="{C29E867C-0907-40B8-9F7F-DFCF23F46EE8}" srcOrd="0" destOrd="0" presId="urn:microsoft.com/office/officeart/2005/8/layout/hierarchy1"/>
     <dgm:cxn modelId="{646BB297-50AB-431F-82EB-F1FAB2AECC40}" type="presParOf" srcId="{C29E867C-0907-40B8-9F7F-DFCF23F46EE8}" destId="{E637AB87-C59A-4073-901D-4B8500D66594}" srcOrd="0" destOrd="0" presId="urn:microsoft.com/office/officeart/2005/8/layout/hierarchy1"/>
     <dgm:cxn modelId="{CEE23DC0-7AE7-42F1-8254-73FB9CFD73F0}" type="presParOf" srcId="{C29E867C-0907-40B8-9F7F-DFCF23F46EE8}" destId="{9A48BB7C-A26F-4A77-AD41-B50121A62571}" srcOrd="1" destOrd="0" presId="urn:microsoft.com/office/officeart/2005/8/layout/hierarchy1"/>
     <dgm:cxn modelId="{069D6D0B-2F46-4CEA-AB01-B9678C52E475}" type="presParOf" srcId="{24DE3267-C6A1-4BE3-9A72-46C5028EE691}" destId="{77BEB30E-7A71-4559-855D-5E7FB386D7E6}" srcOrd="1" destOrd="0" presId="urn:microsoft.com/office/officeart/2005/8/layout/hierarchy1"/>
-    <dgm:cxn modelId="{5A3A6467-71B3-49A5-B692-8810E62F8C72}" type="presParOf" srcId="{E81FED5D-FEC2-4B85-B411-6E6378C9ECFC}" destId="{CD5D8070-5048-4156-B5D0-186EBC331E38}" srcOrd="2" destOrd="0" presId="urn:microsoft.com/office/officeart/2005/8/layout/hierarchy1"/>
+    <dgm:cxn modelId="{5A3A6467-71B3-49A5-B692-8810E62F8C72}" type="presParOf" srcId="{E81FED5D-FEC2-4B85-B411-6E6378C9ECFC}" destId="{CD5D8070-5048-4156-B5D0-186EBC331E38}" srcOrd="3" destOrd="0" presId="urn:microsoft.com/office/officeart/2005/8/layout/hierarchy1"/>
     <dgm:cxn modelId="{6B0370F7-4F7C-48EC-9890-338390439C3F}" type="presParOf" srcId="{CD5D8070-5048-4156-B5D0-186EBC331E38}" destId="{28DDCD37-5951-48C5-BD58-4A5E1ED39CD5}" srcOrd="0" destOrd="0" presId="urn:microsoft.com/office/officeart/2005/8/layout/hierarchy1"/>
     <dgm:cxn modelId="{AB644E59-D686-4E48-B197-0E314F3C3B4B}" type="presParOf" srcId="{28DDCD37-5951-48C5-BD58-4A5E1ED39CD5}" destId="{C49FF07B-2507-4FF3-AF28-04F4AA9FF619}" srcOrd="0" destOrd="0" presId="urn:microsoft.com/office/officeart/2005/8/layout/hierarchy1"/>
     <dgm:cxn modelId="{993C435B-3F58-453F-A6EE-0A9F33BC254A}" type="presParOf" srcId="{28DDCD37-5951-48C5-BD58-4A5E1ED39CD5}" destId="{27599751-8180-43B0-939A-ED715752A627}" srcOrd="1" destOrd="0" presId="urn:microsoft.com/office/officeart/2005/8/layout/hierarchy1"/>
     <dgm:cxn modelId="{D7691522-4B4C-4071-B5CB-4A192E17F72A}" type="presParOf" srcId="{CD5D8070-5048-4156-B5D0-186EBC331E38}" destId="{36514F0A-FE4D-4A1A-A6BC-B2C9E51F9095}" srcOrd="1" destOrd="0" presId="urn:microsoft.com/office/officeart/2005/8/layout/hierarchy1"/>
-    <dgm:cxn modelId="{2289F9DE-3C03-4CE4-ADEE-AAC6E2266499}" type="presParOf" srcId="{E81FED5D-FEC2-4B85-B411-6E6378C9ECFC}" destId="{B9AAA665-471B-4A94-9CE5-E9DF050DCB73}" srcOrd="3" destOrd="0" presId="urn:microsoft.com/office/officeart/2005/8/layout/hierarchy1"/>
+    <dgm:cxn modelId="{2289F9DE-3C03-4CE4-ADEE-AAC6E2266499}" type="presParOf" srcId="{E81FED5D-FEC2-4B85-B411-6E6378C9ECFC}" destId="{B9AAA665-471B-4A94-9CE5-E9DF050DCB73}" srcOrd="4" destOrd="0" presId="urn:microsoft.com/office/officeart/2005/8/layout/hierarchy1"/>
     <dgm:cxn modelId="{5441116D-0B39-4521-A1FE-989EA02BF3D3}" type="presParOf" srcId="{B9AAA665-471B-4A94-9CE5-E9DF050DCB73}" destId="{BDA9D9BF-D64C-4393-8A35-D6294C31297D}" srcOrd="0" destOrd="0" presId="urn:microsoft.com/office/officeart/2005/8/layout/hierarchy1"/>
     <dgm:cxn modelId="{51F38502-DBDE-4800-9BA4-186DA05131A2}" type="presParOf" srcId="{BDA9D9BF-D64C-4393-8A35-D6294C31297D}" destId="{76AD91D2-9A54-42E6-AF05-1785B82A220B}" srcOrd="0" destOrd="0" presId="urn:microsoft.com/office/officeart/2005/8/layout/hierarchy1"/>
     <dgm:cxn modelId="{0FC514F0-DD94-42DD-926C-2F6415F23ED8}" type="presParOf" srcId="{BDA9D9BF-D64C-4393-8A35-D6294C31297D}" destId="{710371AC-6C9E-49C4-AEA7-44D21B5917EE}" srcOrd="1" destOrd="0" presId="urn:microsoft.com/office/officeart/2005/8/layout/hierarchy1"/>
     <dgm:cxn modelId="{E15DE6FD-14A5-40F2-A0E7-7BC734BAD5EE}" type="presParOf" srcId="{B9AAA665-471B-4A94-9CE5-E9DF050DCB73}" destId="{B2E10318-C256-4F2E-8050-86B33063D915}" srcOrd="1" destOrd="0" presId="urn:microsoft.com/office/officeart/2005/8/layout/hierarchy1"/>
-    <dgm:cxn modelId="{CBC9566A-9922-48A1-BA4F-D0090DAC3B77}" type="presParOf" srcId="{E81FED5D-FEC2-4B85-B411-6E6378C9ECFC}" destId="{9BED8935-1633-427E-A290-C103E7E5B7B8}" srcOrd="4" destOrd="0" presId="urn:microsoft.com/office/officeart/2005/8/layout/hierarchy1"/>
+    <dgm:cxn modelId="{CBC9566A-9922-48A1-BA4F-D0090DAC3B77}" type="presParOf" srcId="{E81FED5D-FEC2-4B85-B411-6E6378C9ECFC}" destId="{9BED8935-1633-427E-A290-C103E7E5B7B8}" srcOrd="5" destOrd="0" presId="urn:microsoft.com/office/officeart/2005/8/layout/hierarchy1"/>
     <dgm:cxn modelId="{70EB7C48-0553-4CF6-8B33-89F3757BBDD5}" type="presParOf" srcId="{9BED8935-1633-427E-A290-C103E7E5B7B8}" destId="{704B148F-F6B0-416E-B2BE-8F7EBE817D85}" srcOrd="0" destOrd="0" presId="urn:microsoft.com/office/officeart/2005/8/layout/hierarchy1"/>
     <dgm:cxn modelId="{D5F0D85E-D706-4399-B950-149260F5BE0B}" type="presParOf" srcId="{704B148F-F6B0-416E-B2BE-8F7EBE817D85}" destId="{79A3D704-D9C3-4B98-93F6-663BDBD175D0}" srcOrd="0" destOrd="0" presId="urn:microsoft.com/office/officeart/2005/8/layout/hierarchy1"/>
     <dgm:cxn modelId="{C713C8CB-6E36-4469-AADD-DC00F4916E87}" type="presParOf" srcId="{704B148F-F6B0-416E-B2BE-8F7EBE817D85}" destId="{EDD6A6B4-EC96-44F3-BDB4-38788D41F88B}" srcOrd="1" destOrd="0" presId="urn:microsoft.com/office/officeart/2005/8/layout/hierarchy1"/>
     <dgm:cxn modelId="{DF32A5B1-EEA5-4135-AB33-9A0F1F7D3B96}" type="presParOf" srcId="{9BED8935-1633-427E-A290-C103E7E5B7B8}" destId="{92DFDE40-4828-44EA-91FE-4E200450251B}" srcOrd="1" destOrd="0" presId="urn:microsoft.com/office/officeart/2005/8/layout/hierarchy1"/>
-    <dgm:cxn modelId="{4F8C6CF5-A73D-417A-A902-A2BE9F552FB4}" type="presParOf" srcId="{E81FED5D-FEC2-4B85-B411-6E6378C9ECFC}" destId="{8915D20B-B6FE-425B-8110-5560CE1E1E2A}" srcOrd="5" destOrd="0" presId="urn:microsoft.com/office/officeart/2005/8/layout/hierarchy1"/>
+    <dgm:cxn modelId="{4F8C6CF5-A73D-417A-A902-A2BE9F552FB4}" type="presParOf" srcId="{E81FED5D-FEC2-4B85-B411-6E6378C9ECFC}" destId="{8915D20B-B6FE-425B-8110-5560CE1E1E2A}" srcOrd="6" destOrd="0" presId="urn:microsoft.com/office/officeart/2005/8/layout/hierarchy1"/>
     <dgm:cxn modelId="{9B325AAF-3E0C-46F5-AD28-5117F15A0DB3}" type="presParOf" srcId="{8915D20B-B6FE-425B-8110-5560CE1E1E2A}" destId="{6AC32E17-4359-4E78-BABA-2D33D8684F77}" srcOrd="0" destOrd="0" presId="urn:microsoft.com/office/officeart/2005/8/layout/hierarchy1"/>
     <dgm:cxn modelId="{651C6D7B-5547-4CEF-A6C8-6832A246EB5E}" type="presParOf" srcId="{6AC32E17-4359-4E78-BABA-2D33D8684F77}" destId="{69BDA2C1-BF2D-4DBF-944E-44B1028474DF}" srcOrd="0" destOrd="0" presId="urn:microsoft.com/office/officeart/2005/8/layout/hierarchy1"/>
     <dgm:cxn modelId="{8D5566A1-1607-483F-8F3F-C084104EE455}" type="presParOf" srcId="{6AC32E17-4359-4E78-BABA-2D33D8684F77}" destId="{2A9C50DB-3AA8-4FF7-85EA-5DC917DFD0D1}" srcOrd="1" destOrd="0" presId="urn:microsoft.com/office/officeart/2005/8/layout/hierarchy1"/>
     <dgm:cxn modelId="{8B7BDCAB-AC56-4F4E-BA20-E7BDC2800D98}" type="presParOf" srcId="{8915D20B-B6FE-425B-8110-5560CE1E1E2A}" destId="{481FA4E7-69D9-42F1-A638-6CD35B046866}" srcOrd="1" destOrd="0" presId="urn:microsoft.com/office/officeart/2005/8/layout/hierarchy1"/>
+    <dgm:cxn modelId="{2C17865A-06C5-4C71-B9F5-FCC28FFF0FD0}" type="presParOf" srcId="{E81FED5D-FEC2-4B85-B411-6E6378C9ECFC}" destId="{10A4D675-7694-452B-A846-21719CD4C039}" srcOrd="7" destOrd="0" presId="urn:microsoft.com/office/officeart/2005/8/layout/hierarchy1"/>
+    <dgm:cxn modelId="{A02B8EEE-BABE-4B4D-A40A-FA6224E49B9A}" type="presParOf" srcId="{10A4D675-7694-452B-A846-21719CD4C039}" destId="{9F1270E0-F0C2-45C7-AD8D-A88C0FD3C31D}" srcOrd="0" destOrd="0" presId="urn:microsoft.com/office/officeart/2005/8/layout/hierarchy1"/>
+    <dgm:cxn modelId="{ADA38B92-3438-4615-82F0-CA65800D0370}" type="presParOf" srcId="{9F1270E0-F0C2-45C7-AD8D-A88C0FD3C31D}" destId="{0905A0E5-DC1B-4B10-A812-5A78B807D25D}" srcOrd="0" destOrd="0" presId="urn:microsoft.com/office/officeart/2005/8/layout/hierarchy1"/>
+    <dgm:cxn modelId="{022A57A5-6399-4C6A-A650-9F61A21DB36E}" type="presParOf" srcId="{9F1270E0-F0C2-45C7-AD8D-A88C0FD3C31D}" destId="{C5166D1D-EBBA-4198-AFE9-5C687F8DCEAB}" srcOrd="1" destOrd="0" presId="urn:microsoft.com/office/officeart/2005/8/layout/hierarchy1"/>
+    <dgm:cxn modelId="{E5E1D1A4-4352-4063-B5AE-4D1272ADD436}" type="presParOf" srcId="{10A4D675-7694-452B-A846-21719CD4C039}" destId="{D43E2E50-0E54-4C94-98EF-9EDFD4634D82}" srcOrd="1" destOrd="0" presId="urn:microsoft.com/office/officeart/2005/8/layout/hierarchy1"/>
   </dgm:cxnLst>
   <dgm:bg/>
   <dgm:whole/>
@@ -8699,8 +9005,8 @@
       </dsp:nvSpPr>
       <dsp:spPr>
         <a:xfrm>
-          <a:off x="0" y="38778"/>
-          <a:ext cx="6787747" cy="547559"/>
+          <a:off x="0" y="84408"/>
+          <a:ext cx="6787747" cy="456300"/>
         </a:xfrm>
         <a:prstGeom prst="roundRect">
           <a:avLst/>
@@ -8742,12 +9048,12 @@
         </a:fontRef>
       </dsp:style>
       <dsp:txBody>
-        <a:bodyPr spcFirstLastPara="0" vert="horz" wrap="square" lIns="91440" tIns="91440" rIns="91440" bIns="91440" numCol="1" spcCol="1270" anchor="ctr" anchorCtr="0">
+        <a:bodyPr spcFirstLastPara="0" vert="horz" wrap="square" lIns="76200" tIns="76200" rIns="76200" bIns="76200" numCol="1" spcCol="1270" anchor="ctr" anchorCtr="0">
           <a:noAutofit/>
         </a:bodyPr>
         <a:lstStyle/>
         <a:p>
-          <a:pPr marL="0" lvl="0" indent="0" algn="l" defTabSz="1066800">
+          <a:pPr marL="0" lvl="0" indent="0" algn="l" defTabSz="889000">
             <a:lnSpc>
               <a:spcPct val="90000"/>
             </a:lnSpc>
@@ -8760,15 +9066,15 @@
             <a:buNone/>
           </a:pPr>
           <a:r>
-            <a:rPr lang="fr-FR" sz="2400" b="1" i="0" kern="1200" dirty="0"/>
+            <a:rPr lang="fr-FR" sz="2000" b="1" i="0" kern="1200" dirty="0"/>
             <a:t>Introduction</a:t>
           </a:r>
-          <a:endParaRPr lang="en-US" sz="2400" kern="1200" dirty="0"/>
+          <a:endParaRPr lang="en-US" sz="2000" kern="1200" dirty="0"/>
         </a:p>
       </dsp:txBody>
       <dsp:txXfrm>
-        <a:off x="26730" y="65508"/>
-        <a:ext cx="6734287" cy="494099"/>
+        <a:off x="22275" y="106683"/>
+        <a:ext cx="6743197" cy="411750"/>
       </dsp:txXfrm>
     </dsp:sp>
     <dsp:sp modelId="{315B64A5-FF7E-4708-B3F2-E05C1721A2AB}">
@@ -8778,8 +9084,8 @@
       </dsp:nvSpPr>
       <dsp:spPr>
         <a:xfrm>
-          <a:off x="0" y="655458"/>
-          <a:ext cx="6787747" cy="547559"/>
+          <a:off x="0" y="598308"/>
+          <a:ext cx="6787747" cy="456300"/>
         </a:xfrm>
         <a:prstGeom prst="roundRect">
           <a:avLst/>
@@ -8821,12 +9127,12 @@
         </a:fontRef>
       </dsp:style>
       <dsp:txBody>
-        <a:bodyPr spcFirstLastPara="0" vert="horz" wrap="square" lIns="91440" tIns="91440" rIns="91440" bIns="91440" numCol="1" spcCol="1270" anchor="ctr" anchorCtr="0">
+        <a:bodyPr spcFirstLastPara="0" vert="horz" wrap="square" lIns="76200" tIns="76200" rIns="76200" bIns="76200" numCol="1" spcCol="1270" anchor="ctr" anchorCtr="0">
           <a:noAutofit/>
         </a:bodyPr>
         <a:lstStyle/>
         <a:p>
-          <a:pPr marL="0" lvl="0" indent="0" algn="l" defTabSz="1066800">
+          <a:pPr marL="0" lvl="0" indent="0" algn="l" defTabSz="889000">
             <a:lnSpc>
               <a:spcPct val="90000"/>
             </a:lnSpc>
@@ -8839,15 +9145,15 @@
             <a:buNone/>
           </a:pPr>
           <a:r>
-            <a:rPr lang="fr-FR" sz="2400" b="1" i="0" kern="1200" dirty="0"/>
+            <a:rPr lang="fr-FR" sz="2000" b="1" i="0" kern="1200" dirty="0"/>
             <a:t>Choix technologiques</a:t>
           </a:r>
-          <a:endParaRPr lang="en-US" sz="2400" kern="1200" dirty="0"/>
+          <a:endParaRPr lang="en-US" sz="2000" kern="1200" dirty="0"/>
         </a:p>
       </dsp:txBody>
       <dsp:txXfrm>
-        <a:off x="26730" y="682188"/>
-        <a:ext cx="6734287" cy="494099"/>
+        <a:off x="22275" y="620583"/>
+        <a:ext cx="6743197" cy="411750"/>
       </dsp:txXfrm>
     </dsp:sp>
     <dsp:sp modelId="{E433919C-8BBD-4347-ABF1-9FE97577B89C}">
@@ -8857,8 +9163,8 @@
       </dsp:nvSpPr>
       <dsp:spPr>
         <a:xfrm>
-          <a:off x="0" y="1272138"/>
-          <a:ext cx="6787747" cy="547559"/>
+          <a:off x="0" y="1112208"/>
+          <a:ext cx="6787747" cy="456300"/>
         </a:xfrm>
         <a:prstGeom prst="roundRect">
           <a:avLst/>
@@ -8900,12 +9206,12 @@
         </a:fontRef>
       </dsp:style>
       <dsp:txBody>
-        <a:bodyPr spcFirstLastPara="0" vert="horz" wrap="square" lIns="91440" tIns="91440" rIns="91440" bIns="91440" numCol="1" spcCol="1270" anchor="ctr" anchorCtr="0">
+        <a:bodyPr spcFirstLastPara="0" vert="horz" wrap="square" lIns="76200" tIns="76200" rIns="76200" bIns="76200" numCol="1" spcCol="1270" anchor="ctr" anchorCtr="0">
           <a:noAutofit/>
         </a:bodyPr>
         <a:lstStyle/>
         <a:p>
-          <a:pPr marL="0" lvl="0" indent="0" algn="l" defTabSz="1066800">
+          <a:pPr marL="0" lvl="0" indent="0" algn="l" defTabSz="889000">
             <a:lnSpc>
               <a:spcPct val="90000"/>
             </a:lnSpc>
@@ -8918,15 +9224,15 @@
             <a:buNone/>
           </a:pPr>
           <a:r>
-            <a:rPr lang="fr-FR" sz="2400" b="1" i="0" kern="1200" dirty="0"/>
+            <a:rPr lang="fr-FR" sz="2000" b="1" i="0" kern="1200" dirty="0"/>
             <a:t>Infrastructure</a:t>
           </a:r>
-          <a:endParaRPr lang="en-US" sz="2400" kern="1200" dirty="0"/>
+          <a:endParaRPr lang="en-US" sz="2000" kern="1200" dirty="0"/>
         </a:p>
       </dsp:txBody>
       <dsp:txXfrm>
-        <a:off x="26730" y="1298868"/>
-        <a:ext cx="6734287" cy="494099"/>
+        <a:off x="22275" y="1134483"/>
+        <a:ext cx="6743197" cy="411750"/>
       </dsp:txXfrm>
     </dsp:sp>
     <dsp:sp modelId="{E3B8C489-9E09-41A8-A457-01D3CFF7E77A}">
@@ -8936,8 +9242,8 @@
       </dsp:nvSpPr>
       <dsp:spPr>
         <a:xfrm>
-          <a:off x="0" y="1888818"/>
-          <a:ext cx="6787747" cy="547559"/>
+          <a:off x="0" y="1626108"/>
+          <a:ext cx="6787747" cy="456300"/>
         </a:xfrm>
         <a:prstGeom prst="roundRect">
           <a:avLst/>
@@ -8979,12 +9285,12 @@
         </a:fontRef>
       </dsp:style>
       <dsp:txBody>
-        <a:bodyPr spcFirstLastPara="0" vert="horz" wrap="square" lIns="91440" tIns="91440" rIns="91440" bIns="91440" numCol="1" spcCol="1270" anchor="ctr" anchorCtr="0">
+        <a:bodyPr spcFirstLastPara="0" vert="horz" wrap="square" lIns="76200" tIns="76200" rIns="76200" bIns="76200" numCol="1" spcCol="1270" anchor="ctr" anchorCtr="0">
           <a:noAutofit/>
         </a:bodyPr>
         <a:lstStyle/>
         <a:p>
-          <a:pPr marL="0" lvl="0" indent="0" algn="l" defTabSz="1066800">
+          <a:pPr marL="0" lvl="0" indent="0" algn="l" defTabSz="889000">
             <a:lnSpc>
               <a:spcPct val="90000"/>
             </a:lnSpc>
@@ -8997,18 +9303,18 @@
             <a:buNone/>
           </a:pPr>
           <a:r>
-            <a:rPr lang="en-US" sz="2400" kern="1200" dirty="0" err="1"/>
+            <a:rPr lang="en-US" sz="2000" kern="1200" dirty="0" err="1"/>
             <a:t>Versionning</a:t>
           </a:r>
           <a:r>
-            <a:rPr lang="en-US" sz="2400" kern="1200" dirty="0"/>
-            <a:t> | Ticketing</a:t>
+            <a:rPr lang="en-US" sz="2000" kern="1200" dirty="0"/>
+            <a:t> | Ticketing | Wiki</a:t>
           </a:r>
         </a:p>
       </dsp:txBody>
       <dsp:txXfrm>
-        <a:off x="26730" y="1915548"/>
-        <a:ext cx="6734287" cy="494099"/>
+        <a:off x="22275" y="1648383"/>
+        <a:ext cx="6743197" cy="411750"/>
       </dsp:txXfrm>
     </dsp:sp>
     <dsp:sp modelId="{AC404EB9-7F99-4B0D-8901-98F030972019}">
@@ -9018,8 +9324,8 @@
       </dsp:nvSpPr>
       <dsp:spPr>
         <a:xfrm>
-          <a:off x="0" y="2505498"/>
-          <a:ext cx="6787747" cy="547559"/>
+          <a:off x="0" y="2140008"/>
+          <a:ext cx="6787747" cy="456300"/>
         </a:xfrm>
         <a:prstGeom prst="roundRect">
           <a:avLst/>
@@ -9061,12 +9367,12 @@
         </a:fontRef>
       </dsp:style>
       <dsp:txBody>
-        <a:bodyPr spcFirstLastPara="0" vert="horz" wrap="square" lIns="91440" tIns="91440" rIns="91440" bIns="91440" numCol="1" spcCol="1270" anchor="ctr" anchorCtr="0">
+        <a:bodyPr spcFirstLastPara="0" vert="horz" wrap="square" lIns="76200" tIns="76200" rIns="76200" bIns="76200" numCol="1" spcCol="1270" anchor="ctr" anchorCtr="0">
           <a:noAutofit/>
         </a:bodyPr>
         <a:lstStyle/>
         <a:p>
-          <a:pPr marL="0" lvl="0" indent="0" algn="l" defTabSz="1066800">
+          <a:pPr marL="0" lvl="0" indent="0" algn="l" defTabSz="889000">
             <a:lnSpc>
               <a:spcPct val="90000"/>
             </a:lnSpc>
@@ -9079,18 +9385,18 @@
             <a:buNone/>
           </a:pPr>
           <a:r>
-            <a:rPr lang="en-US" sz="2400" kern="1200" dirty="0" err="1"/>
+            <a:rPr lang="en-US" sz="2000" kern="1200" dirty="0" err="1"/>
             <a:t>Déploiement</a:t>
           </a:r>
           <a:r>
-            <a:rPr lang="en-US" sz="2400" kern="1200" dirty="0"/>
+            <a:rPr lang="en-US" sz="2000" kern="1200" dirty="0"/>
             <a:t>| Tests</a:t>
           </a:r>
         </a:p>
       </dsp:txBody>
       <dsp:txXfrm>
-        <a:off x="26730" y="2532228"/>
-        <a:ext cx="6734287" cy="494099"/>
+        <a:off x="22275" y="2162283"/>
+        <a:ext cx="6743197" cy="411750"/>
       </dsp:txXfrm>
     </dsp:sp>
     <dsp:sp modelId="{F1881CE8-0E81-4FA2-AEF4-5FA05B8D2AED}">
@@ -9100,8 +9406,8 @@
       </dsp:nvSpPr>
       <dsp:spPr>
         <a:xfrm>
-          <a:off x="0" y="3122178"/>
-          <a:ext cx="6787747" cy="547559"/>
+          <a:off x="0" y="2653908"/>
+          <a:ext cx="6787747" cy="456300"/>
         </a:xfrm>
         <a:prstGeom prst="roundRect">
           <a:avLst/>
@@ -9143,12 +9449,12 @@
         </a:fontRef>
       </dsp:style>
       <dsp:txBody>
-        <a:bodyPr spcFirstLastPara="0" vert="horz" wrap="square" lIns="91440" tIns="91440" rIns="91440" bIns="91440" numCol="1" spcCol="1270" anchor="ctr" anchorCtr="0">
+        <a:bodyPr spcFirstLastPara="0" vert="horz" wrap="square" lIns="76200" tIns="76200" rIns="76200" bIns="76200" numCol="1" spcCol="1270" anchor="ctr" anchorCtr="0">
           <a:noAutofit/>
         </a:bodyPr>
         <a:lstStyle/>
         <a:p>
-          <a:pPr marL="0" lvl="0" indent="0" algn="l" defTabSz="1066800">
+          <a:pPr marL="0" lvl="0" indent="0" algn="l" defTabSz="889000">
             <a:lnSpc>
               <a:spcPct val="90000"/>
             </a:lnSpc>
@@ -9161,15 +9467,97 @@
             <a:buNone/>
           </a:pPr>
           <a:r>
-            <a:rPr lang="en-US" sz="2400" kern="1200" dirty="0" err="1"/>
+            <a:rPr lang="en-US" sz="2000" kern="1200" dirty="0" err="1"/>
             <a:t>Sécurité</a:t>
           </a:r>
-          <a:endParaRPr lang="en-US" sz="2400" kern="1200" dirty="0"/>
+          <a:endParaRPr lang="en-US" sz="2000" kern="1200" dirty="0"/>
         </a:p>
       </dsp:txBody>
       <dsp:txXfrm>
-        <a:off x="26730" y="3148908"/>
-        <a:ext cx="6734287" cy="494099"/>
+        <a:off x="22275" y="2676183"/>
+        <a:ext cx="6743197" cy="411750"/>
+      </dsp:txXfrm>
+    </dsp:sp>
+    <dsp:sp modelId="{E45D28CB-5D9E-4440-837D-65A6AF0EDE4F}">
+      <dsp:nvSpPr>
+        <dsp:cNvPr id="0" name=""/>
+        <dsp:cNvSpPr/>
+      </dsp:nvSpPr>
+      <dsp:spPr>
+        <a:xfrm>
+          <a:off x="0" y="3167808"/>
+          <a:ext cx="6787747" cy="456300"/>
+        </a:xfrm>
+        <a:prstGeom prst="roundRect">
+          <a:avLst/>
+        </a:prstGeom>
+        <a:solidFill>
+          <a:schemeClr val="accent3">
+            <a:hueOff val="0"/>
+            <a:satOff val="0"/>
+            <a:lumOff val="0"/>
+            <a:alphaOff val="0"/>
+          </a:schemeClr>
+        </a:solidFill>
+        <a:ln w="12700" cap="flat" cmpd="sng" algn="ctr">
+          <a:solidFill>
+            <a:schemeClr val="lt1">
+              <a:hueOff val="0"/>
+              <a:satOff val="0"/>
+              <a:lumOff val="0"/>
+              <a:alphaOff val="0"/>
+            </a:schemeClr>
+          </a:solidFill>
+          <a:prstDash val="solid"/>
+          <a:miter lim="800000"/>
+        </a:ln>
+        <a:effectLst/>
+      </dsp:spPr>
+      <dsp:style>
+        <a:lnRef idx="2">
+          <a:scrgbClr r="0" g="0" b="0"/>
+        </a:lnRef>
+        <a:fillRef idx="1">
+          <a:scrgbClr r="0" g="0" b="0"/>
+        </a:fillRef>
+        <a:effectRef idx="0">
+          <a:scrgbClr r="0" g="0" b="0"/>
+        </a:effectRef>
+        <a:fontRef idx="minor">
+          <a:schemeClr val="lt1"/>
+        </a:fontRef>
+      </dsp:style>
+      <dsp:txBody>
+        <a:bodyPr spcFirstLastPara="0" vert="horz" wrap="square" lIns="76200" tIns="76200" rIns="76200" bIns="76200" numCol="1" spcCol="1270" anchor="ctr" anchorCtr="0">
+          <a:noAutofit/>
+        </a:bodyPr>
+        <a:lstStyle/>
+        <a:p>
+          <a:pPr marL="0" lvl="0" indent="0" algn="l" defTabSz="889000">
+            <a:lnSpc>
+              <a:spcPct val="90000"/>
+            </a:lnSpc>
+            <a:spcBef>
+              <a:spcPct val="0"/>
+            </a:spcBef>
+            <a:spcAft>
+              <a:spcPct val="35000"/>
+            </a:spcAft>
+            <a:buNone/>
+          </a:pPr>
+          <a:r>
+            <a:rPr lang="en-US" sz="2000" kern="1200" dirty="0" err="1"/>
+            <a:t>Présentation</a:t>
+          </a:r>
+          <a:r>
+            <a:rPr lang="en-US" sz="2000" kern="1200" dirty="0"/>
+            <a:t> CI/CD</a:t>
+          </a:r>
+        </a:p>
+      </dsp:txBody>
+      <dsp:txXfrm>
+        <a:off x="22275" y="3190083"/>
+        <a:ext cx="6743197" cy="411750"/>
       </dsp:txXfrm>
     </dsp:sp>
   </dsp:spTree>
@@ -11612,8 +12000,8 @@
       </dsp:nvSpPr>
       <dsp:spPr>
         <a:xfrm>
-          <a:off x="3214" y="968476"/>
-          <a:ext cx="2295286" cy="1457507"/>
+          <a:off x="3750" y="1141668"/>
+          <a:ext cx="1827549" cy="1160494"/>
         </a:xfrm>
         <a:prstGeom prst="roundRect">
           <a:avLst>
@@ -11691,8 +12079,8 @@
       </dsp:nvSpPr>
       <dsp:spPr>
         <a:xfrm>
-          <a:off x="258246" y="1210756"/>
-          <a:ext cx="2295286" cy="1457507"/>
+          <a:off x="206811" y="1334576"/>
+          <a:ext cx="1827549" cy="1160494"/>
         </a:xfrm>
         <a:prstGeom prst="roundRect">
           <a:avLst>
@@ -11735,12 +12123,12 @@
         <a:fontRef idx="minor"/>
       </dsp:style>
       <dsp:txBody>
-        <a:bodyPr spcFirstLastPara="0" vert="horz" wrap="square" lIns="91440" tIns="91440" rIns="91440" bIns="91440" numCol="1" spcCol="1270" anchor="ctr" anchorCtr="0">
+        <a:bodyPr spcFirstLastPara="0" vert="horz" wrap="square" lIns="72390" tIns="72390" rIns="72390" bIns="72390" numCol="1" spcCol="1270" anchor="ctr" anchorCtr="0">
           <a:noAutofit/>
         </a:bodyPr>
         <a:lstStyle/>
         <a:p>
-          <a:pPr marL="0" lvl="0" indent="0" algn="ctr" defTabSz="1066800">
+          <a:pPr marL="0" lvl="0" indent="0" algn="ctr" defTabSz="844550">
             <a:lnSpc>
               <a:spcPct val="90000"/>
             </a:lnSpc>
@@ -11753,15 +12141,15 @@
             <a:buNone/>
           </a:pPr>
           <a:r>
-            <a:rPr lang="fr-FR" sz="2400" b="1" i="0" kern="1200"/>
+            <a:rPr lang="fr-FR" sz="1900" b="1" i="0" kern="1200"/>
             <a:t>Fail2Ban</a:t>
           </a:r>
-          <a:endParaRPr lang="en-US" sz="2400" kern="1200"/>
+          <a:endParaRPr lang="en-US" sz="1900" kern="1200"/>
         </a:p>
       </dsp:txBody>
       <dsp:txXfrm>
-        <a:off x="300935" y="1253445"/>
-        <a:ext cx="2209908" cy="1372129"/>
+        <a:off x="240801" y="1368566"/>
+        <a:ext cx="1759569" cy="1092514"/>
       </dsp:txXfrm>
     </dsp:sp>
     <dsp:sp modelId="{2E37B2E1-8695-417F-A9C3-4FB9AAAC2ABE}">
@@ -11771,8 +12159,8 @@
       </dsp:nvSpPr>
       <dsp:spPr>
         <a:xfrm>
-          <a:off x="2808565" y="968476"/>
-          <a:ext cx="2295286" cy="1457507"/>
+          <a:off x="2237422" y="1141668"/>
+          <a:ext cx="1827549" cy="1160494"/>
         </a:xfrm>
         <a:prstGeom prst="roundRect">
           <a:avLst>
@@ -11850,8 +12238,8 @@
       </dsp:nvSpPr>
       <dsp:spPr>
         <a:xfrm>
-          <a:off x="3063597" y="1210756"/>
-          <a:ext cx="2295286" cy="1457507"/>
+          <a:off x="2440483" y="1334576"/>
+          <a:ext cx="1827549" cy="1160494"/>
         </a:xfrm>
         <a:prstGeom prst="roundRect">
           <a:avLst>
@@ -11894,12 +12282,12 @@
         <a:fontRef idx="minor"/>
       </dsp:style>
       <dsp:txBody>
-        <a:bodyPr spcFirstLastPara="0" vert="horz" wrap="square" lIns="91440" tIns="91440" rIns="91440" bIns="91440" numCol="1" spcCol="1270" anchor="ctr" anchorCtr="0">
+        <a:bodyPr spcFirstLastPara="0" vert="horz" wrap="square" lIns="72390" tIns="72390" rIns="72390" bIns="72390" numCol="1" spcCol="1270" anchor="ctr" anchorCtr="0">
           <a:noAutofit/>
         </a:bodyPr>
         <a:lstStyle/>
         <a:p>
-          <a:pPr marL="0" lvl="0" indent="0" algn="ctr" defTabSz="1066800">
+          <a:pPr marL="0" lvl="0" indent="0" algn="ctr" defTabSz="844550">
             <a:lnSpc>
               <a:spcPct val="90000"/>
             </a:lnSpc>
@@ -11912,15 +12300,23 @@
             <a:buNone/>
           </a:pPr>
           <a:r>
-            <a:rPr lang="fr-FR" sz="2400" b="1" i="0" kern="1200" dirty="0"/>
-            <a:t>Firewall (restriction des ports)</a:t>
+            <a:rPr lang="fr-FR" sz="1900" b="1" i="0" kern="1200" dirty="0"/>
+            <a:t>Firewall (SG/</a:t>
           </a:r>
-          <a:endParaRPr lang="en-US" sz="2400" kern="1200" dirty="0"/>
+          <a:r>
+            <a:rPr lang="fr-FR" sz="1900" b="1" i="0" kern="1200" dirty="0" err="1"/>
+            <a:t>cloudflare</a:t>
+          </a:r>
+          <a:r>
+            <a:rPr lang="fr-FR" sz="1900" b="1" i="0" kern="1200" dirty="0"/>
+            <a:t>)</a:t>
+          </a:r>
+          <a:endParaRPr lang="en-US" sz="1900" kern="1200" dirty="0"/>
         </a:p>
       </dsp:txBody>
       <dsp:txXfrm>
-        <a:off x="3106286" y="1253445"/>
-        <a:ext cx="2209908" cy="1372129"/>
+        <a:off x="2474473" y="1368566"/>
+        <a:ext cx="1759569" cy="1092514"/>
       </dsp:txXfrm>
     </dsp:sp>
     <dsp:sp modelId="{899F2941-28B0-4220-AF53-6969241BA7CB}">
@@ -11930,8 +12326,8 @@
       </dsp:nvSpPr>
       <dsp:spPr>
         <a:xfrm>
-          <a:off x="5613915" y="968476"/>
-          <a:ext cx="2295286" cy="1457507"/>
+          <a:off x="4471094" y="1141668"/>
+          <a:ext cx="1827549" cy="1160494"/>
         </a:xfrm>
         <a:prstGeom prst="roundRect">
           <a:avLst>
@@ -12009,8 +12405,8 @@
       </dsp:nvSpPr>
       <dsp:spPr>
         <a:xfrm>
-          <a:off x="5868947" y="1210756"/>
-          <a:ext cx="2295286" cy="1457507"/>
+          <a:off x="4674155" y="1334576"/>
+          <a:ext cx="1827549" cy="1160494"/>
         </a:xfrm>
         <a:prstGeom prst="roundRect">
           <a:avLst>
@@ -12053,12 +12449,12 @@
         <a:fontRef idx="minor"/>
       </dsp:style>
       <dsp:txBody>
-        <a:bodyPr spcFirstLastPara="0" vert="horz" wrap="square" lIns="91440" tIns="91440" rIns="91440" bIns="91440" numCol="1" spcCol="1270" anchor="ctr" anchorCtr="0">
+        <a:bodyPr spcFirstLastPara="0" vert="horz" wrap="square" lIns="72390" tIns="72390" rIns="72390" bIns="72390" numCol="1" spcCol="1270" anchor="ctr" anchorCtr="0">
           <a:noAutofit/>
         </a:bodyPr>
         <a:lstStyle/>
         <a:p>
-          <a:pPr marL="0" lvl="0" indent="0" algn="ctr" defTabSz="1066800">
+          <a:pPr marL="0" lvl="0" indent="0" algn="ctr" defTabSz="844550">
             <a:lnSpc>
               <a:spcPct val="90000"/>
             </a:lnSpc>
@@ -12071,31 +12467,23 @@
             <a:buNone/>
           </a:pPr>
           <a:r>
-            <a:rPr lang="en-US" sz="2400" kern="1200" dirty="0" err="1"/>
+            <a:rPr lang="en-US" sz="1900" b="1" kern="1200" dirty="0" err="1"/>
             <a:t>Connexion</a:t>
           </a:r>
           <a:r>
-            <a:rPr lang="en-US" sz="2400" kern="1200" dirty="0"/>
+            <a:rPr lang="en-US" sz="1900" b="1" kern="1200" dirty="0"/>
             <a:t> avec </a:t>
           </a:r>
           <a:r>
-            <a:rPr lang="en-US" sz="2400" kern="1200" dirty="0" err="1"/>
+            <a:rPr lang="en-US" sz="1900" b="1" kern="1200" dirty="0" err="1"/>
             <a:t>clés</a:t>
           </a:r>
-          <a:r>
-            <a:rPr lang="en-US" sz="2400" kern="1200" dirty="0"/>
-            <a:t> </a:t>
-          </a:r>
-          <a:r>
-            <a:rPr lang="en-US" sz="2400" kern="1200" dirty="0" err="1"/>
-            <a:t>asymmetriques</a:t>
-          </a:r>
-          <a:endParaRPr lang="en-US" sz="2400" kern="1200" dirty="0"/>
+          <a:endParaRPr lang="en-US" sz="1900" b="1" kern="1200" dirty="0"/>
         </a:p>
       </dsp:txBody>
       <dsp:txXfrm>
-        <a:off x="5911636" y="1253445"/>
-        <a:ext cx="2209908" cy="1372129"/>
+        <a:off x="4708145" y="1368566"/>
+        <a:ext cx="1759569" cy="1092514"/>
       </dsp:txXfrm>
     </dsp:sp>
     <dsp:sp modelId="{1945AC2A-89C3-4D3C-9E43-55B8AD5F5322}">
@@ -12105,8 +12493,8 @@
       </dsp:nvSpPr>
       <dsp:spPr>
         <a:xfrm>
-          <a:off x="8419266" y="968476"/>
-          <a:ext cx="2295286" cy="1457507"/>
+          <a:off x="6704766" y="1141668"/>
+          <a:ext cx="1827549" cy="1160494"/>
         </a:xfrm>
         <a:prstGeom prst="roundRect">
           <a:avLst>
@@ -12184,8 +12572,8 @@
       </dsp:nvSpPr>
       <dsp:spPr>
         <a:xfrm>
-          <a:off x="8674298" y="1210756"/>
-          <a:ext cx="2295286" cy="1457507"/>
+          <a:off x="6907827" y="1334576"/>
+          <a:ext cx="1827549" cy="1160494"/>
         </a:xfrm>
         <a:prstGeom prst="roundRect">
           <a:avLst>
@@ -12228,12 +12616,12 @@
         <a:fontRef idx="minor"/>
       </dsp:style>
       <dsp:txBody>
-        <a:bodyPr spcFirstLastPara="0" vert="horz" wrap="square" lIns="91440" tIns="91440" rIns="91440" bIns="91440" numCol="1" spcCol="1270" anchor="ctr" anchorCtr="0">
+        <a:bodyPr spcFirstLastPara="0" vert="horz" wrap="square" lIns="72390" tIns="72390" rIns="72390" bIns="72390" numCol="1" spcCol="1270" anchor="ctr" anchorCtr="0">
           <a:noAutofit/>
         </a:bodyPr>
         <a:lstStyle/>
         <a:p>
-          <a:pPr marL="0" lvl="0" indent="0" algn="ctr" defTabSz="1066800">
+          <a:pPr marL="0" lvl="0" indent="0" algn="ctr" defTabSz="844550">
             <a:lnSpc>
               <a:spcPct val="90000"/>
             </a:lnSpc>
@@ -12246,15 +12634,182 @@
             <a:buNone/>
           </a:pPr>
           <a:r>
-            <a:rPr lang="fr-FR" sz="2400" b="1" i="0" kern="1200" dirty="0"/>
+            <a:rPr lang="fr-FR" sz="1900" b="1" i="0" kern="1200" dirty="0"/>
             <a:t>Récupération des logs</a:t>
           </a:r>
-          <a:endParaRPr lang="en-US" sz="2400" kern="1200" dirty="0"/>
+          <a:endParaRPr lang="en-US" sz="1900" kern="1200" dirty="0"/>
         </a:p>
       </dsp:txBody>
       <dsp:txXfrm>
-        <a:off x="8716987" y="1253445"/>
-        <a:ext cx="2209908" cy="1372129"/>
+        <a:off x="6941817" y="1368566"/>
+        <a:ext cx="1759569" cy="1092514"/>
+      </dsp:txXfrm>
+    </dsp:sp>
+    <dsp:sp modelId="{AFA34129-992A-47EA-913F-5C5EAB3CBB13}">
+      <dsp:nvSpPr>
+        <dsp:cNvPr id="0" name=""/>
+        <dsp:cNvSpPr/>
+      </dsp:nvSpPr>
+      <dsp:spPr>
+        <a:xfrm>
+          <a:off x="8938438" y="1141668"/>
+          <a:ext cx="1827549" cy="1160494"/>
+        </a:xfrm>
+        <a:prstGeom prst="roundRect">
+          <a:avLst>
+            <a:gd name="adj" fmla="val 10000"/>
+          </a:avLst>
+        </a:prstGeom>
+        <a:gradFill rotWithShape="0">
+          <a:gsLst>
+            <a:gs pos="0">
+              <a:schemeClr val="accent1">
+                <a:hueOff val="0"/>
+                <a:satOff val="0"/>
+                <a:lumOff val="0"/>
+                <a:alphaOff val="0"/>
+                <a:satMod val="103000"/>
+                <a:lumMod val="102000"/>
+                <a:tint val="94000"/>
+              </a:schemeClr>
+            </a:gs>
+            <a:gs pos="50000">
+              <a:schemeClr val="accent1">
+                <a:hueOff val="0"/>
+                <a:satOff val="0"/>
+                <a:lumOff val="0"/>
+                <a:alphaOff val="0"/>
+                <a:satMod val="110000"/>
+                <a:lumMod val="100000"/>
+                <a:shade val="100000"/>
+              </a:schemeClr>
+            </a:gs>
+            <a:gs pos="100000">
+              <a:schemeClr val="accent1">
+                <a:hueOff val="0"/>
+                <a:satOff val="0"/>
+                <a:lumOff val="0"/>
+                <a:alphaOff val="0"/>
+                <a:lumMod val="99000"/>
+                <a:satMod val="120000"/>
+                <a:shade val="78000"/>
+              </a:schemeClr>
+            </a:gs>
+          </a:gsLst>
+          <a:lin ang="5400000" scaled="0"/>
+        </a:gradFill>
+        <a:ln>
+          <a:noFill/>
+        </a:ln>
+        <a:effectLst>
+          <a:outerShdw blurRad="57150" dist="19050" dir="5400000" algn="ctr" rotWithShape="0">
+            <a:srgbClr val="000000">
+              <a:alpha val="63000"/>
+            </a:srgbClr>
+          </a:outerShdw>
+        </a:effectLst>
+      </dsp:spPr>
+      <dsp:style>
+        <a:lnRef idx="0">
+          <a:scrgbClr r="0" g="0" b="0"/>
+        </a:lnRef>
+        <a:fillRef idx="3">
+          <a:scrgbClr r="0" g="0" b="0"/>
+        </a:fillRef>
+        <a:effectRef idx="3">
+          <a:scrgbClr r="0" g="0" b="0"/>
+        </a:effectRef>
+        <a:fontRef idx="minor">
+          <a:schemeClr val="lt1"/>
+        </a:fontRef>
+      </dsp:style>
+    </dsp:sp>
+    <dsp:sp modelId="{060828BD-DF34-459A-A5FE-6D56D13B3C6C}">
+      <dsp:nvSpPr>
+        <dsp:cNvPr id="0" name=""/>
+        <dsp:cNvSpPr/>
+      </dsp:nvSpPr>
+      <dsp:spPr>
+        <a:xfrm>
+          <a:off x="9141499" y="1334576"/>
+          <a:ext cx="1827549" cy="1160494"/>
+        </a:xfrm>
+        <a:prstGeom prst="roundRect">
+          <a:avLst>
+            <a:gd name="adj" fmla="val 10000"/>
+          </a:avLst>
+        </a:prstGeom>
+        <a:solidFill>
+          <a:schemeClr val="lt1">
+            <a:alpha val="90000"/>
+            <a:hueOff val="0"/>
+            <a:satOff val="0"/>
+            <a:lumOff val="0"/>
+            <a:alphaOff val="0"/>
+          </a:schemeClr>
+        </a:solidFill>
+        <a:ln w="6350" cap="flat" cmpd="sng" algn="ctr">
+          <a:solidFill>
+            <a:schemeClr val="accent1">
+              <a:hueOff val="0"/>
+              <a:satOff val="0"/>
+              <a:lumOff val="0"/>
+              <a:alphaOff val="0"/>
+            </a:schemeClr>
+          </a:solidFill>
+          <a:prstDash val="solid"/>
+          <a:miter lim="800000"/>
+        </a:ln>
+        <a:effectLst/>
+      </dsp:spPr>
+      <dsp:style>
+        <a:lnRef idx="1">
+          <a:scrgbClr r="0" g="0" b="0"/>
+        </a:lnRef>
+        <a:fillRef idx="1">
+          <a:scrgbClr r="0" g="0" b="0"/>
+        </a:fillRef>
+        <a:effectRef idx="2">
+          <a:scrgbClr r="0" g="0" b="0"/>
+        </a:effectRef>
+        <a:fontRef idx="minor"/>
+      </dsp:style>
+      <dsp:txBody>
+        <a:bodyPr spcFirstLastPara="0" vert="horz" wrap="square" lIns="72390" tIns="72390" rIns="72390" bIns="72390" numCol="1" spcCol="1270" anchor="ctr" anchorCtr="0">
+          <a:noAutofit/>
+        </a:bodyPr>
+        <a:lstStyle/>
+        <a:p>
+          <a:pPr marL="0" lvl="0" indent="0" algn="ctr" defTabSz="844550">
+            <a:lnSpc>
+              <a:spcPct val="90000"/>
+            </a:lnSpc>
+            <a:spcBef>
+              <a:spcPct val="0"/>
+            </a:spcBef>
+            <a:spcAft>
+              <a:spcPct val="35000"/>
+            </a:spcAft>
+            <a:buNone/>
+          </a:pPr>
+          <a:r>
+            <a:rPr lang="en-US" sz="1900" b="1" kern="1200" dirty="0" err="1"/>
+            <a:t>Changement</a:t>
+          </a:r>
+          <a:r>
+            <a:rPr lang="en-US" sz="1900" b="1" kern="1200" dirty="0"/>
+            <a:t> des ports par </a:t>
+          </a:r>
+          <a:r>
+            <a:rPr lang="en-US" sz="1900" b="1" kern="1200" dirty="0" err="1"/>
+            <a:t>défaut</a:t>
+          </a:r>
+          <a:endParaRPr lang="en-US" sz="1900" b="1" kern="1200" dirty="0"/>
+        </a:p>
+      </dsp:txBody>
+      <dsp:txXfrm>
+        <a:off x="9175489" y="1368566"/>
+        <a:ext cx="1759569" cy="1092514"/>
       </dsp:txXfrm>
     </dsp:sp>
   </dsp:spTree>
@@ -12269,6 +12824,137 @@
       <dsp:cNvGrpSpPr/>
     </dsp:nvGrpSpPr>
     <dsp:grpSpPr/>
+    <dsp:sp modelId="{A5DF0EB2-5025-4D27-985B-6D14E2D28DB6}">
+      <dsp:nvSpPr>
+        <dsp:cNvPr id="0" name=""/>
+        <dsp:cNvSpPr/>
+      </dsp:nvSpPr>
+      <dsp:spPr>
+        <a:xfrm>
+          <a:off x="3549" y="1398333"/>
+          <a:ext cx="1134382" cy="720333"/>
+        </a:xfrm>
+        <a:prstGeom prst="roundRect">
+          <a:avLst>
+            <a:gd name="adj" fmla="val 10000"/>
+          </a:avLst>
+        </a:prstGeom>
+        <a:solidFill>
+          <a:schemeClr val="accent1">
+            <a:hueOff val="0"/>
+            <a:satOff val="0"/>
+            <a:lumOff val="0"/>
+            <a:alphaOff val="0"/>
+          </a:schemeClr>
+        </a:solidFill>
+        <a:ln w="19050" cap="flat" cmpd="sng" algn="ctr">
+          <a:solidFill>
+            <a:schemeClr val="lt1">
+              <a:hueOff val="0"/>
+              <a:satOff val="0"/>
+              <a:lumOff val="0"/>
+              <a:alphaOff val="0"/>
+            </a:schemeClr>
+          </a:solidFill>
+          <a:prstDash val="solid"/>
+          <a:miter lim="800000"/>
+        </a:ln>
+        <a:effectLst/>
+      </dsp:spPr>
+      <dsp:style>
+        <a:lnRef idx="3">
+          <a:scrgbClr r="0" g="0" b="0"/>
+        </a:lnRef>
+        <a:fillRef idx="1">
+          <a:scrgbClr r="0" g="0" b="0"/>
+        </a:fillRef>
+        <a:effectRef idx="1">
+          <a:scrgbClr r="0" g="0" b="0"/>
+        </a:effectRef>
+        <a:fontRef idx="minor">
+          <a:schemeClr val="lt1"/>
+        </a:fontRef>
+      </dsp:style>
+    </dsp:sp>
+    <dsp:sp modelId="{909E7399-377C-41F6-B682-3D2CD44CBD04}">
+      <dsp:nvSpPr>
+        <dsp:cNvPr id="0" name=""/>
+        <dsp:cNvSpPr/>
+      </dsp:nvSpPr>
+      <dsp:spPr>
+        <a:xfrm>
+          <a:off x="129592" y="1518073"/>
+          <a:ext cx="1134382" cy="720333"/>
+        </a:xfrm>
+        <a:prstGeom prst="roundRect">
+          <a:avLst>
+            <a:gd name="adj" fmla="val 10000"/>
+          </a:avLst>
+        </a:prstGeom>
+        <a:solidFill>
+          <a:schemeClr val="lt1">
+            <a:alpha val="90000"/>
+            <a:hueOff val="0"/>
+            <a:satOff val="0"/>
+            <a:lumOff val="0"/>
+            <a:alphaOff val="0"/>
+          </a:schemeClr>
+        </a:solidFill>
+        <a:ln w="12700" cap="flat" cmpd="sng" algn="ctr">
+          <a:solidFill>
+            <a:schemeClr val="accent1">
+              <a:hueOff val="0"/>
+              <a:satOff val="0"/>
+              <a:lumOff val="0"/>
+              <a:alphaOff val="0"/>
+            </a:schemeClr>
+          </a:solidFill>
+          <a:prstDash val="solid"/>
+          <a:miter lim="800000"/>
+        </a:ln>
+        <a:effectLst/>
+      </dsp:spPr>
+      <dsp:style>
+        <a:lnRef idx="2">
+          <a:scrgbClr r="0" g="0" b="0"/>
+        </a:lnRef>
+        <a:fillRef idx="1">
+          <a:scrgbClr r="0" g="0" b="0"/>
+        </a:fillRef>
+        <a:effectRef idx="0">
+          <a:scrgbClr r="0" g="0" b="0"/>
+        </a:effectRef>
+        <a:fontRef idx="minor"/>
+      </dsp:style>
+      <dsp:txBody>
+        <a:bodyPr spcFirstLastPara="0" vert="horz" wrap="square" lIns="57150" tIns="57150" rIns="57150" bIns="57150" numCol="1" spcCol="1270" anchor="ctr" anchorCtr="0">
+          <a:noAutofit/>
+        </a:bodyPr>
+        <a:lstStyle/>
+        <a:p>
+          <a:pPr marL="0" lvl="0" indent="0" algn="ctr" defTabSz="666750">
+            <a:lnSpc>
+              <a:spcPct val="90000"/>
+            </a:lnSpc>
+            <a:spcBef>
+              <a:spcPct val="0"/>
+            </a:spcBef>
+            <a:spcAft>
+              <a:spcPct val="35000"/>
+            </a:spcAft>
+            <a:buNone/>
+          </a:pPr>
+          <a:r>
+            <a:rPr lang="en-US" sz="1500" b="1" kern="1200" dirty="0"/>
+            <a:t>GUID</a:t>
+          </a:r>
+        </a:p>
+      </dsp:txBody>
+      <dsp:txXfrm>
+        <a:off x="150690" y="1539171"/>
+        <a:ext cx="1092186" cy="678137"/>
+      </dsp:txXfrm>
+    </dsp:sp>
     <dsp:sp modelId="{F60F413B-4B9E-43DF-9226-9E73C182615F}">
       <dsp:nvSpPr>
         <dsp:cNvPr id="0" name=""/>
@@ -12276,8 +12962,8 @@
       </dsp:nvSpPr>
       <dsp:spPr>
         <a:xfrm>
-          <a:off x="1339" y="1255940"/>
-          <a:ext cx="1518939" cy="964526"/>
+          <a:off x="1390017" y="1398333"/>
+          <a:ext cx="1134382" cy="720333"/>
         </a:xfrm>
         <a:prstGeom prst="roundRect">
           <a:avLst>
@@ -12328,8 +13014,8 @@
       </dsp:nvSpPr>
       <dsp:spPr>
         <a:xfrm>
-          <a:off x="170110" y="1416272"/>
-          <a:ext cx="1518939" cy="964526"/>
+          <a:off x="1516060" y="1518073"/>
+          <a:ext cx="1134382" cy="720333"/>
         </a:xfrm>
         <a:prstGeom prst="roundRect">
           <a:avLst>
@@ -12372,12 +13058,12 @@
         <a:fontRef idx="minor"/>
       </dsp:style>
       <dsp:txBody>
-        <a:bodyPr spcFirstLastPara="0" vert="horz" wrap="square" lIns="76200" tIns="76200" rIns="76200" bIns="76200" numCol="1" spcCol="1270" anchor="ctr" anchorCtr="0">
+        <a:bodyPr spcFirstLastPara="0" vert="horz" wrap="square" lIns="57150" tIns="57150" rIns="57150" bIns="57150" numCol="1" spcCol="1270" anchor="ctr" anchorCtr="0">
           <a:noAutofit/>
         </a:bodyPr>
         <a:lstStyle/>
         <a:p>
-          <a:pPr marL="0" lvl="0" indent="0" algn="ctr" defTabSz="889000">
+          <a:pPr marL="0" lvl="0" indent="0" algn="ctr" defTabSz="666750">
             <a:lnSpc>
               <a:spcPct val="90000"/>
             </a:lnSpc>
@@ -12390,14 +13076,14 @@
             <a:buNone/>
           </a:pPr>
           <a:r>
-            <a:rPr lang="en-US" sz="2000" kern="1200" dirty="0"/>
+            <a:rPr lang="en-US" sz="1500" b="1" kern="1200" dirty="0"/>
             <a:t>JWT</a:t>
           </a:r>
         </a:p>
       </dsp:txBody>
       <dsp:txXfrm>
-        <a:off x="198360" y="1444522"/>
-        <a:ext cx="1462439" cy="908026"/>
+        <a:off x="1537158" y="1539171"/>
+        <a:ext cx="1092186" cy="678137"/>
       </dsp:txXfrm>
     </dsp:sp>
     <dsp:sp modelId="{E637AB87-C59A-4073-901D-4B8500D66594}">
@@ -12407,8 +13093,8 @@
       </dsp:nvSpPr>
       <dsp:spPr>
         <a:xfrm>
-          <a:off x="1857821" y="1255940"/>
-          <a:ext cx="1518939" cy="964526"/>
+          <a:off x="2776485" y="1398333"/>
+          <a:ext cx="1134382" cy="720333"/>
         </a:xfrm>
         <a:prstGeom prst="roundRect">
           <a:avLst>
@@ -12459,8 +13145,8 @@
       </dsp:nvSpPr>
       <dsp:spPr>
         <a:xfrm>
-          <a:off x="2026592" y="1416272"/>
-          <a:ext cx="1518939" cy="964526"/>
+          <a:off x="2902527" y="1518073"/>
+          <a:ext cx="1134382" cy="720333"/>
         </a:xfrm>
         <a:prstGeom prst="roundRect">
           <a:avLst>
@@ -12503,12 +13189,12 @@
         <a:fontRef idx="minor"/>
       </dsp:style>
       <dsp:txBody>
-        <a:bodyPr spcFirstLastPara="0" vert="horz" wrap="square" lIns="76200" tIns="76200" rIns="76200" bIns="76200" numCol="1" spcCol="1270" anchor="ctr" anchorCtr="0">
+        <a:bodyPr spcFirstLastPara="0" vert="horz" wrap="square" lIns="57150" tIns="57150" rIns="57150" bIns="57150" numCol="1" spcCol="1270" anchor="ctr" anchorCtr="0">
           <a:noAutofit/>
         </a:bodyPr>
         <a:lstStyle/>
         <a:p>
-          <a:pPr marL="0" lvl="0" indent="0" algn="ctr" defTabSz="889000">
+          <a:pPr marL="0" lvl="0" indent="0" algn="ctr" defTabSz="666750">
             <a:lnSpc>
               <a:spcPct val="90000"/>
             </a:lnSpc>
@@ -12521,15 +13207,15 @@
             <a:buNone/>
           </a:pPr>
           <a:r>
-            <a:rPr lang="fr-FR" sz="2000" b="1" i="0" kern="1200" dirty="0"/>
+            <a:rPr lang="fr-FR" sz="1500" b="1" i="0" kern="1200" dirty="0"/>
             <a:t>HTTPS</a:t>
           </a:r>
-          <a:endParaRPr lang="en-US" sz="2000" kern="1200" dirty="0"/>
+          <a:endParaRPr lang="en-US" sz="1500" kern="1200" dirty="0"/>
         </a:p>
       </dsp:txBody>
       <dsp:txXfrm>
-        <a:off x="2054842" y="1444522"/>
-        <a:ext cx="1462439" cy="908026"/>
+        <a:off x="2923625" y="1539171"/>
+        <a:ext cx="1092186" cy="678137"/>
       </dsp:txXfrm>
     </dsp:sp>
     <dsp:sp modelId="{C49FF07B-2507-4FF3-AF28-04F4AA9FF619}">
@@ -12539,8 +13225,8 @@
       </dsp:nvSpPr>
       <dsp:spPr>
         <a:xfrm>
-          <a:off x="3714303" y="1255940"/>
-          <a:ext cx="1518939" cy="964526"/>
+          <a:off x="4162953" y="1398333"/>
+          <a:ext cx="1134382" cy="720333"/>
         </a:xfrm>
         <a:prstGeom prst="roundRect">
           <a:avLst>
@@ -12591,8 +13277,8 @@
       </dsp:nvSpPr>
       <dsp:spPr>
         <a:xfrm>
-          <a:off x="3883074" y="1416272"/>
-          <a:ext cx="1518939" cy="964526"/>
+          <a:off x="4288995" y="1518073"/>
+          <a:ext cx="1134382" cy="720333"/>
         </a:xfrm>
         <a:prstGeom prst="roundRect">
           <a:avLst>
@@ -12635,12 +13321,12 @@
         <a:fontRef idx="minor"/>
       </dsp:style>
       <dsp:txBody>
-        <a:bodyPr spcFirstLastPara="0" vert="horz" wrap="square" lIns="76200" tIns="76200" rIns="76200" bIns="76200" numCol="1" spcCol="1270" anchor="ctr" anchorCtr="0">
+        <a:bodyPr spcFirstLastPara="0" vert="horz" wrap="square" lIns="57150" tIns="57150" rIns="57150" bIns="57150" numCol="1" spcCol="1270" anchor="ctr" anchorCtr="0">
           <a:noAutofit/>
         </a:bodyPr>
         <a:lstStyle/>
         <a:p>
-          <a:pPr marL="0" lvl="0" indent="0" algn="ctr" defTabSz="889000">
+          <a:pPr marL="0" lvl="0" indent="0" algn="ctr" defTabSz="666750">
             <a:lnSpc>
               <a:spcPct val="90000"/>
             </a:lnSpc>
@@ -12653,15 +13339,15 @@
             <a:buNone/>
           </a:pPr>
           <a:r>
-            <a:rPr lang="fr-FR" sz="2000" b="1" i="0" kern="1200" dirty="0"/>
+            <a:rPr lang="fr-FR" sz="1500" b="1" i="0" kern="1200" dirty="0"/>
             <a:t>Hash Chiffrement</a:t>
           </a:r>
-          <a:endParaRPr lang="en-US" sz="2000" kern="1200" dirty="0"/>
+          <a:endParaRPr lang="en-US" sz="1500" kern="1200" dirty="0"/>
         </a:p>
       </dsp:txBody>
       <dsp:txXfrm>
-        <a:off x="3911324" y="1444522"/>
-        <a:ext cx="1462439" cy="908026"/>
+        <a:off x="4310093" y="1539171"/>
+        <a:ext cx="1092186" cy="678137"/>
       </dsp:txXfrm>
     </dsp:sp>
     <dsp:sp modelId="{76AD91D2-9A54-42E6-AF05-1785B82A220B}">
@@ -12671,8 +13357,8 @@
       </dsp:nvSpPr>
       <dsp:spPr>
         <a:xfrm>
-          <a:off x="5570785" y="1255940"/>
-          <a:ext cx="1518939" cy="964526"/>
+          <a:off x="5549421" y="1398333"/>
+          <a:ext cx="1134382" cy="720333"/>
         </a:xfrm>
         <a:prstGeom prst="roundRect">
           <a:avLst>
@@ -12723,8 +13409,8 @@
       </dsp:nvSpPr>
       <dsp:spPr>
         <a:xfrm>
-          <a:off x="5739556" y="1416272"/>
-          <a:ext cx="1518939" cy="964526"/>
+          <a:off x="5675463" y="1518073"/>
+          <a:ext cx="1134382" cy="720333"/>
         </a:xfrm>
         <a:prstGeom prst="roundRect">
           <a:avLst>
@@ -12767,12 +13453,12 @@
         <a:fontRef idx="minor"/>
       </dsp:style>
       <dsp:txBody>
-        <a:bodyPr spcFirstLastPara="0" vert="horz" wrap="square" lIns="76200" tIns="76200" rIns="76200" bIns="76200" numCol="1" spcCol="1270" anchor="ctr" anchorCtr="0">
+        <a:bodyPr spcFirstLastPara="0" vert="horz" wrap="square" lIns="57150" tIns="57150" rIns="57150" bIns="57150" numCol="1" spcCol="1270" anchor="ctr" anchorCtr="0">
           <a:noAutofit/>
         </a:bodyPr>
         <a:lstStyle/>
         <a:p>
-          <a:pPr marL="0" lvl="0" indent="0" algn="ctr" defTabSz="889000">
+          <a:pPr marL="0" lvl="0" indent="0" algn="ctr" defTabSz="666750">
             <a:lnSpc>
               <a:spcPct val="90000"/>
             </a:lnSpc>
@@ -12785,23 +13471,23 @@
             <a:buNone/>
           </a:pPr>
           <a:r>
-            <a:rPr lang="fr-FR" sz="2000" b="1" i="0" kern="1200" dirty="0" err="1"/>
+            <a:rPr lang="fr-FR" sz="1500" b="1" i="0" kern="1200" dirty="0" err="1"/>
             <a:t>SonarQube</a:t>
           </a:r>
           <a:r>
-            <a:rPr lang="fr-FR" sz="2000" b="1" i="0" kern="1200" dirty="0"/>
+            <a:rPr lang="fr-FR" sz="1500" b="1" i="0" kern="1200" dirty="0"/>
             <a:t> </a:t>
           </a:r>
           <a:r>
-            <a:rPr lang="fr-FR" sz="2000" b="1" i="0" kern="1200" dirty="0" err="1"/>
+            <a:rPr lang="fr-FR" sz="1500" b="1" i="0" kern="1200" dirty="0" err="1"/>
             <a:t>SonarCloud</a:t>
           </a:r>
-          <a:endParaRPr lang="en-US" sz="2000" kern="1200" dirty="0"/>
+          <a:endParaRPr lang="en-US" sz="1500" kern="1200" dirty="0"/>
         </a:p>
       </dsp:txBody>
       <dsp:txXfrm>
-        <a:off x="5767806" y="1444522"/>
-        <a:ext cx="1462439" cy="908026"/>
+        <a:off x="5696561" y="1539171"/>
+        <a:ext cx="1092186" cy="678137"/>
       </dsp:txXfrm>
     </dsp:sp>
     <dsp:sp modelId="{79A3D704-D9C3-4B98-93F6-663BDBD175D0}">
@@ -12811,8 +13497,8 @@
       </dsp:nvSpPr>
       <dsp:spPr>
         <a:xfrm>
-          <a:off x="7427267" y="1255940"/>
-          <a:ext cx="1518939" cy="964526"/>
+          <a:off x="6935889" y="1398333"/>
+          <a:ext cx="1134382" cy="720333"/>
         </a:xfrm>
         <a:prstGeom prst="roundRect">
           <a:avLst>
@@ -12863,8 +13549,8 @@
       </dsp:nvSpPr>
       <dsp:spPr>
         <a:xfrm>
-          <a:off x="7596038" y="1416272"/>
-          <a:ext cx="1518939" cy="964526"/>
+          <a:off x="7061931" y="1518073"/>
+          <a:ext cx="1134382" cy="720333"/>
         </a:xfrm>
         <a:prstGeom prst="roundRect">
           <a:avLst>
@@ -12907,12 +13593,12 @@
         <a:fontRef idx="minor"/>
       </dsp:style>
       <dsp:txBody>
-        <a:bodyPr spcFirstLastPara="0" vert="horz" wrap="square" lIns="76200" tIns="76200" rIns="76200" bIns="76200" numCol="1" spcCol="1270" anchor="ctr" anchorCtr="0">
+        <a:bodyPr spcFirstLastPara="0" vert="horz" wrap="square" lIns="57150" tIns="57150" rIns="57150" bIns="57150" numCol="1" spcCol="1270" anchor="ctr" anchorCtr="0">
           <a:noAutofit/>
         </a:bodyPr>
         <a:lstStyle/>
         <a:p>
-          <a:pPr marL="0" lvl="0" indent="0" algn="ctr" defTabSz="889000">
+          <a:pPr marL="0" lvl="0" indent="0" algn="ctr" defTabSz="666750">
             <a:lnSpc>
               <a:spcPct val="90000"/>
             </a:lnSpc>
@@ -12925,15 +13611,15 @@
             <a:buNone/>
           </a:pPr>
           <a:r>
-            <a:rPr lang="fr-FR" sz="2000" b="1" i="0" kern="1200" dirty="0"/>
+            <a:rPr lang="fr-FR" sz="1500" b="1" i="0" kern="1200" dirty="0"/>
             <a:t>OWASP</a:t>
           </a:r>
-          <a:endParaRPr lang="en-US" sz="2000" kern="1200" dirty="0"/>
+          <a:endParaRPr lang="en-US" sz="1500" kern="1200" dirty="0"/>
         </a:p>
       </dsp:txBody>
       <dsp:txXfrm>
-        <a:off x="7624288" y="1444522"/>
-        <a:ext cx="1462439" cy="908026"/>
+        <a:off x="7083029" y="1539171"/>
+        <a:ext cx="1092186" cy="678137"/>
       </dsp:txXfrm>
     </dsp:sp>
     <dsp:sp modelId="{69BDA2C1-BF2D-4DBF-944E-44B1028474DF}">
@@ -12943,8 +13629,8 @@
       </dsp:nvSpPr>
       <dsp:spPr>
         <a:xfrm>
-          <a:off x="9283749" y="1255940"/>
-          <a:ext cx="1518939" cy="964526"/>
+          <a:off x="8322357" y="1398333"/>
+          <a:ext cx="1134382" cy="720333"/>
         </a:xfrm>
         <a:prstGeom prst="roundRect">
           <a:avLst>
@@ -12995,8 +13681,8 @@
       </dsp:nvSpPr>
       <dsp:spPr>
         <a:xfrm>
-          <a:off x="9452520" y="1416272"/>
-          <a:ext cx="1518939" cy="964526"/>
+          <a:off x="8448399" y="1518073"/>
+          <a:ext cx="1134382" cy="720333"/>
         </a:xfrm>
         <a:prstGeom prst="roundRect">
           <a:avLst>
@@ -13039,12 +13725,12 @@
         <a:fontRef idx="minor"/>
       </dsp:style>
       <dsp:txBody>
-        <a:bodyPr spcFirstLastPara="0" vert="horz" wrap="square" lIns="76200" tIns="76200" rIns="76200" bIns="76200" numCol="1" spcCol="1270" anchor="ctr" anchorCtr="0">
+        <a:bodyPr spcFirstLastPara="0" vert="horz" wrap="square" lIns="57150" tIns="57150" rIns="57150" bIns="57150" numCol="1" spcCol="1270" anchor="ctr" anchorCtr="0">
           <a:noAutofit/>
         </a:bodyPr>
         <a:lstStyle/>
         <a:p>
-          <a:pPr marL="0" lvl="0" indent="0" algn="ctr" defTabSz="889000">
+          <a:pPr marL="0" lvl="0" indent="0" algn="ctr" defTabSz="666750">
             <a:lnSpc>
               <a:spcPct val="90000"/>
             </a:lnSpc>
@@ -13057,14 +13743,154 @@
             <a:buNone/>
           </a:pPr>
           <a:r>
-            <a:rPr lang="en-US" sz="2000" kern="1200" dirty="0"/>
+            <a:rPr lang="en-US" sz="1500" b="1" kern="1200" dirty="0"/>
             <a:t>ORM</a:t>
           </a:r>
         </a:p>
       </dsp:txBody>
       <dsp:txXfrm>
-        <a:off x="9480770" y="1444522"/>
-        <a:ext cx="1462439" cy="908026"/>
+        <a:off x="8469497" y="1539171"/>
+        <a:ext cx="1092186" cy="678137"/>
+      </dsp:txXfrm>
+    </dsp:sp>
+    <dsp:sp modelId="{0905A0E5-DC1B-4B10-A812-5A78B807D25D}">
+      <dsp:nvSpPr>
+        <dsp:cNvPr id="0" name=""/>
+        <dsp:cNvSpPr/>
+      </dsp:nvSpPr>
+      <dsp:spPr>
+        <a:xfrm>
+          <a:off x="9708825" y="1398333"/>
+          <a:ext cx="1134382" cy="720333"/>
+        </a:xfrm>
+        <a:prstGeom prst="roundRect">
+          <a:avLst>
+            <a:gd name="adj" fmla="val 10000"/>
+          </a:avLst>
+        </a:prstGeom>
+        <a:solidFill>
+          <a:schemeClr val="accent1">
+            <a:hueOff val="0"/>
+            <a:satOff val="0"/>
+            <a:lumOff val="0"/>
+            <a:alphaOff val="0"/>
+          </a:schemeClr>
+        </a:solidFill>
+        <a:ln w="19050" cap="flat" cmpd="sng" algn="ctr">
+          <a:solidFill>
+            <a:schemeClr val="lt1">
+              <a:hueOff val="0"/>
+              <a:satOff val="0"/>
+              <a:lumOff val="0"/>
+              <a:alphaOff val="0"/>
+            </a:schemeClr>
+          </a:solidFill>
+          <a:prstDash val="solid"/>
+          <a:miter lim="800000"/>
+        </a:ln>
+        <a:effectLst/>
+      </dsp:spPr>
+      <dsp:style>
+        <a:lnRef idx="3">
+          <a:scrgbClr r="0" g="0" b="0"/>
+        </a:lnRef>
+        <a:fillRef idx="1">
+          <a:scrgbClr r="0" g="0" b="0"/>
+        </a:fillRef>
+        <a:effectRef idx="1">
+          <a:scrgbClr r="0" g="0" b="0"/>
+        </a:effectRef>
+        <a:fontRef idx="minor">
+          <a:schemeClr val="lt1"/>
+        </a:fontRef>
+      </dsp:style>
+    </dsp:sp>
+    <dsp:sp modelId="{C5166D1D-EBBA-4198-AFE9-5C687F8DCEAB}">
+      <dsp:nvSpPr>
+        <dsp:cNvPr id="0" name=""/>
+        <dsp:cNvSpPr/>
+      </dsp:nvSpPr>
+      <dsp:spPr>
+        <a:xfrm>
+          <a:off x="9834867" y="1518073"/>
+          <a:ext cx="1134382" cy="720333"/>
+        </a:xfrm>
+        <a:prstGeom prst="roundRect">
+          <a:avLst>
+            <a:gd name="adj" fmla="val 10000"/>
+          </a:avLst>
+        </a:prstGeom>
+        <a:solidFill>
+          <a:schemeClr val="lt1">
+            <a:alpha val="90000"/>
+            <a:hueOff val="0"/>
+            <a:satOff val="0"/>
+            <a:lumOff val="0"/>
+            <a:alphaOff val="0"/>
+          </a:schemeClr>
+        </a:solidFill>
+        <a:ln w="12700" cap="flat" cmpd="sng" algn="ctr">
+          <a:solidFill>
+            <a:schemeClr val="accent1">
+              <a:hueOff val="0"/>
+              <a:satOff val="0"/>
+              <a:lumOff val="0"/>
+              <a:alphaOff val="0"/>
+            </a:schemeClr>
+          </a:solidFill>
+          <a:prstDash val="solid"/>
+          <a:miter lim="800000"/>
+        </a:ln>
+        <a:effectLst/>
+      </dsp:spPr>
+      <dsp:style>
+        <a:lnRef idx="2">
+          <a:scrgbClr r="0" g="0" b="0"/>
+        </a:lnRef>
+        <a:fillRef idx="1">
+          <a:scrgbClr r="0" g="0" b="0"/>
+        </a:fillRef>
+        <a:effectRef idx="0">
+          <a:scrgbClr r="0" g="0" b="0"/>
+        </a:effectRef>
+        <a:fontRef idx="minor"/>
+      </dsp:style>
+      <dsp:txBody>
+        <a:bodyPr spcFirstLastPara="0" vert="horz" wrap="square" lIns="57150" tIns="57150" rIns="57150" bIns="57150" numCol="1" spcCol="1270" anchor="ctr" anchorCtr="0">
+          <a:noAutofit/>
+        </a:bodyPr>
+        <a:lstStyle/>
+        <a:p>
+          <a:pPr marL="0" lvl="0" indent="0" algn="ctr" defTabSz="666750">
+            <a:lnSpc>
+              <a:spcPct val="90000"/>
+            </a:lnSpc>
+            <a:spcBef>
+              <a:spcPct val="0"/>
+            </a:spcBef>
+            <a:spcAft>
+              <a:spcPct val="35000"/>
+            </a:spcAft>
+            <a:buNone/>
+          </a:pPr>
+          <a:r>
+            <a:rPr lang="en-US" sz="1500" b="1" kern="1200" dirty="0" err="1"/>
+            <a:t>Projet</a:t>
+          </a:r>
+          <a:r>
+            <a:rPr lang="en-US" sz="1500" b="1" kern="1200" dirty="0"/>
+            <a:t> </a:t>
+          </a:r>
+          <a:r>
+            <a:rPr lang="en-US" sz="1500" b="1" kern="1200" dirty="0" err="1"/>
+            <a:t>collaboratif</a:t>
+          </a:r>
+          <a:endParaRPr lang="en-US" sz="1500" b="1" kern="1200" dirty="0"/>
+        </a:p>
+      </dsp:txBody>
+      <dsp:txXfrm>
+        <a:off x="9855965" y="1539171"/>
+        <a:ext cx="1092186" cy="678137"/>
       </dsp:txXfrm>
     </dsp:sp>
   </dsp:spTree>
@@ -24752,7 +25578,7 @@
             <a:pPr rtl="0"/>
             <a:fld id="{A89C7E07-3C67-C64C-8DA0-0404F6303970}" type="slidenum">
               <a:rPr lang="fr-FR" smtClean="0"/>
-              <a:t>12</a:t>
+              <a:t>13</a:t>
             </a:fld>
             <a:endParaRPr lang="fr-FR" dirty="0"/>
           </a:p>
@@ -24870,7 +25696,7 @@
             <a:pPr rtl="0"/>
             <a:fld id="{A89C7E07-3C67-C64C-8DA0-0404F6303970}" type="slidenum">
               <a:rPr lang="fr-FR" smtClean="0"/>
-              <a:t>15</a:t>
+              <a:t>16</a:t>
             </a:fld>
             <a:endParaRPr lang="fr-FR" dirty="0"/>
           </a:p>
@@ -24964,7 +25790,7 @@
             <a:pPr rtl="0"/>
             <a:fld id="{A89C7E07-3C67-C64C-8DA0-0404F6303970}" type="slidenum">
               <a:rPr lang="fr-FR" smtClean="0"/>
-              <a:t>18</a:t>
+              <a:t>20</a:t>
             </a:fld>
             <a:endParaRPr lang="fr-FR" dirty="0"/>
           </a:p>
@@ -33873,6 +34699,147 @@
   <p:cSld>
     <p:spTree>
       <p:nvGrpSpPr>
+        <p:cNvPr id="1" name=""/>
+        <p:cNvGrpSpPr/>
+        <p:nvPr/>
+      </p:nvGrpSpPr>
+      <p:grpSpPr>
+        <a:xfrm>
+          <a:off x="0" y="0"/>
+          <a:ext cx="0" cy="0"/>
+          <a:chOff x="0" y="0"/>
+          <a:chExt cx="0" cy="0"/>
+        </a:xfrm>
+      </p:grpSpPr>
+      <p:sp>
+        <p:nvSpPr>
+          <p:cNvPr id="13" name="Title 1">
+            <a:extLst>
+              <a:ext uri="{FF2B5EF4-FFF2-40B4-BE49-F238E27FC236}">
+                <a16:creationId xmlns:a16="http://schemas.microsoft.com/office/drawing/2014/main" id="{B06A2488-303B-C7A6-3E0E-0F50316B0281}"/>
+              </a:ext>
+            </a:extLst>
+          </p:cNvPr>
+          <p:cNvSpPr>
+            <a:spLocks noGrp="1"/>
+          </p:cNvSpPr>
+          <p:nvPr>
+            <p:ph type="title"/>
+          </p:nvPr>
+        </p:nvSpPr>
+        <p:spPr>
+          <a:xfrm>
+            <a:off x="3661409" y="4661717"/>
+            <a:ext cx="7936230" cy="1380760"/>
+          </a:xfrm>
+        </p:spPr>
+        <p:txBody>
+          <a:bodyPr/>
+          <a:lstStyle/>
+          <a:p>
+            <a:endParaRPr lang="en-US"/>
+          </a:p>
+        </p:txBody>
+      </p:sp>
+      <p:sp>
+        <p:nvSpPr>
+          <p:cNvPr id="12" name="Content Placeholder 2">
+            <a:extLst>
+              <a:ext uri="{FF2B5EF4-FFF2-40B4-BE49-F238E27FC236}">
+                <a16:creationId xmlns:a16="http://schemas.microsoft.com/office/drawing/2014/main" id="{DAA42347-2B48-4BE1-04E6-231C877705B8}"/>
+              </a:ext>
+            </a:extLst>
+          </p:cNvPr>
+          <p:cNvSpPr>
+            <a:spLocks noGrp="1"/>
+          </p:cNvSpPr>
+          <p:nvPr>
+            <p:ph sz="quarter" idx="14"/>
+          </p:nvPr>
+        </p:nvSpPr>
+        <p:spPr>
+          <a:xfrm>
+            <a:off x="603885" y="584005"/>
+            <a:ext cx="2825115" cy="3999060"/>
+          </a:xfrm>
+        </p:spPr>
+        <p:txBody>
+          <a:bodyPr/>
+          <a:lstStyle/>
+          <a:p>
+            <a:r>
+              <a:rPr lang="en-US" dirty="0" err="1"/>
+              <a:t>Utilisation</a:t>
+            </a:r>
+            <a:r>
+              <a:rPr lang="en-US" dirty="0"/>
+              <a:t> de la </a:t>
+            </a:r>
+            <a:r>
+              <a:rPr lang="en-US" dirty="0" err="1"/>
+              <a:t>fonctionnalité</a:t>
+            </a:r>
+            <a:r>
+              <a:rPr lang="en-US" dirty="0"/>
+              <a:t> “WIKI” de </a:t>
+            </a:r>
+            <a:r>
+              <a:rPr lang="en-US" dirty="0" err="1"/>
+              <a:t>github</a:t>
+            </a:r>
+            <a:endParaRPr lang="en-US" dirty="0"/>
+          </a:p>
+        </p:txBody>
+      </p:sp>
+      <p:pic>
+        <p:nvPicPr>
+          <p:cNvPr id="5" name="Image 4">
+            <a:extLst>
+              <a:ext uri="{FF2B5EF4-FFF2-40B4-BE49-F238E27FC236}">
+                <a16:creationId xmlns:a16="http://schemas.microsoft.com/office/drawing/2014/main" id="{71C87C74-116C-27B7-1CC4-2C979ED19056}"/>
+              </a:ext>
+            </a:extLst>
+          </p:cNvPr>
+          <p:cNvPicPr>
+            <a:picLocks noChangeAspect="1"/>
+          </p:cNvPicPr>
+          <p:nvPr/>
+        </p:nvPicPr>
+        <p:blipFill>
+          <a:blip r:embed="rId2"/>
+          <a:stretch>
+            <a:fillRect/>
+          </a:stretch>
+        </p:blipFill>
+        <p:spPr>
+          <a:xfrm>
+            <a:off x="3732765" y="584005"/>
+            <a:ext cx="7803042" cy="3999060"/>
+          </a:xfrm>
+          <a:prstGeom prst="rect">
+            <a:avLst/>
+          </a:prstGeom>
+          <a:noFill/>
+        </p:spPr>
+      </p:pic>
+    </p:spTree>
+    <p:extLst>
+      <p:ext uri="{BB962C8B-B14F-4D97-AF65-F5344CB8AC3E}">
+        <p14:creationId xmlns:p14="http://schemas.microsoft.com/office/powerpoint/2010/main" val="3084183349"/>
+      </p:ext>
+    </p:extLst>
+  </p:cSld>
+  <p:clrMapOvr>
+    <a:masterClrMapping/>
+  </p:clrMapOvr>
+</p:sld>
+</file>
+
+<file path=ppt/slides/slide13.xml><?xml version="1.0" encoding="utf-8"?>
+<p:sld xmlns:a="http://schemas.openxmlformats.org/drawingml/2006/main" xmlns:r="http://schemas.openxmlformats.org/officeDocument/2006/relationships" xmlns:p="http://schemas.openxmlformats.org/presentationml/2006/main">
+  <p:cSld>
+    <p:spTree>
+      <p:nvGrpSpPr>
         <p:cNvPr id="1" name="">
           <a:extLst>
             <a:ext uri="{FF2B5EF4-FFF2-40B4-BE49-F238E27FC236}">
@@ -33949,7 +34916,7 @@
 </p:sld>
 </file>
 
-<file path=ppt/slides/slide13.xml><?xml version="1.0" encoding="utf-8"?>
+<file path=ppt/slides/slide14.xml><?xml version="1.0" encoding="utf-8"?>
 <p:sld xmlns:a="http://schemas.openxmlformats.org/drawingml/2006/main" xmlns:r="http://schemas.openxmlformats.org/officeDocument/2006/relationships" xmlns:p="http://schemas.openxmlformats.org/presentationml/2006/main">
   <p:cSld>
     <p:spTree>
@@ -34103,7 +35070,7 @@
 </p:sld>
 </file>
 
-<file path=ppt/slides/slide14.xml><?xml version="1.0" encoding="utf-8"?>
+<file path=ppt/slides/slide15.xml><?xml version="1.0" encoding="utf-8"?>
 <p:sld xmlns:a="http://schemas.openxmlformats.org/drawingml/2006/main" xmlns:r="http://schemas.openxmlformats.org/officeDocument/2006/relationships" xmlns:p="http://schemas.openxmlformats.org/presentationml/2006/main">
   <p:cSld>
     <p:spTree>
@@ -34301,7 +35268,7 @@
 </p:sld>
 </file>
 
-<file path=ppt/slides/slide15.xml><?xml version="1.0" encoding="utf-8"?>
+<file path=ppt/slides/slide16.xml><?xml version="1.0" encoding="utf-8"?>
 <p:sld xmlns:a="http://schemas.openxmlformats.org/drawingml/2006/main" xmlns:r="http://schemas.openxmlformats.org/officeDocument/2006/relationships" xmlns:p="http://schemas.openxmlformats.org/presentationml/2006/main">
   <p:cSld>
     <p:spTree>
@@ -34407,7 +35374,7 @@
 </p:sld>
 </file>
 
-<file path=ppt/slides/slide16.xml><?xml version="1.0" encoding="utf-8"?>
+<file path=ppt/slides/slide17.xml><?xml version="1.0" encoding="utf-8"?>
 <p:sld xmlns:a="http://schemas.openxmlformats.org/drawingml/2006/main" xmlns:r="http://schemas.openxmlformats.org/officeDocument/2006/relationships" xmlns:p="http://schemas.openxmlformats.org/presentationml/2006/main">
   <p:cSld>
     <p:spTree>
@@ -34475,7 +35442,7 @@
             <p:ph type="tbl" sz="quarter" idx="10"/>
             <p:extLst>
               <p:ext uri="{D42A27DB-BD31-4B8C-83A1-F6EECF244321}">
-                <p14:modId xmlns:p14="http://schemas.microsoft.com/office/powerpoint/2010/main" val="771326518"/>
+                <p14:modId xmlns:p14="http://schemas.microsoft.com/office/powerpoint/2010/main" val="2104158161"/>
               </p:ext>
             </p:extLst>
           </p:nvPr>
@@ -34503,7 +35470,7 @@
 </p:sld>
 </file>
 
-<file path=ppt/slides/slide17.xml><?xml version="1.0" encoding="utf-8"?>
+<file path=ppt/slides/slide18.xml><?xml version="1.0" encoding="utf-8"?>
 <p:sld xmlns:a="http://schemas.openxmlformats.org/drawingml/2006/main" xmlns:r="http://schemas.openxmlformats.org/officeDocument/2006/relationships" xmlns:p="http://schemas.openxmlformats.org/presentationml/2006/main">
   <p:cSld>
     <p:spTree>
@@ -34571,7 +35538,7 @@
             <p:ph type="tbl" sz="quarter" idx="10"/>
             <p:extLst>
               <p:ext uri="{D42A27DB-BD31-4B8C-83A1-F6EECF244321}">
-                <p14:modId xmlns:p14="http://schemas.microsoft.com/office/powerpoint/2010/main" val="1272118611"/>
+                <p14:modId xmlns:p14="http://schemas.microsoft.com/office/powerpoint/2010/main" val="2407091384"/>
               </p:ext>
             </p:extLst>
           </p:nvPr>
@@ -34586,6 +35553,66 @@
           </a:graphicData>
         </a:graphic>
       </p:graphicFrame>
+      <p:pic>
+        <p:nvPicPr>
+          <p:cNvPr id="4" name="Image 3">
+            <a:extLst>
+              <a:ext uri="{FF2B5EF4-FFF2-40B4-BE49-F238E27FC236}">
+                <a16:creationId xmlns:a16="http://schemas.microsoft.com/office/drawing/2014/main" id="{CD28196C-30A2-634B-9B07-CEF718BC7C1A}"/>
+              </a:ext>
+            </a:extLst>
+          </p:cNvPr>
+          <p:cNvPicPr>
+            <a:picLocks noChangeAspect="1"/>
+          </p:cNvPicPr>
+          <p:nvPr/>
+        </p:nvPicPr>
+        <p:blipFill>
+          <a:blip r:embed="rId7"/>
+          <a:stretch>
+            <a:fillRect/>
+          </a:stretch>
+        </p:blipFill>
+        <p:spPr>
+          <a:xfrm>
+            <a:off x="624840" y="2504942"/>
+            <a:ext cx="10972572" cy="924057"/>
+          </a:xfrm>
+          <a:prstGeom prst="rect">
+            <a:avLst/>
+          </a:prstGeom>
+        </p:spPr>
+      </p:pic>
+      <p:pic>
+        <p:nvPicPr>
+          <p:cNvPr id="8" name="Image 7">
+            <a:extLst>
+              <a:ext uri="{FF2B5EF4-FFF2-40B4-BE49-F238E27FC236}">
+                <a16:creationId xmlns:a16="http://schemas.microsoft.com/office/drawing/2014/main" id="{2D83092E-F5F8-880D-2F99-6EC1B3CCC8D6}"/>
+              </a:ext>
+            </a:extLst>
+          </p:cNvPr>
+          <p:cNvPicPr>
+            <a:picLocks noChangeAspect="1"/>
+          </p:cNvPicPr>
+          <p:nvPr/>
+        </p:nvPicPr>
+        <p:blipFill>
+          <a:blip r:embed="rId8"/>
+          <a:stretch>
+            <a:fillRect/>
+          </a:stretch>
+        </p:blipFill>
+        <p:spPr>
+          <a:xfrm>
+            <a:off x="1966773" y="4888799"/>
+            <a:ext cx="7154273" cy="1876687"/>
+          </a:xfrm>
+          <a:prstGeom prst="rect">
+            <a:avLst/>
+          </a:prstGeom>
+        </p:spPr>
+      </p:pic>
     </p:spTree>
     <p:extLst>
       <p:ext uri="{BB962C8B-B14F-4D97-AF65-F5344CB8AC3E}">
@@ -34599,7 +35626,7 @@
 </p:sld>
 </file>
 
-<file path=ppt/slides/slide18.xml><?xml version="1.0" encoding="utf-8"?>
+<file path=ppt/slides/slide19.xml><?xml version="1.0" encoding="utf-8"?>
 <p:sld xmlns:a="http://schemas.openxmlformats.org/drawingml/2006/main" xmlns:r="http://schemas.openxmlformats.org/officeDocument/2006/relationships" xmlns:p="http://schemas.openxmlformats.org/presentationml/2006/main">
   <p:cSld>
     <p:spTree>
@@ -34621,7 +35648,7 @@
           <p:cNvPr id="2" name="Titre 1">
             <a:extLst>
               <a:ext uri="{FF2B5EF4-FFF2-40B4-BE49-F238E27FC236}">
-                <a16:creationId xmlns:a16="http://schemas.microsoft.com/office/drawing/2014/main" id="{F810C1B7-6E4E-3DEE-50C0-1CA3B14303EE}"/>
+                <a16:creationId xmlns:a16="http://schemas.microsoft.com/office/drawing/2014/main" id="{EC5CC3A4-5E48-9D3A-0D06-6385739CFA2B}"/>
               </a:ext>
             </a:extLst>
           </p:cNvPr>
@@ -34639,19 +35666,14 @@
           </a:xfrm>
         </p:spPr>
         <p:txBody>
-          <a:bodyPr rtlCol="0" anchor="b">
+          <a:bodyPr anchor="b">
             <a:normAutofit/>
           </a:bodyPr>
-          <a:lstStyle>
-            <a:defPPr>
-              <a:defRPr lang="fr-FR"/>
-            </a:defPPr>
-          </a:lstStyle>
+          <a:lstStyle/>
           <a:p>
-            <a:pPr rtl="0"/>
             <a:r>
               <a:rPr lang="fr-FR" dirty="0"/>
-              <a:t>Merci</a:t>
+              <a:t>Présentation CI/CD</a:t>
             </a:r>
           </a:p>
         </p:txBody>
@@ -34659,7 +35681,7 @@
     </p:spTree>
     <p:extLst>
       <p:ext uri="{BB962C8B-B14F-4D97-AF65-F5344CB8AC3E}">
-        <p14:creationId xmlns:p14="http://schemas.microsoft.com/office/powerpoint/2010/main" val="4261132419"/>
+        <p14:creationId xmlns:p14="http://schemas.microsoft.com/office/powerpoint/2010/main" val="921960189"/>
       </p:ext>
     </p:extLst>
   </p:cSld>
@@ -34742,7 +35764,7 @@
             <p:ph sz="quarter" idx="13"/>
             <p:extLst>
               <p:ext uri="{D42A27DB-BD31-4B8C-83A1-F6EECF244321}">
-                <p14:modId xmlns:p14="http://schemas.microsoft.com/office/powerpoint/2010/main" val="1256809269"/>
+                <p14:modId xmlns:p14="http://schemas.microsoft.com/office/powerpoint/2010/main" val="2501536606"/>
               </p:ext>
             </p:extLst>
           </p:nvPr>
@@ -34761,6 +35783,76 @@
     <p:extLst>
       <p:ext uri="{BB962C8B-B14F-4D97-AF65-F5344CB8AC3E}">
         <p14:creationId xmlns:p14="http://schemas.microsoft.com/office/powerpoint/2010/main" val="3346685798"/>
+      </p:ext>
+    </p:extLst>
+  </p:cSld>
+  <p:clrMapOvr>
+    <a:masterClrMapping/>
+  </p:clrMapOvr>
+</p:sld>
+</file>
+
+<file path=ppt/slides/slide20.xml><?xml version="1.0" encoding="utf-8"?>
+<p:sld xmlns:a="http://schemas.openxmlformats.org/drawingml/2006/main" xmlns:r="http://schemas.openxmlformats.org/officeDocument/2006/relationships" xmlns:p="http://schemas.openxmlformats.org/presentationml/2006/main">
+  <p:cSld>
+    <p:spTree>
+      <p:nvGrpSpPr>
+        <p:cNvPr id="1" name=""/>
+        <p:cNvGrpSpPr/>
+        <p:nvPr/>
+      </p:nvGrpSpPr>
+      <p:grpSpPr>
+        <a:xfrm>
+          <a:off x="0" y="0"/>
+          <a:ext cx="0" cy="0"/>
+          <a:chOff x="0" y="0"/>
+          <a:chExt cx="0" cy="0"/>
+        </a:xfrm>
+      </p:grpSpPr>
+      <p:sp>
+        <p:nvSpPr>
+          <p:cNvPr id="2" name="Titre 1">
+            <a:extLst>
+              <a:ext uri="{FF2B5EF4-FFF2-40B4-BE49-F238E27FC236}">
+                <a16:creationId xmlns:a16="http://schemas.microsoft.com/office/drawing/2014/main" id="{F810C1B7-6E4E-3DEE-50C0-1CA3B14303EE}"/>
+              </a:ext>
+            </a:extLst>
+          </p:cNvPr>
+          <p:cNvSpPr>
+            <a:spLocks noGrp="1"/>
+          </p:cNvSpPr>
+          <p:nvPr>
+            <p:ph type="ctrTitle"/>
+          </p:nvPr>
+        </p:nvSpPr>
+        <p:spPr>
+          <a:xfrm>
+            <a:off x="6309904" y="411479"/>
+            <a:ext cx="5486400" cy="3291840"/>
+          </a:xfrm>
+        </p:spPr>
+        <p:txBody>
+          <a:bodyPr rtlCol="0" anchor="b">
+            <a:normAutofit/>
+          </a:bodyPr>
+          <a:lstStyle>
+            <a:defPPr>
+              <a:defRPr lang="fr-FR"/>
+            </a:defPPr>
+          </a:lstStyle>
+          <a:p>
+            <a:pPr rtl="0"/>
+            <a:r>
+              <a:rPr lang="fr-FR" dirty="0"/>
+              <a:t>Merci</a:t>
+            </a:r>
+          </a:p>
+        </p:txBody>
+      </p:sp>
+    </p:spTree>
+    <p:extLst>
+      <p:ext uri="{BB962C8B-B14F-4D97-AF65-F5344CB8AC3E}">
+        <p14:creationId xmlns:p14="http://schemas.microsoft.com/office/powerpoint/2010/main" val="4261132419"/>
       </p:ext>
     </p:extLst>
   </p:cSld>
@@ -35418,7 +36510,7 @@
         </p:spPr>
         <p:txBody>
           <a:bodyPr anchor="b">
-            <a:normAutofit/>
+            <a:normAutofit fontScale="90000"/>
           </a:bodyPr>
           <a:lstStyle/>
           <a:p>
@@ -35427,12 +36519,20 @@
               <a:buChar char="-"/>
             </a:pPr>
             <a:r>
-              <a:rPr lang="en-US" sz="3400" err="1"/>
+              <a:rPr lang="en-US" sz="3400" dirty="0" err="1"/>
               <a:t>Utilisation</a:t>
             </a:r>
             <a:r>
-              <a:rPr lang="en-US" sz="3400"/>
-              <a:t> du Security Group</a:t>
+              <a:rPr lang="en-US" sz="3400" dirty="0"/>
+              <a:t> du Security Group / Firewall (</a:t>
+            </a:r>
+            <a:r>
+              <a:rPr lang="en-US" sz="3400" dirty="0" err="1"/>
+              <a:t>CloudFlare</a:t>
+            </a:r>
+            <a:r>
+              <a:rPr lang="en-US" sz="3400" dirty="0"/>
+              <a:t>)</a:t>
             </a:r>
           </a:p>
           <a:p>
@@ -35441,18 +36541,18 @@
               <a:buChar char="-"/>
             </a:pPr>
             <a:r>
-              <a:rPr lang="en-US" sz="3400" err="1"/>
+              <a:rPr lang="en-US" sz="3400" dirty="0" err="1"/>
               <a:t>Environnements</a:t>
             </a:r>
             <a:r>
-              <a:rPr lang="en-US" sz="3400"/>
+              <a:rPr lang="en-US" sz="3400" dirty="0"/>
               <a:t> </a:t>
             </a:r>
             <a:r>
-              <a:rPr lang="en-US" sz="3400" err="1"/>
-              <a:t>conteneurisés</a:t>
+              <a:rPr lang="en-US" sz="3400" dirty="0" err="1"/>
+              <a:t>conteneurisées</a:t>
             </a:r>
-            <a:endParaRPr lang="en-US" sz="3400"/>
+            <a:endParaRPr lang="en-US" sz="3400" dirty="0"/>
           </a:p>
           <a:p>
             <a:pPr marL="342900" indent="-342900">
@@ -35460,7 +36560,7 @@
               <a:buChar char="-"/>
             </a:pPr>
             <a:r>
-              <a:rPr lang="en-US" sz="3400"/>
+              <a:rPr lang="en-US" sz="3400" dirty="0"/>
               <a:t>Restriction des ports</a:t>
             </a:r>
           </a:p>
@@ -35582,6 +36682,10 @@
             <a:br>
               <a:rPr lang="en-US" dirty="0"/>
             </a:br>
+            <a:r>
+              <a:rPr lang="en-US" dirty="0"/>
+              <a:t>Wiki</a:t>
+            </a:r>
             <a:endParaRPr lang="fr-FR" dirty="0"/>
           </a:p>
         </p:txBody>
